--- a/sessions/ChennaiAzureUserGroup/Snowflake_DW/Snowflake data warehouse.pptx
+++ b/sessions/ChennaiAzureUserGroup/Snowflake_DW/Snowflake data warehouse.pptx
@@ -5,7 +5,7 @@
     <p:sldMasterId id="2147483660" r:id="rId1"/>
   </p:sldMasterIdLst>
   <p:notesMasterIdLst>
-    <p:notesMasterId r:id="rId15"/>
+    <p:notesMasterId r:id="rId18"/>
   </p:notesMasterIdLst>
   <p:sldIdLst>
     <p:sldId id="256" r:id="rId2"/>
@@ -18,9 +18,12 @@
     <p:sldId id="264" r:id="rId9"/>
     <p:sldId id="2076136270" r:id="rId10"/>
     <p:sldId id="2076136271" r:id="rId11"/>
-    <p:sldId id="2076136272" r:id="rId12"/>
-    <p:sldId id="266" r:id="rId13"/>
-    <p:sldId id="2076136268" r:id="rId14"/>
+    <p:sldId id="2076136275" r:id="rId12"/>
+    <p:sldId id="2076136272" r:id="rId13"/>
+    <p:sldId id="2076136273" r:id="rId14"/>
+    <p:sldId id="2076136274" r:id="rId15"/>
+    <p:sldId id="266" r:id="rId16"/>
+    <p:sldId id="2076136268" r:id="rId17"/>
   </p:sldIdLst>
   <p:sldSz cx="12192000" cy="6858000"/>
   <p:notesSz cx="6858000" cy="9144000"/>
@@ -209,7 +212,7 @@
           <a:p>
             <a:fld id="{5504A8C5-2585-44C9-B0E5-24F06DD964F4}" type="datetimeFigureOut">
               <a:rPr lang="en-IN" smtClean="0"/>
-              <a:t>23-05-2021</a:t>
+              <a:t>31-05-2021</a:t>
             </a:fld>
             <a:endParaRPr lang="en-IN"/>
           </a:p>
@@ -522,6 +525,233 @@
           <a:lstStyle/>
           <a:p>
             <a:r>
+              <a:rPr lang="en-GB" b="0" i="0" dirty="0">
+                <a:solidFill>
+                  <a:srgbClr val="E8EAED"/>
+                </a:solidFill>
+                <a:effectLst/>
+                <a:latin typeface="Roboto" panose="020B0604020202020204" pitchFamily="2" charset="0"/>
+              </a:rPr>
+              <a:t>Prerequisites: </a:t>
+            </a:r>
+          </a:p>
+          <a:p>
+            <a:pPr marL="171450" indent="-171450">
+              <a:buFontTx/>
+              <a:buChar char="-"/>
+            </a:pPr>
+            <a:r>
+              <a:rPr lang="en-GB" b="0" i="0" dirty="0">
+                <a:solidFill>
+                  <a:srgbClr val="E8EAED"/>
+                </a:solidFill>
+                <a:effectLst/>
+                <a:latin typeface="Roboto" panose="020B0604020202020204" pitchFamily="2" charset="0"/>
+              </a:rPr>
+              <a:t>"Basic knowledge of SQL, and database concepts and objects“.</a:t>
+            </a:r>
+          </a:p>
+          <a:p>
+            <a:pPr marL="171450" indent="-171450">
+              <a:buFontTx/>
+              <a:buChar char="-"/>
+            </a:pPr>
+            <a:r>
+              <a:rPr lang="en-GB" b="0" i="0" dirty="0">
+                <a:solidFill>
+                  <a:srgbClr val="E8EAED"/>
+                </a:solidFill>
+                <a:effectLst/>
+                <a:latin typeface="Roboto" panose="020B0604020202020204" pitchFamily="2" charset="0"/>
+              </a:rPr>
+              <a:t>"Familiarity with JSON semi-structured data".</a:t>
+            </a:r>
+            <a:endParaRPr lang="en-IN" dirty="0"/>
+          </a:p>
+        </p:txBody>
+      </p:sp>
+      <p:sp>
+        <p:nvSpPr>
+          <p:cNvPr id="4" name="Slide Number Placeholder 3"/>
+          <p:cNvSpPr>
+            <a:spLocks noGrp="1"/>
+          </p:cNvSpPr>
+          <p:nvPr>
+            <p:ph type="sldNum" sz="quarter" idx="5"/>
+          </p:nvPr>
+        </p:nvSpPr>
+        <p:spPr/>
+        <p:txBody>
+          <a:bodyPr/>
+          <a:lstStyle/>
+          <a:p>
+            <a:fld id="{F75603B9-19B4-4D8F-907A-25ED0F1ACBA1}" type="slidenum">
+              <a:rPr lang="en-IN" smtClean="0"/>
+              <a:t>1</a:t>
+            </a:fld>
+            <a:endParaRPr lang="en-IN"/>
+          </a:p>
+        </p:txBody>
+      </p:sp>
+    </p:spTree>
+    <p:extLst>
+      <p:ext uri="{BB962C8B-B14F-4D97-AF65-F5344CB8AC3E}">
+        <p14:creationId xmlns:p14="http://schemas.microsoft.com/office/powerpoint/2010/main" val="1415326895"/>
+      </p:ext>
+    </p:extLst>
+  </p:cSld>
+  <p:clrMapOvr>
+    <a:masterClrMapping/>
+  </p:clrMapOvr>
+</p:notes>
+</file>
+
+<file path=ppt/notesSlides/notesSlide10.xml><?xml version="1.0" encoding="utf-8"?>
+<p:notes xmlns:a="http://schemas.openxmlformats.org/drawingml/2006/main" xmlns:r="http://schemas.openxmlformats.org/officeDocument/2006/relationships" xmlns:p="http://schemas.openxmlformats.org/presentationml/2006/main">
+  <p:cSld>
+    <p:spTree>
+      <p:nvGrpSpPr>
+        <p:cNvPr id="1" name=""/>
+        <p:cNvGrpSpPr/>
+        <p:nvPr/>
+      </p:nvGrpSpPr>
+      <p:grpSpPr>
+        <a:xfrm>
+          <a:off x="0" y="0"/>
+          <a:ext cx="0" cy="0"/>
+          <a:chOff x="0" y="0"/>
+          <a:chExt cx="0" cy="0"/>
+        </a:xfrm>
+      </p:grpSpPr>
+      <p:sp>
+        <p:nvSpPr>
+          <p:cNvPr id="2" name="Slide Image Placeholder 1"/>
+          <p:cNvSpPr>
+            <a:spLocks noGrp="1" noRot="1" noChangeAspect="1"/>
+          </p:cNvSpPr>
+          <p:nvPr>
+            <p:ph type="sldImg"/>
+          </p:nvPr>
+        </p:nvSpPr>
+        <p:spPr/>
+      </p:sp>
+      <p:sp>
+        <p:nvSpPr>
+          <p:cNvPr id="3" name="Notes Placeholder 2"/>
+          <p:cNvSpPr>
+            <a:spLocks noGrp="1"/>
+          </p:cNvSpPr>
+          <p:nvPr>
+            <p:ph type="body" idx="1"/>
+          </p:nvPr>
+        </p:nvSpPr>
+        <p:spPr/>
+        <p:txBody>
+          <a:bodyPr/>
+          <a:lstStyle/>
+          <a:p>
+            <a:pPr marL="0" marR="0" lvl="0" indent="0" algn="l" defTabSz="914400" rtl="0" eaLnBrk="1" fontAlgn="auto" latinLnBrk="0" hangingPunct="1">
+              <a:lnSpc>
+                <a:spcPct val="100000"/>
+              </a:lnSpc>
+              <a:spcBef>
+                <a:spcPts val="0"/>
+              </a:spcBef>
+              <a:spcAft>
+                <a:spcPts val="0"/>
+              </a:spcAft>
+              <a:buClrTx/>
+              <a:buSzTx/>
+              <a:buFontTx/>
+              <a:buNone/>
+              <a:tabLst/>
+              <a:defRPr/>
+            </a:pPr>
+            <a:endParaRPr lang="en-GB" dirty="0"/>
+          </a:p>
+        </p:txBody>
+      </p:sp>
+      <p:sp>
+        <p:nvSpPr>
+          <p:cNvPr id="4" name="Slide Number Placeholder 3"/>
+          <p:cNvSpPr>
+            <a:spLocks noGrp="1"/>
+          </p:cNvSpPr>
+          <p:nvPr>
+            <p:ph type="sldNum" sz="quarter" idx="5"/>
+          </p:nvPr>
+        </p:nvSpPr>
+        <p:spPr/>
+        <p:txBody>
+          <a:bodyPr/>
+          <a:lstStyle/>
+          <a:p>
+            <a:fld id="{61D11EEE-6408-426C-86EC-A45CD40E17C7}" type="slidenum">
+              <a:rPr lang="en-IN" smtClean="0"/>
+              <a:t>15</a:t>
+            </a:fld>
+            <a:endParaRPr lang="en-IN"/>
+          </a:p>
+        </p:txBody>
+      </p:sp>
+    </p:spTree>
+    <p:extLst>
+      <p:ext uri="{BB962C8B-B14F-4D97-AF65-F5344CB8AC3E}">
+        <p14:creationId xmlns:p14="http://schemas.microsoft.com/office/powerpoint/2010/main" val="2019999900"/>
+      </p:ext>
+    </p:extLst>
+  </p:cSld>
+  <p:clrMapOvr>
+    <a:masterClrMapping/>
+  </p:clrMapOvr>
+</p:notes>
+</file>
+
+<file path=ppt/notesSlides/notesSlide2.xml><?xml version="1.0" encoding="utf-8"?>
+<p:notes xmlns:a="http://schemas.openxmlformats.org/drawingml/2006/main" xmlns:r="http://schemas.openxmlformats.org/officeDocument/2006/relationships" xmlns:p="http://schemas.openxmlformats.org/presentationml/2006/main">
+  <p:cSld>
+    <p:spTree>
+      <p:nvGrpSpPr>
+        <p:cNvPr id="1" name=""/>
+        <p:cNvGrpSpPr/>
+        <p:nvPr/>
+      </p:nvGrpSpPr>
+      <p:grpSpPr>
+        <a:xfrm>
+          <a:off x="0" y="0"/>
+          <a:ext cx="0" cy="0"/>
+          <a:chOff x="0" y="0"/>
+          <a:chExt cx="0" cy="0"/>
+        </a:xfrm>
+      </p:grpSpPr>
+      <p:sp>
+        <p:nvSpPr>
+          <p:cNvPr id="2" name="Slide Image Placeholder 1"/>
+          <p:cNvSpPr>
+            <a:spLocks noGrp="1" noRot="1" noChangeAspect="1"/>
+          </p:cNvSpPr>
+          <p:nvPr>
+            <p:ph type="sldImg"/>
+          </p:nvPr>
+        </p:nvSpPr>
+        <p:spPr/>
+      </p:sp>
+      <p:sp>
+        <p:nvSpPr>
+          <p:cNvPr id="3" name="Notes Placeholder 2"/>
+          <p:cNvSpPr>
+            <a:spLocks noGrp="1"/>
+          </p:cNvSpPr>
+          <p:nvPr>
+            <p:ph type="body" idx="1"/>
+          </p:nvPr>
+        </p:nvSpPr>
+        <p:spPr/>
+        <p:txBody>
+          <a:bodyPr/>
+          <a:lstStyle/>
+          <a:p>
+            <a:r>
               <a:rPr lang="en-GB" dirty="0"/>
               <a:t>This is a crazy and slightly confusing time in the data architecture space. More and more companies are shifting towards data lakes, yet the traditional data warehouse and database continues to provide value, as it has for decades. Now to add that, we have this increasingly popular </a:t>
             </a:r>
@@ -573,7 +803,7 @@
 </p:notes>
 </file>
 
-<file path=ppt/notesSlides/notesSlide2.xml><?xml version="1.0" encoding="utf-8"?>
+<file path=ppt/notesSlides/notesSlide3.xml><?xml version="1.0" encoding="utf-8"?>
 <p:notes xmlns:a="http://schemas.openxmlformats.org/drawingml/2006/main" xmlns:r="http://schemas.openxmlformats.org/officeDocument/2006/relationships" xmlns:p="http://schemas.openxmlformats.org/presentationml/2006/main">
   <p:cSld>
     <p:spTree>
@@ -687,7 +917,7 @@
 </p:notes>
 </file>
 
-<file path=ppt/notesSlides/notesSlide3.xml><?xml version="1.0" encoding="utf-8"?>
+<file path=ppt/notesSlides/notesSlide4.xml><?xml version="1.0" encoding="utf-8"?>
 <p:notes xmlns:a="http://schemas.openxmlformats.org/drawingml/2006/main" xmlns:r="http://schemas.openxmlformats.org/officeDocument/2006/relationships" xmlns:p="http://schemas.openxmlformats.org/presentationml/2006/main">
   <p:cSld>
     <p:spTree>
@@ -789,7 +1019,7 @@
 </p:notes>
 </file>
 
-<file path=ppt/notesSlides/notesSlide4.xml><?xml version="1.0" encoding="utf-8"?>
+<file path=ppt/notesSlides/notesSlide5.xml><?xml version="1.0" encoding="utf-8"?>
 <p:notes xmlns:a="http://schemas.openxmlformats.org/drawingml/2006/main" xmlns:r="http://schemas.openxmlformats.org/officeDocument/2006/relationships" xmlns:p="http://schemas.openxmlformats.org/presentationml/2006/main">
   <p:cSld>
     <p:spTree>
@@ -932,7 +1162,7 @@
 </p:notes>
 </file>
 
-<file path=ppt/notesSlides/notesSlide5.xml><?xml version="1.0" encoding="utf-8"?>
+<file path=ppt/notesSlides/notesSlide6.xml><?xml version="1.0" encoding="utf-8"?>
 <p:notes xmlns:a="http://schemas.openxmlformats.org/drawingml/2006/main" xmlns:r="http://schemas.openxmlformats.org/officeDocument/2006/relationships" xmlns:p="http://schemas.openxmlformats.org/presentationml/2006/main">
   <p:cSld>
     <p:spTree>
@@ -984,7 +1214,7 @@
           <a:p>
             <a:r>
               <a:rPr lang="en-GB" dirty="0"/>
-              <a:t>* Snowflake has a data type called ‘BINARY’. Still not recommended. Rather you can decide to store the URL that points to that image/video stored in data lakes like S3.</a:t>
+              <a:t>* Image - Snowflake has a data type called ‘BINARY’. Still not recommended. Rather you can decide to store the URL that points to that image/video stored in data lakes like S3.</a:t>
             </a:r>
             <a:endParaRPr lang="en-IN" dirty="0"/>
           </a:p>
@@ -1017,94 +1247,6 @@
     <p:extLst>
       <p:ext uri="{BB962C8B-B14F-4D97-AF65-F5344CB8AC3E}">
         <p14:creationId xmlns:p14="http://schemas.microsoft.com/office/powerpoint/2010/main" val="2093567089"/>
-      </p:ext>
-    </p:extLst>
-  </p:cSld>
-  <p:clrMapOvr>
-    <a:masterClrMapping/>
-  </p:clrMapOvr>
-</p:notes>
-</file>
-
-<file path=ppt/notesSlides/notesSlide6.xml><?xml version="1.0" encoding="utf-8"?>
-<p:notes xmlns:a="http://schemas.openxmlformats.org/drawingml/2006/main" xmlns:r="http://schemas.openxmlformats.org/officeDocument/2006/relationships" xmlns:p="http://schemas.openxmlformats.org/presentationml/2006/main">
-  <p:cSld>
-    <p:spTree>
-      <p:nvGrpSpPr>
-        <p:cNvPr id="1" name=""/>
-        <p:cNvGrpSpPr/>
-        <p:nvPr/>
-      </p:nvGrpSpPr>
-      <p:grpSpPr>
-        <a:xfrm>
-          <a:off x="0" y="0"/>
-          <a:ext cx="0" cy="0"/>
-          <a:chOff x="0" y="0"/>
-          <a:chExt cx="0" cy="0"/>
-        </a:xfrm>
-      </p:grpSpPr>
-      <p:sp>
-        <p:nvSpPr>
-          <p:cNvPr id="2" name="Slide Image Placeholder 1"/>
-          <p:cNvSpPr>
-            <a:spLocks noGrp="1" noRot="1" noChangeAspect="1"/>
-          </p:cNvSpPr>
-          <p:nvPr>
-            <p:ph type="sldImg"/>
-          </p:nvPr>
-        </p:nvSpPr>
-        <p:spPr/>
-      </p:sp>
-      <p:sp>
-        <p:nvSpPr>
-          <p:cNvPr id="3" name="Notes Placeholder 2"/>
-          <p:cNvSpPr>
-            <a:spLocks noGrp="1"/>
-          </p:cNvSpPr>
-          <p:nvPr>
-            <p:ph type="body" idx="1"/>
-          </p:nvPr>
-        </p:nvSpPr>
-        <p:spPr/>
-        <p:txBody>
-          <a:bodyPr/>
-          <a:lstStyle/>
-          <a:p>
-            <a:r>
-              <a:rPr lang="en-GB" dirty="0"/>
-              <a:t>* There wont be any conversion or copying to another system. Data relies in 1 single place and all external systems access over same data. So data democratization is good while using data lake.</a:t>
-            </a:r>
-            <a:endParaRPr lang="en-IN" dirty="0"/>
-          </a:p>
-        </p:txBody>
-      </p:sp>
-      <p:sp>
-        <p:nvSpPr>
-          <p:cNvPr id="4" name="Slide Number Placeholder 3"/>
-          <p:cNvSpPr>
-            <a:spLocks noGrp="1"/>
-          </p:cNvSpPr>
-          <p:nvPr>
-            <p:ph type="sldNum" sz="quarter" idx="5"/>
-          </p:nvPr>
-        </p:nvSpPr>
-        <p:spPr/>
-        <p:txBody>
-          <a:bodyPr/>
-          <a:lstStyle/>
-          <a:p>
-            <a:fld id="{61D11EEE-6408-426C-86EC-A45CD40E17C7}" type="slidenum">
-              <a:rPr lang="en-IN" smtClean="0"/>
-              <a:t>8</a:t>
-            </a:fld>
-            <a:endParaRPr lang="en-IN"/>
-          </a:p>
-        </p:txBody>
-      </p:sp>
-    </p:spTree>
-    <p:extLst>
-      <p:ext uri="{BB962C8B-B14F-4D97-AF65-F5344CB8AC3E}">
-        <p14:creationId xmlns:p14="http://schemas.microsoft.com/office/powerpoint/2010/main" val="1155419419"/>
       </p:ext>
     </p:extLst>
   </p:cSld>
@@ -1158,24 +1300,11 @@
           <a:bodyPr/>
           <a:lstStyle/>
           <a:p>
-            <a:pPr marL="0" marR="0" lvl="0" indent="0" algn="l" defTabSz="914400" rtl="0" eaLnBrk="1" fontAlgn="auto" latinLnBrk="0" hangingPunct="1">
-              <a:lnSpc>
-                <a:spcPct val="100000"/>
-              </a:lnSpc>
-              <a:spcBef>
-                <a:spcPts val="0"/>
-              </a:spcBef>
-              <a:spcAft>
-                <a:spcPts val="0"/>
-              </a:spcAft>
-              <a:buClrTx/>
-              <a:buSzTx/>
-              <a:buFontTx/>
-              <a:buNone/>
-              <a:tabLst/>
-              <a:defRPr/>
-            </a:pPr>
-            <a:endParaRPr lang="en-GB" dirty="0"/>
+            <a:r>
+              <a:rPr lang="en-GB" dirty="0"/>
+              <a:t>* There wont be any conversion or hard-copying between systems. Data relies in 1 single place and all external systems access over same data. So data democratization is good while using data lake.</a:t>
+            </a:r>
+            <a:endParaRPr lang="en-IN" dirty="0"/>
           </a:p>
         </p:txBody>
       </p:sp>
@@ -1196,7 +1325,7 @@
           <a:p>
             <a:fld id="{61D11EEE-6408-426C-86EC-A45CD40E17C7}" type="slidenum">
               <a:rPr lang="en-IN" smtClean="0"/>
-              <a:t>12</a:t>
+              <a:t>8</a:t>
             </a:fld>
             <a:endParaRPr lang="en-IN"/>
           </a:p>
@@ -1205,7 +1334,195 @@
     </p:spTree>
     <p:extLst>
       <p:ext uri="{BB962C8B-B14F-4D97-AF65-F5344CB8AC3E}">
-        <p14:creationId xmlns:p14="http://schemas.microsoft.com/office/powerpoint/2010/main" val="2019999900"/>
+        <p14:creationId xmlns:p14="http://schemas.microsoft.com/office/powerpoint/2010/main" val="1155419419"/>
+      </p:ext>
+    </p:extLst>
+  </p:cSld>
+  <p:clrMapOvr>
+    <a:masterClrMapping/>
+  </p:clrMapOvr>
+</p:notes>
+</file>
+
+<file path=ppt/notesSlides/notesSlide8.xml><?xml version="1.0" encoding="utf-8"?>
+<p:notes xmlns:a="http://schemas.openxmlformats.org/drawingml/2006/main" xmlns:r="http://schemas.openxmlformats.org/officeDocument/2006/relationships" xmlns:p="http://schemas.openxmlformats.org/presentationml/2006/main">
+  <p:cSld>
+    <p:spTree>
+      <p:nvGrpSpPr>
+        <p:cNvPr id="1" name=""/>
+        <p:cNvGrpSpPr/>
+        <p:nvPr/>
+      </p:nvGrpSpPr>
+      <p:grpSpPr>
+        <a:xfrm>
+          <a:off x="0" y="0"/>
+          <a:ext cx="0" cy="0"/>
+          <a:chOff x="0" y="0"/>
+          <a:chExt cx="0" cy="0"/>
+        </a:xfrm>
+      </p:grpSpPr>
+      <p:sp>
+        <p:nvSpPr>
+          <p:cNvPr id="2" name="Slide Image Placeholder 1"/>
+          <p:cNvSpPr>
+            <a:spLocks noGrp="1" noRot="1" noChangeAspect="1"/>
+          </p:cNvSpPr>
+          <p:nvPr>
+            <p:ph type="sldImg"/>
+          </p:nvPr>
+        </p:nvSpPr>
+        <p:spPr/>
+      </p:sp>
+      <p:sp>
+        <p:nvSpPr>
+          <p:cNvPr id="3" name="Notes Placeholder 2"/>
+          <p:cNvSpPr>
+            <a:spLocks noGrp="1"/>
+          </p:cNvSpPr>
+          <p:nvPr>
+            <p:ph type="body" idx="1"/>
+          </p:nvPr>
+        </p:nvSpPr>
+        <p:spPr/>
+        <p:txBody>
+          <a:bodyPr/>
+          <a:lstStyle/>
+          <a:p>
+            <a:r>
+              <a:rPr lang="en-GB" b="0" i="0" dirty="0">
+                <a:solidFill>
+                  <a:srgbClr val="E8EAED"/>
+                </a:solidFill>
+                <a:effectLst/>
+                <a:latin typeface="Roboto" panose="02000000000000000000" pitchFamily="2" charset="0"/>
+              </a:rPr>
+              <a:t>Different use cases of analytics - Data science is one part of it. Data analytics is the major part.</a:t>
+            </a:r>
+            <a:endParaRPr lang="en-IN" dirty="0"/>
+          </a:p>
+        </p:txBody>
+      </p:sp>
+      <p:sp>
+        <p:nvSpPr>
+          <p:cNvPr id="4" name="Slide Number Placeholder 3"/>
+          <p:cNvSpPr>
+            <a:spLocks noGrp="1"/>
+          </p:cNvSpPr>
+          <p:nvPr>
+            <p:ph type="sldNum" sz="quarter" idx="5"/>
+          </p:nvPr>
+        </p:nvSpPr>
+        <p:spPr/>
+        <p:txBody>
+          <a:bodyPr/>
+          <a:lstStyle/>
+          <a:p>
+            <a:fld id="{F75603B9-19B4-4D8F-907A-25ED0F1ACBA1}" type="slidenum">
+              <a:rPr lang="en-IN" smtClean="0"/>
+              <a:t>9</a:t>
+            </a:fld>
+            <a:endParaRPr lang="en-IN"/>
+          </a:p>
+        </p:txBody>
+      </p:sp>
+    </p:spTree>
+    <p:extLst>
+      <p:ext uri="{BB962C8B-B14F-4D97-AF65-F5344CB8AC3E}">
+        <p14:creationId xmlns:p14="http://schemas.microsoft.com/office/powerpoint/2010/main" val="3215453878"/>
+      </p:ext>
+    </p:extLst>
+  </p:cSld>
+  <p:clrMapOvr>
+    <a:masterClrMapping/>
+  </p:clrMapOvr>
+</p:notes>
+</file>
+
+<file path=ppt/notesSlides/notesSlide9.xml><?xml version="1.0" encoding="utf-8"?>
+<p:notes xmlns:a="http://schemas.openxmlformats.org/drawingml/2006/main" xmlns:r="http://schemas.openxmlformats.org/officeDocument/2006/relationships" xmlns:p="http://schemas.openxmlformats.org/presentationml/2006/main">
+  <p:cSld>
+    <p:spTree>
+      <p:nvGrpSpPr>
+        <p:cNvPr id="1" name=""/>
+        <p:cNvGrpSpPr/>
+        <p:nvPr/>
+      </p:nvGrpSpPr>
+      <p:grpSpPr>
+        <a:xfrm>
+          <a:off x="0" y="0"/>
+          <a:ext cx="0" cy="0"/>
+          <a:chOff x="0" y="0"/>
+          <a:chExt cx="0" cy="0"/>
+        </a:xfrm>
+      </p:grpSpPr>
+      <p:sp>
+        <p:nvSpPr>
+          <p:cNvPr id="2" name="Slide Image Placeholder 1"/>
+          <p:cNvSpPr>
+            <a:spLocks noGrp="1" noRot="1" noChangeAspect="1"/>
+          </p:cNvSpPr>
+          <p:nvPr>
+            <p:ph type="sldImg"/>
+          </p:nvPr>
+        </p:nvSpPr>
+        <p:spPr/>
+      </p:sp>
+      <p:sp>
+        <p:nvSpPr>
+          <p:cNvPr id="3" name="Notes Placeholder 2"/>
+          <p:cNvSpPr>
+            <a:spLocks noGrp="1"/>
+          </p:cNvSpPr>
+          <p:nvPr>
+            <p:ph type="body" idx="1"/>
+          </p:nvPr>
+        </p:nvSpPr>
+        <p:spPr/>
+        <p:txBody>
+          <a:bodyPr/>
+          <a:lstStyle/>
+          <a:p>
+            <a:r>
+              <a:rPr lang="en-IN" b="0" i="0" dirty="0">
+                <a:solidFill>
+                  <a:srgbClr val="E8EAED"/>
+                </a:solidFill>
+                <a:effectLst/>
+                <a:latin typeface="Roboto" panose="02000000000000000000" pitchFamily="2" charset="0"/>
+              </a:rPr>
+              <a:t>Traditional data warehouses cannot do these things easily.</a:t>
+            </a:r>
+            <a:endParaRPr lang="en-IN" dirty="0"/>
+          </a:p>
+        </p:txBody>
+      </p:sp>
+      <p:sp>
+        <p:nvSpPr>
+          <p:cNvPr id="4" name="Slide Number Placeholder 3"/>
+          <p:cNvSpPr>
+            <a:spLocks noGrp="1"/>
+          </p:cNvSpPr>
+          <p:nvPr>
+            <p:ph type="sldNum" sz="quarter" idx="5"/>
+          </p:nvPr>
+        </p:nvSpPr>
+        <p:spPr/>
+        <p:txBody>
+          <a:bodyPr/>
+          <a:lstStyle/>
+          <a:p>
+            <a:fld id="{F75603B9-19B4-4D8F-907A-25ED0F1ACBA1}" type="slidenum">
+              <a:rPr lang="en-IN" smtClean="0"/>
+              <a:t>13</a:t>
+            </a:fld>
+            <a:endParaRPr lang="en-IN"/>
+          </a:p>
+        </p:txBody>
+      </p:sp>
+    </p:spTree>
+    <p:extLst>
+      <p:ext uri="{BB962C8B-B14F-4D97-AF65-F5344CB8AC3E}">
+        <p14:creationId xmlns:p14="http://schemas.microsoft.com/office/powerpoint/2010/main" val="565460378"/>
       </p:ext>
     </p:extLst>
   </p:cSld>
@@ -10008,7 +10325,7 @@
           <a:p>
             <a:fld id="{7FEB833B-13B3-4FA0-BE9A-3E1DCDBB796D}" type="datetimeFigureOut">
               <a:rPr lang="en-IN" smtClean="0"/>
-              <a:t>22-05-2021</a:t>
+              <a:t>31-05-2021</a:t>
             </a:fld>
             <a:endParaRPr lang="en-IN"/>
           </a:p>
@@ -10215,7 +10532,7 @@
           <a:p>
             <a:fld id="{7FEB833B-13B3-4FA0-BE9A-3E1DCDBB796D}" type="datetimeFigureOut">
               <a:rPr lang="en-IN" smtClean="0"/>
-              <a:t>22-05-2021</a:t>
+              <a:t>31-05-2021</a:t>
             </a:fld>
             <a:endParaRPr lang="en-IN"/>
           </a:p>
@@ -10395,7 +10712,7 @@
           <a:p>
             <a:fld id="{7FEB833B-13B3-4FA0-BE9A-3E1DCDBB796D}" type="datetimeFigureOut">
               <a:rPr lang="en-IN" smtClean="0"/>
-              <a:t>22-05-2021</a:t>
+              <a:t>31-05-2021</a:t>
             </a:fld>
             <a:endParaRPr lang="en-IN"/>
           </a:p>
@@ -10600,7 +10917,7 @@
           <a:p>
             <a:fld id="{7FEB833B-13B3-4FA0-BE9A-3E1DCDBB796D}" type="datetimeFigureOut">
               <a:rPr lang="en-IN" smtClean="0"/>
-              <a:t>22-05-2021</a:t>
+              <a:t>31-05-2021</a:t>
             </a:fld>
             <a:endParaRPr lang="en-IN"/>
           </a:p>
@@ -19498,7 +19815,7 @@
           <a:p>
             <a:fld id="{7FEB833B-13B3-4FA0-BE9A-3E1DCDBB796D}" type="datetimeFigureOut">
               <a:rPr lang="en-IN" smtClean="0"/>
-              <a:t>22-05-2021</a:t>
+              <a:t>31-05-2021</a:t>
             </a:fld>
             <a:endParaRPr lang="en-IN"/>
           </a:p>
@@ -19772,7 +20089,7 @@
           <a:p>
             <a:fld id="{7FEB833B-13B3-4FA0-BE9A-3E1DCDBB796D}" type="datetimeFigureOut">
               <a:rPr lang="en-IN" smtClean="0"/>
-              <a:t>22-05-2021</a:t>
+              <a:t>31-05-2021</a:t>
             </a:fld>
             <a:endParaRPr lang="en-IN"/>
           </a:p>
@@ -20170,7 +20487,7 @@
           <a:p>
             <a:fld id="{7FEB833B-13B3-4FA0-BE9A-3E1DCDBB796D}" type="datetimeFigureOut">
               <a:rPr lang="en-IN" smtClean="0"/>
-              <a:t>22-05-2021</a:t>
+              <a:t>31-05-2021</a:t>
             </a:fld>
             <a:endParaRPr lang="en-IN"/>
           </a:p>
@@ -20288,7 +20605,7 @@
           <a:p>
             <a:fld id="{7FEB833B-13B3-4FA0-BE9A-3E1DCDBB796D}" type="datetimeFigureOut">
               <a:rPr lang="en-IN" smtClean="0"/>
-              <a:t>22-05-2021</a:t>
+              <a:t>31-05-2021</a:t>
             </a:fld>
             <a:endParaRPr lang="en-IN"/>
           </a:p>
@@ -20383,7 +20700,7 @@
           <a:p>
             <a:fld id="{7FEB833B-13B3-4FA0-BE9A-3E1DCDBB796D}" type="datetimeFigureOut">
               <a:rPr lang="en-IN" smtClean="0"/>
-              <a:t>22-05-2021</a:t>
+              <a:t>31-05-2021</a:t>
             </a:fld>
             <a:endParaRPr lang="en-IN"/>
           </a:p>
@@ -20673,7 +20990,7 @@
           <a:p>
             <a:fld id="{7FEB833B-13B3-4FA0-BE9A-3E1DCDBB796D}" type="datetimeFigureOut">
               <a:rPr lang="en-IN" smtClean="0"/>
-              <a:t>22-05-2021</a:t>
+              <a:t>31-05-2021</a:t>
             </a:fld>
             <a:endParaRPr lang="en-IN"/>
           </a:p>
@@ -20953,7 +21270,7 @@
           <a:p>
             <a:fld id="{7FEB833B-13B3-4FA0-BE9A-3E1DCDBB796D}" type="datetimeFigureOut">
               <a:rPr lang="en-IN" smtClean="0"/>
-              <a:t>22-05-2021</a:t>
+              <a:t>31-05-2021</a:t>
             </a:fld>
             <a:endParaRPr lang="en-IN"/>
           </a:p>
@@ -21203,7 +21520,7 @@
           <a:p>
             <a:fld id="{7FEB833B-13B3-4FA0-BE9A-3E1DCDBB796D}" type="datetimeFigureOut">
               <a:rPr lang="en-IN" smtClean="0"/>
-              <a:t>22-05-2021</a:t>
+              <a:t>31-05-2021</a:t>
             </a:fld>
             <a:endParaRPr lang="en-IN"/>
           </a:p>
@@ -21728,7 +22045,14 @@
           <a:p>
             <a:r>
               <a:rPr lang="en-GB" dirty="0"/>
-              <a:t>Why Snowflake and Cloud Data Warehousing?</a:t>
+              <a:t>Why Snowflake? </a:t>
+            </a:r>
+            <a:br>
+              <a:rPr lang="en-GB" dirty="0"/>
+            </a:br>
+            <a:r>
+              <a:rPr lang="en-GB" dirty="0"/>
+              <a:t>Cloud Data Warehousing?</a:t>
             </a:r>
             <a:endParaRPr lang="en-IN" dirty="0"/>
           </a:p>
@@ -21904,7 +22228,7 @@
           <p:cNvPr id="2" name="Title 1">
             <a:extLst>
               <a:ext uri="{FF2B5EF4-FFF2-40B4-BE49-F238E27FC236}">
-                <a16:creationId xmlns:a16="http://schemas.microsoft.com/office/drawing/2014/main" id="{23672F43-C324-4715-B650-C104F48B2AFE}"/>
+                <a16:creationId xmlns:a16="http://schemas.microsoft.com/office/drawing/2014/main" id="{680A6D91-295B-4F97-AE52-EFF8C272720D}"/>
               </a:ext>
             </a:extLst>
           </p:cNvPr>
@@ -21920,20 +22244,16 @@
           <a:bodyPr/>
           <a:lstStyle/>
           <a:p>
-            <a:r>
-              <a:rPr lang="en-GB" dirty="0"/>
-              <a:t>Snowflake data warehouse</a:t>
-            </a:r>
-            <a:endParaRPr lang="en-IN" dirty="0"/>
+            <a:endParaRPr lang="en-IN"/>
           </a:p>
         </p:txBody>
       </p:sp>
       <p:sp>
         <p:nvSpPr>
-          <p:cNvPr id="3" name="Content Placeholder 2">
+          <p:cNvPr id="13" name="Content Placeholder 12">
             <a:extLst>
               <a:ext uri="{FF2B5EF4-FFF2-40B4-BE49-F238E27FC236}">
-                <a16:creationId xmlns:a16="http://schemas.microsoft.com/office/drawing/2014/main" id="{21EAFE65-6CF3-4F23-8BDC-86A93A0B670A}"/>
+                <a16:creationId xmlns:a16="http://schemas.microsoft.com/office/drawing/2014/main" id="{FCB7F367-5AA8-46B1-83F0-6B4CBEDF440F}"/>
               </a:ext>
             </a:extLst>
           </p:cNvPr>
@@ -21956,6 +22276,96 @@
     </p:spTree>
     <p:extLst>
       <p:ext uri="{BB962C8B-B14F-4D97-AF65-F5344CB8AC3E}">
+        <p14:creationId xmlns:p14="http://schemas.microsoft.com/office/powerpoint/2010/main" val="67604697"/>
+      </p:ext>
+    </p:extLst>
+  </p:cSld>
+  <p:clrMapOvr>
+    <a:masterClrMapping/>
+  </p:clrMapOvr>
+</p:sld>
+</file>
+
+<file path=ppt/slides/slide12.xml><?xml version="1.0" encoding="utf-8"?>
+<p:sld xmlns:a="http://schemas.openxmlformats.org/drawingml/2006/main" xmlns:r="http://schemas.openxmlformats.org/officeDocument/2006/relationships" xmlns:p="http://schemas.openxmlformats.org/presentationml/2006/main">
+  <p:cSld>
+    <p:spTree>
+      <p:nvGrpSpPr>
+        <p:cNvPr id="1" name=""/>
+        <p:cNvGrpSpPr/>
+        <p:nvPr/>
+      </p:nvGrpSpPr>
+      <p:grpSpPr>
+        <a:xfrm>
+          <a:off x="0" y="0"/>
+          <a:ext cx="0" cy="0"/>
+          <a:chOff x="0" y="0"/>
+          <a:chExt cx="0" cy="0"/>
+        </a:xfrm>
+      </p:grpSpPr>
+      <p:sp>
+        <p:nvSpPr>
+          <p:cNvPr id="2" name="Title 1">
+            <a:extLst>
+              <a:ext uri="{FF2B5EF4-FFF2-40B4-BE49-F238E27FC236}">
+                <a16:creationId xmlns:a16="http://schemas.microsoft.com/office/drawing/2014/main" id="{23672F43-C324-4715-B650-C104F48B2AFE}"/>
+              </a:ext>
+            </a:extLst>
+          </p:cNvPr>
+          <p:cNvSpPr>
+            <a:spLocks noGrp="1"/>
+          </p:cNvSpPr>
+          <p:nvPr>
+            <p:ph type="title"/>
+          </p:nvPr>
+        </p:nvSpPr>
+        <p:spPr/>
+        <p:txBody>
+          <a:bodyPr/>
+          <a:lstStyle/>
+          <a:p>
+            <a:r>
+              <a:rPr lang="en-GB" dirty="0"/>
+              <a:t>Snowflake ARCHITECTURE</a:t>
+            </a:r>
+            <a:endParaRPr lang="en-IN" dirty="0"/>
+          </a:p>
+        </p:txBody>
+      </p:sp>
+      <p:pic>
+        <p:nvPicPr>
+          <p:cNvPr id="9" name="Picture 8">
+            <a:extLst>
+              <a:ext uri="{FF2B5EF4-FFF2-40B4-BE49-F238E27FC236}">
+                <a16:creationId xmlns:a16="http://schemas.microsoft.com/office/drawing/2014/main" id="{B4E19D9D-971B-4877-8056-80FAC850D507}"/>
+              </a:ext>
+            </a:extLst>
+          </p:cNvPr>
+          <p:cNvPicPr>
+            <a:picLocks noChangeAspect="1"/>
+          </p:cNvPicPr>
+          <p:nvPr/>
+        </p:nvPicPr>
+        <p:blipFill>
+          <a:blip r:embed="rId2"/>
+          <a:stretch>
+            <a:fillRect/>
+          </a:stretch>
+        </p:blipFill>
+        <p:spPr>
+          <a:xfrm>
+            <a:off x="1828800" y="2084832"/>
+            <a:ext cx="8534400" cy="4644828"/>
+          </a:xfrm>
+          <a:prstGeom prst="rect">
+            <a:avLst/>
+          </a:prstGeom>
+          <a:noFill/>
+        </p:spPr>
+      </p:pic>
+    </p:spTree>
+    <p:extLst>
+      <p:ext uri="{BB962C8B-B14F-4D97-AF65-F5344CB8AC3E}">
         <p14:creationId xmlns:p14="http://schemas.microsoft.com/office/powerpoint/2010/main" val="2657105965"/>
       </p:ext>
     </p:extLst>
@@ -21966,7 +22376,258 @@
 </p:sld>
 </file>
 
-<file path=ppt/slides/slide12.xml><?xml version="1.0" encoding="utf-8"?>
+<file path=ppt/slides/slide13.xml><?xml version="1.0" encoding="utf-8"?>
+<p:sld xmlns:a="http://schemas.openxmlformats.org/drawingml/2006/main" xmlns:r="http://schemas.openxmlformats.org/officeDocument/2006/relationships" xmlns:p="http://schemas.openxmlformats.org/presentationml/2006/main">
+  <p:cSld>
+    <p:spTree>
+      <p:nvGrpSpPr>
+        <p:cNvPr id="1" name=""/>
+        <p:cNvGrpSpPr/>
+        <p:nvPr/>
+      </p:nvGrpSpPr>
+      <p:grpSpPr>
+        <a:xfrm>
+          <a:off x="0" y="0"/>
+          <a:ext cx="0" cy="0"/>
+          <a:chOff x="0" y="0"/>
+          <a:chExt cx="0" cy="0"/>
+        </a:xfrm>
+      </p:grpSpPr>
+      <p:sp>
+        <p:nvSpPr>
+          <p:cNvPr id="2" name="Title 1">
+            <a:extLst>
+              <a:ext uri="{FF2B5EF4-FFF2-40B4-BE49-F238E27FC236}">
+                <a16:creationId xmlns:a16="http://schemas.microsoft.com/office/drawing/2014/main" id="{6DF86F7B-4307-48C4-8322-479C3C2EC612}"/>
+              </a:ext>
+            </a:extLst>
+          </p:cNvPr>
+          <p:cNvSpPr>
+            <a:spLocks noGrp="1"/>
+          </p:cNvSpPr>
+          <p:nvPr>
+            <p:ph type="title"/>
+          </p:nvPr>
+        </p:nvSpPr>
+        <p:spPr/>
+        <p:txBody>
+          <a:bodyPr/>
+          <a:lstStyle/>
+          <a:p>
+            <a:r>
+              <a:rPr lang="en-IN" dirty="0"/>
+              <a:t>Components used in demo</a:t>
+            </a:r>
+          </a:p>
+        </p:txBody>
+      </p:sp>
+      <p:sp>
+        <p:nvSpPr>
+          <p:cNvPr id="3" name="Content Placeholder 2">
+            <a:extLst>
+              <a:ext uri="{FF2B5EF4-FFF2-40B4-BE49-F238E27FC236}">
+                <a16:creationId xmlns:a16="http://schemas.microsoft.com/office/drawing/2014/main" id="{B9F5A6D5-0415-422F-B1F1-09DC35C9A61E}"/>
+              </a:ext>
+            </a:extLst>
+          </p:cNvPr>
+          <p:cNvSpPr>
+            <a:spLocks noGrp="1"/>
+          </p:cNvSpPr>
+          <p:nvPr>
+            <p:ph idx="1"/>
+          </p:nvPr>
+        </p:nvSpPr>
+        <p:spPr/>
+        <p:txBody>
+          <a:bodyPr/>
+          <a:lstStyle/>
+          <a:p>
+            <a:r>
+              <a:rPr lang="en-IN" dirty="0"/>
+              <a:t>* </a:t>
+            </a:r>
+            <a:r>
+              <a:rPr lang="en-GB" dirty="0" err="1"/>
+              <a:t>Snowpipe</a:t>
+            </a:r>
+            <a:r>
+              <a:rPr lang="en-GB" dirty="0"/>
+              <a:t> - Serverless concept for data loading instead of using VWH + copy command in SF itself.</a:t>
+            </a:r>
+          </a:p>
+          <a:p>
+            <a:r>
+              <a:rPr lang="en-GB" dirty="0"/>
+              <a:t>* Zero Copy Cloning - Prod/Dev/Test - Assign cloned </a:t>
+            </a:r>
+            <a:r>
+              <a:rPr lang="en-GB" dirty="0" err="1"/>
+              <a:t>tweets_test</a:t>
+            </a:r>
+            <a:r>
+              <a:rPr lang="en-GB" dirty="0"/>
+              <a:t> table to testing team.</a:t>
+            </a:r>
+          </a:p>
+          <a:p>
+            <a:r>
+              <a:rPr lang="en-GB" dirty="0"/>
+              <a:t>* Analyse semi-</a:t>
+            </a:r>
+            <a:r>
+              <a:rPr lang="en-GB" dirty="0" err="1"/>
+              <a:t>strcutured</a:t>
+            </a:r>
+            <a:r>
+              <a:rPr lang="en-GB" dirty="0"/>
+              <a:t> data like json, </a:t>
+            </a:r>
+            <a:r>
+              <a:rPr lang="en-GB" dirty="0" err="1"/>
+              <a:t>avro</a:t>
+            </a:r>
+            <a:r>
+              <a:rPr lang="en-GB" dirty="0"/>
+              <a:t>, parquet.</a:t>
+            </a:r>
+          </a:p>
+          <a:p>
+            <a:r>
+              <a:rPr lang="en-GB" dirty="0"/>
+              <a:t>* Fast auto scaling.</a:t>
+            </a:r>
+          </a:p>
+          <a:p>
+            <a:r>
+              <a:rPr lang="en-GB" dirty="0"/>
+              <a:t>* Schema on read via variant datatype.</a:t>
+            </a:r>
+          </a:p>
+          <a:p>
+            <a:r>
+              <a:rPr lang="en-GB" dirty="0"/>
+              <a:t>* Time travel.</a:t>
+            </a:r>
+          </a:p>
+          <a:p>
+            <a:endParaRPr lang="en-IN" dirty="0"/>
+          </a:p>
+        </p:txBody>
+      </p:sp>
+    </p:spTree>
+    <p:extLst>
+      <p:ext uri="{BB962C8B-B14F-4D97-AF65-F5344CB8AC3E}">
+        <p14:creationId xmlns:p14="http://schemas.microsoft.com/office/powerpoint/2010/main" val="3916197501"/>
+      </p:ext>
+    </p:extLst>
+  </p:cSld>
+  <p:clrMapOvr>
+    <a:masterClrMapping/>
+  </p:clrMapOvr>
+</p:sld>
+</file>
+
+<file path=ppt/slides/slide14.xml><?xml version="1.0" encoding="utf-8"?>
+<p:sld xmlns:a="http://schemas.openxmlformats.org/drawingml/2006/main" xmlns:r="http://schemas.openxmlformats.org/officeDocument/2006/relationships" xmlns:p="http://schemas.openxmlformats.org/presentationml/2006/main">
+  <p:cSld>
+    <p:spTree>
+      <p:nvGrpSpPr>
+        <p:cNvPr id="1" name=""/>
+        <p:cNvGrpSpPr/>
+        <p:nvPr/>
+      </p:nvGrpSpPr>
+      <p:grpSpPr>
+        <a:xfrm>
+          <a:off x="0" y="0"/>
+          <a:ext cx="0" cy="0"/>
+          <a:chOff x="0" y="0"/>
+          <a:chExt cx="0" cy="0"/>
+        </a:xfrm>
+      </p:grpSpPr>
+      <p:sp>
+        <p:nvSpPr>
+          <p:cNvPr id="2" name="Title 1">
+            <a:extLst>
+              <a:ext uri="{FF2B5EF4-FFF2-40B4-BE49-F238E27FC236}">
+                <a16:creationId xmlns:a16="http://schemas.microsoft.com/office/drawing/2014/main" id="{A9DCAB05-552D-479C-97C9-3319D8E5852F}"/>
+              </a:ext>
+            </a:extLst>
+          </p:cNvPr>
+          <p:cNvSpPr>
+            <a:spLocks noGrp="1"/>
+          </p:cNvSpPr>
+          <p:nvPr>
+            <p:ph type="title"/>
+          </p:nvPr>
+        </p:nvSpPr>
+        <p:spPr/>
+        <p:txBody>
+          <a:bodyPr/>
+          <a:lstStyle/>
+          <a:p>
+            <a:r>
+              <a:rPr lang="en-IN" dirty="0"/>
+              <a:t>Auto scaling</a:t>
+            </a:r>
+          </a:p>
+        </p:txBody>
+      </p:sp>
+      <p:pic>
+        <p:nvPicPr>
+          <p:cNvPr id="1026" name="Picture 2">
+            <a:extLst>
+              <a:ext uri="{FF2B5EF4-FFF2-40B4-BE49-F238E27FC236}">
+                <a16:creationId xmlns:a16="http://schemas.microsoft.com/office/drawing/2014/main" id="{52557342-3F39-42D9-AD8F-300A91DA3EA2}"/>
+              </a:ext>
+            </a:extLst>
+          </p:cNvPr>
+          <p:cNvPicPr>
+            <a:picLocks noGrp="1" noChangeAspect="1" noChangeArrowheads="1"/>
+          </p:cNvPicPr>
+          <p:nvPr>
+            <p:ph idx="1"/>
+          </p:nvPr>
+        </p:nvPicPr>
+        <p:blipFill>
+          <a:blip r:embed="rId2">
+            <a:extLst>
+              <a:ext uri="{28A0092B-C50C-407E-A947-70E740481C1C}">
+                <a14:useLocalDpi xmlns:a14="http://schemas.microsoft.com/office/drawing/2010/main" val="0"/>
+              </a:ext>
+            </a:extLst>
+          </a:blip>
+          <a:srcRect/>
+          <a:stretch>
+            <a:fillRect/>
+          </a:stretch>
+        </p:blipFill>
+        <p:spPr bwMode="auto">
+          <a:xfrm>
+            <a:off x="2220711" y="2286000"/>
+            <a:ext cx="7326715" cy="4022725"/>
+          </a:xfrm>
+          <a:prstGeom prst="rect">
+            <a:avLst/>
+          </a:prstGeom>
+          <a:solidFill>
+            <a:schemeClr val="accent1"/>
+          </a:solidFill>
+        </p:spPr>
+      </p:pic>
+    </p:spTree>
+    <p:extLst>
+      <p:ext uri="{BB962C8B-B14F-4D97-AF65-F5344CB8AC3E}">
+        <p14:creationId xmlns:p14="http://schemas.microsoft.com/office/powerpoint/2010/main" val="2980811395"/>
+      </p:ext>
+    </p:extLst>
+  </p:cSld>
+  <p:clrMapOvr>
+    <a:masterClrMapping/>
+  </p:clrMapOvr>
+</p:sld>
+</file>
+
+<file path=ppt/slides/slide15.xml><?xml version="1.0" encoding="utf-8"?>
 <p:sld xmlns:a="http://schemas.openxmlformats.org/drawingml/2006/main" xmlns:r="http://schemas.openxmlformats.org/officeDocument/2006/relationships" xmlns:p="http://schemas.openxmlformats.org/presentationml/2006/main">
   <p:cSld>
     <p:spTree>
@@ -22099,7 +22760,7 @@
         </p:blipFill>
         <p:spPr>
           <a:xfrm>
-            <a:off x="5624459" y="2817937"/>
+            <a:off x="5624459" y="2084832"/>
             <a:ext cx="6129433" cy="2959485"/>
           </a:xfrm>
           <a:prstGeom prst="rect">
@@ -22127,7 +22788,7 @@
 </p:sld>
 </file>
 
-<file path=ppt/slides/slide13.xml><?xml version="1.0" encoding="utf-8"?>
+<file path=ppt/slides/slide16.xml><?xml version="1.0" encoding="utf-8"?>
 <p:sld xmlns:a="http://schemas.openxmlformats.org/drawingml/2006/main" xmlns:r="http://schemas.openxmlformats.org/officeDocument/2006/relationships" xmlns:p="http://schemas.openxmlformats.org/presentationml/2006/main">
   <p:cSld>
     <p:spTree>
@@ -22175,13 +22836,7 @@
               <a:rPr lang="en-IN" sz="2000" dirty="0">
                 <a:hlinkClick r:id="rId2"/>
               </a:rPr>
-              <a:t>https://www.</a:t>
-            </a:r>
-            <a:r>
-              <a:rPr lang="en-IN" sz="2000" dirty="0">
-                <a:hlinkClick r:id="rId2"/>
-              </a:rPr>
-              <a:t>linkedin.com/in/</a:t>
+              <a:t>https://www.linkedin.com/in/</a:t>
             </a:r>
             <a:r>
               <a:rPr lang="en-IN" sz="2000" b="1" dirty="0">
@@ -22492,17 +23147,13 @@
           <a:p>
             <a:r>
               <a:rPr lang="en-IN" dirty="0"/>
-              <a:t>Why Snowflake?</a:t>
+              <a:t>What is Snowflake?</a:t>
             </a:r>
           </a:p>
           <a:p>
             <a:r>
-              <a:rPr lang="en-IN" dirty="0" err="1"/>
-              <a:t>Snowpipe</a:t>
-            </a:r>
-            <a:r>
               <a:rPr lang="en-IN" dirty="0"/>
-              <a:t>: Overview </a:t>
+              <a:t>Why Snowflake? </a:t>
             </a:r>
           </a:p>
           <a:p>
@@ -22983,7 +23634,7 @@
           <a:p>
             <a:r>
               <a:rPr lang="en-GB" dirty="0"/>
-              <a:t>* Recommended,</a:t>
+              <a:t>* Recommended for,</a:t>
             </a:r>
           </a:p>
           <a:p>
@@ -23007,13 +23658,13 @@
           <a:p>
             <a:r>
               <a:rPr lang="en-GB" dirty="0"/>
-              <a:t>* Not recommended,</a:t>
+              <a:t>* Not recommended for,</a:t>
             </a:r>
           </a:p>
           <a:p>
             <a:r>
               <a:rPr lang="en-GB" sz="1900" dirty="0"/>
-              <a:t>- Ad-hoc analytics</a:t>
+              <a:t>- Ad-hoc analytics.</a:t>
             </a:r>
           </a:p>
           <a:p>
@@ -23526,7 +24177,7 @@
         </p:spPr>
         <p:txBody>
           <a:bodyPr>
-            <a:normAutofit fontScale="77500" lnSpcReduction="20000"/>
+            <a:normAutofit fontScale="70000" lnSpcReduction="20000"/>
           </a:bodyPr>
           <a:lstStyle/>
           <a:p>
@@ -23575,13 +24226,13 @@
           <a:p>
             <a:r>
               <a:rPr lang="en-GB" sz="2100" dirty="0"/>
-              <a:t>- Decided that ML/AI not needed; </a:t>
+              <a:t>- Decided that ML/AI not needed much; </a:t>
             </a:r>
           </a:p>
           <a:p>
             <a:r>
               <a:rPr lang="en-GB" sz="2100" dirty="0"/>
-              <a:t>- Expose out, allowing customers to analyse.</a:t>
+              <a:t>- Expose out; allowing customers to analyse.</a:t>
             </a:r>
           </a:p>
           <a:p>
@@ -23597,6 +24248,12 @@
             <a:r>
               <a:rPr lang="en-GB" dirty="0"/>
               <a:t>- Unstructured data like image and video.</a:t>
+            </a:r>
+          </a:p>
+          <a:p>
+            <a:r>
+              <a:rPr lang="en-GB" dirty="0"/>
+              <a:t>- Semi-structured with multiple levels.</a:t>
             </a:r>
           </a:p>
           <a:p>
@@ -23719,12 +24376,12 @@
         <p:spPr>
           <a:xfrm>
             <a:off x="1024128" y="2299063"/>
-            <a:ext cx="4266329" cy="4023360"/>
+            <a:ext cx="4743626" cy="4023360"/>
           </a:xfrm>
         </p:spPr>
         <p:txBody>
           <a:bodyPr>
-            <a:normAutofit fontScale="85000" lnSpcReduction="20000"/>
+            <a:normAutofit fontScale="85000" lnSpcReduction="10000"/>
           </a:bodyPr>
           <a:lstStyle/>
           <a:p>
@@ -23802,7 +24459,7 @@
             </a:r>
             <a:r>
               <a:rPr lang="en-GB" sz="1800" i="1" dirty="0"/>
-              <a:t>no plan about type of analysis to be run on it</a:t>
+              <a:t>no immediate plan about analytics</a:t>
             </a:r>
             <a:r>
               <a:rPr lang="en-GB" sz="1800" dirty="0"/>
@@ -23823,7 +24480,7 @@
             </a:r>
             <a:r>
               <a:rPr lang="en-GB" sz="1800" dirty="0"/>
-              <a:t> – dump all, play as and when you need.</a:t>
+              <a:t> – dump all; play as and when you need.</a:t>
             </a:r>
           </a:p>
           <a:p>
@@ -23851,7 +24508,7 @@
             </a:pPr>
             <a:r>
               <a:rPr lang="en-GB" sz="1800" dirty="0"/>
-              <a:t> - Data stored should be readily available for analysis upon which users would create reports on it.</a:t>
+              <a:t> - Data stored should be readily available for analytics upon which users would create reports.</a:t>
             </a:r>
             <a:endParaRPr lang="en-IN" sz="1800" dirty="0">
               <a:solidFill>
@@ -23977,7 +24634,7 @@
           <p:nvPr/>
         </p:nvPicPr>
         <p:blipFill rotWithShape="1">
-          <a:blip r:embed="rId2"/>
+          <a:blip r:embed="rId3"/>
           <a:srcRect t="24305"/>
           <a:stretch/>
         </p:blipFill>

--- a/sessions/ChennaiAzureUserGroup/Snowflake_DW/Snowflake data warehouse.pptx
+++ b/sessions/ChennaiAzureUserGroup/Snowflake_DW/Snowflake data warehouse.pptx
@@ -5,25 +5,33 @@
     <p:sldMasterId id="2147483660" r:id="rId1"/>
   </p:sldMasterIdLst>
   <p:notesMasterIdLst>
-    <p:notesMasterId r:id="rId18"/>
+    <p:notesMasterId r:id="rId26"/>
   </p:notesMasterIdLst>
   <p:sldIdLst>
     <p:sldId id="256" r:id="rId2"/>
     <p:sldId id="257" r:id="rId3"/>
     <p:sldId id="267" r:id="rId4"/>
     <p:sldId id="292" r:id="rId5"/>
-    <p:sldId id="258" r:id="rId6"/>
+    <p:sldId id="2076136277" r:id="rId6"/>
     <p:sldId id="276" r:id="rId7"/>
-    <p:sldId id="263" r:id="rId8"/>
-    <p:sldId id="264" r:id="rId9"/>
-    <p:sldId id="2076136270" r:id="rId10"/>
-    <p:sldId id="2076136271" r:id="rId11"/>
-    <p:sldId id="2076136275" r:id="rId12"/>
-    <p:sldId id="2076136272" r:id="rId13"/>
-    <p:sldId id="2076136273" r:id="rId14"/>
-    <p:sldId id="2076136274" r:id="rId15"/>
-    <p:sldId id="266" r:id="rId16"/>
-    <p:sldId id="2076136268" r:id="rId17"/>
+    <p:sldId id="2076136279" r:id="rId8"/>
+    <p:sldId id="2076136280" r:id="rId9"/>
+    <p:sldId id="2076136282" r:id="rId10"/>
+    <p:sldId id="2076136285" r:id="rId11"/>
+    <p:sldId id="2076136283" r:id="rId12"/>
+    <p:sldId id="2076136290" r:id="rId13"/>
+    <p:sldId id="2076136284" r:id="rId14"/>
+    <p:sldId id="2076136292" r:id="rId15"/>
+    <p:sldId id="2076136271" r:id="rId16"/>
+    <p:sldId id="2076136272" r:id="rId17"/>
+    <p:sldId id="2076136273" r:id="rId18"/>
+    <p:sldId id="2076136274" r:id="rId19"/>
+    <p:sldId id="2076136288" r:id="rId20"/>
+    <p:sldId id="2076136293" r:id="rId21"/>
+    <p:sldId id="2076136289" r:id="rId22"/>
+    <p:sldId id="2076136291" r:id="rId23"/>
+    <p:sldId id="266" r:id="rId24"/>
+    <p:sldId id="2076136287" r:id="rId25"/>
   </p:sldIdLst>
   <p:sldSz cx="12192000" cy="6858000"/>
   <p:notesSz cx="6858000" cy="9144000"/>
@@ -212,7 +220,7 @@
           <a:p>
             <a:fld id="{5504A8C5-2585-44C9-B0E5-24F06DD964F4}" type="datetimeFigureOut">
               <a:rPr lang="en-IN" smtClean="0"/>
-              <a:t>31-05-2021</a:t>
+              <a:t>05-06-2021</a:t>
             </a:fld>
             <a:endParaRPr lang="en-IN"/>
           </a:p>
@@ -606,107 +614,6 @@
 </p:notes>
 </file>
 
-<file path=ppt/notesSlides/notesSlide10.xml><?xml version="1.0" encoding="utf-8"?>
-<p:notes xmlns:a="http://schemas.openxmlformats.org/drawingml/2006/main" xmlns:r="http://schemas.openxmlformats.org/officeDocument/2006/relationships" xmlns:p="http://schemas.openxmlformats.org/presentationml/2006/main">
-  <p:cSld>
-    <p:spTree>
-      <p:nvGrpSpPr>
-        <p:cNvPr id="1" name=""/>
-        <p:cNvGrpSpPr/>
-        <p:nvPr/>
-      </p:nvGrpSpPr>
-      <p:grpSpPr>
-        <a:xfrm>
-          <a:off x="0" y="0"/>
-          <a:ext cx="0" cy="0"/>
-          <a:chOff x="0" y="0"/>
-          <a:chExt cx="0" cy="0"/>
-        </a:xfrm>
-      </p:grpSpPr>
-      <p:sp>
-        <p:nvSpPr>
-          <p:cNvPr id="2" name="Slide Image Placeholder 1"/>
-          <p:cNvSpPr>
-            <a:spLocks noGrp="1" noRot="1" noChangeAspect="1"/>
-          </p:cNvSpPr>
-          <p:nvPr>
-            <p:ph type="sldImg"/>
-          </p:nvPr>
-        </p:nvSpPr>
-        <p:spPr/>
-      </p:sp>
-      <p:sp>
-        <p:nvSpPr>
-          <p:cNvPr id="3" name="Notes Placeholder 2"/>
-          <p:cNvSpPr>
-            <a:spLocks noGrp="1"/>
-          </p:cNvSpPr>
-          <p:nvPr>
-            <p:ph type="body" idx="1"/>
-          </p:nvPr>
-        </p:nvSpPr>
-        <p:spPr/>
-        <p:txBody>
-          <a:bodyPr/>
-          <a:lstStyle/>
-          <a:p>
-            <a:pPr marL="0" marR="0" lvl="0" indent="0" algn="l" defTabSz="914400" rtl="0" eaLnBrk="1" fontAlgn="auto" latinLnBrk="0" hangingPunct="1">
-              <a:lnSpc>
-                <a:spcPct val="100000"/>
-              </a:lnSpc>
-              <a:spcBef>
-                <a:spcPts val="0"/>
-              </a:spcBef>
-              <a:spcAft>
-                <a:spcPts val="0"/>
-              </a:spcAft>
-              <a:buClrTx/>
-              <a:buSzTx/>
-              <a:buFontTx/>
-              <a:buNone/>
-              <a:tabLst/>
-              <a:defRPr/>
-            </a:pPr>
-            <a:endParaRPr lang="en-GB" dirty="0"/>
-          </a:p>
-        </p:txBody>
-      </p:sp>
-      <p:sp>
-        <p:nvSpPr>
-          <p:cNvPr id="4" name="Slide Number Placeholder 3"/>
-          <p:cNvSpPr>
-            <a:spLocks noGrp="1"/>
-          </p:cNvSpPr>
-          <p:nvPr>
-            <p:ph type="sldNum" sz="quarter" idx="5"/>
-          </p:nvPr>
-        </p:nvSpPr>
-        <p:spPr/>
-        <p:txBody>
-          <a:bodyPr/>
-          <a:lstStyle/>
-          <a:p>
-            <a:fld id="{61D11EEE-6408-426C-86EC-A45CD40E17C7}" type="slidenum">
-              <a:rPr lang="en-IN" smtClean="0"/>
-              <a:t>15</a:t>
-            </a:fld>
-            <a:endParaRPr lang="en-IN"/>
-          </a:p>
-        </p:txBody>
-      </p:sp>
-    </p:spTree>
-    <p:extLst>
-      <p:ext uri="{BB962C8B-B14F-4D97-AF65-F5344CB8AC3E}">
-        <p14:creationId xmlns:p14="http://schemas.microsoft.com/office/powerpoint/2010/main" val="2019999900"/>
-      </p:ext>
-    </p:extLst>
-  </p:cSld>
-  <p:clrMapOvr>
-    <a:masterClrMapping/>
-  </p:clrMapOvr>
-</p:notes>
-</file>
-
 <file path=ppt/notesSlides/notesSlide2.xml><?xml version="1.0" encoding="utf-8"?>
 <p:notes xmlns:a="http://schemas.openxmlformats.org/drawingml/2006/main" xmlns:r="http://schemas.openxmlformats.org/officeDocument/2006/relationships" xmlns:p="http://schemas.openxmlformats.org/presentationml/2006/main">
   <p:cSld>
@@ -961,108 +868,6 @@
           <a:bodyPr/>
           <a:lstStyle/>
           <a:p>
-            <a:pPr marL="171450" indent="-171450">
-              <a:buFont typeface="Arial" panose="020B0604020202020204" pitchFamily="34" charset="0"/>
-              <a:buChar char="•"/>
-            </a:pPr>
-            <a:r>
-              <a:rPr lang="en-GB" dirty="0"/>
-              <a:t>Size is not an issue as per a database’s doc. But generally not used for big data.</a:t>
-            </a:r>
-          </a:p>
-          <a:p>
-            <a:pPr marL="171450" indent="-171450">
-              <a:buFont typeface="Arial" panose="020B0604020202020204" pitchFamily="34" charset="0"/>
-              <a:buChar char="•"/>
-            </a:pPr>
-            <a:r>
-              <a:rPr lang="en-GB" dirty="0"/>
-              <a:t>OLAP cubes are possible in RDBMS, but it need to be prepared before analytics. Which is what I mean for ad-hoc.</a:t>
-            </a:r>
-            <a:endParaRPr lang="en-IN" dirty="0"/>
-          </a:p>
-        </p:txBody>
-      </p:sp>
-      <p:sp>
-        <p:nvSpPr>
-          <p:cNvPr id="4" name="Slide Number Placeholder 3"/>
-          <p:cNvSpPr>
-            <a:spLocks noGrp="1"/>
-          </p:cNvSpPr>
-          <p:nvPr>
-            <p:ph type="sldNum" sz="quarter" idx="5"/>
-          </p:nvPr>
-        </p:nvSpPr>
-        <p:spPr/>
-        <p:txBody>
-          <a:bodyPr/>
-          <a:lstStyle/>
-          <a:p>
-            <a:fld id="{61D11EEE-6408-426C-86EC-A45CD40E17C7}" type="slidenum">
-              <a:rPr lang="en-IN" smtClean="0"/>
-              <a:t>5</a:t>
-            </a:fld>
-            <a:endParaRPr lang="en-IN"/>
-          </a:p>
-        </p:txBody>
-      </p:sp>
-    </p:spTree>
-    <p:extLst>
-      <p:ext uri="{BB962C8B-B14F-4D97-AF65-F5344CB8AC3E}">
-        <p14:creationId xmlns:p14="http://schemas.microsoft.com/office/powerpoint/2010/main" val="1510584662"/>
-      </p:ext>
-    </p:extLst>
-  </p:cSld>
-  <p:clrMapOvr>
-    <a:masterClrMapping/>
-  </p:clrMapOvr>
-</p:notes>
-</file>
-
-<file path=ppt/notesSlides/notesSlide5.xml><?xml version="1.0" encoding="utf-8"?>
-<p:notes xmlns:a="http://schemas.openxmlformats.org/drawingml/2006/main" xmlns:r="http://schemas.openxmlformats.org/officeDocument/2006/relationships" xmlns:p="http://schemas.openxmlformats.org/presentationml/2006/main">
-  <p:cSld>
-    <p:spTree>
-      <p:nvGrpSpPr>
-        <p:cNvPr id="1" name=""/>
-        <p:cNvGrpSpPr/>
-        <p:nvPr/>
-      </p:nvGrpSpPr>
-      <p:grpSpPr>
-        <a:xfrm>
-          <a:off x="0" y="0"/>
-          <a:ext cx="0" cy="0"/>
-          <a:chOff x="0" y="0"/>
-          <a:chExt cx="0" cy="0"/>
-        </a:xfrm>
-      </p:grpSpPr>
-      <p:sp>
-        <p:nvSpPr>
-          <p:cNvPr id="2" name="Slide Image Placeholder 1"/>
-          <p:cNvSpPr>
-            <a:spLocks noGrp="1" noRot="1" noChangeAspect="1"/>
-          </p:cNvSpPr>
-          <p:nvPr>
-            <p:ph type="sldImg"/>
-          </p:nvPr>
-        </p:nvSpPr>
-        <p:spPr/>
-      </p:sp>
-      <p:sp>
-        <p:nvSpPr>
-          <p:cNvPr id="3" name="Notes Placeholder 2"/>
-          <p:cNvSpPr>
-            <a:spLocks noGrp="1"/>
-          </p:cNvSpPr>
-          <p:nvPr>
-            <p:ph type="body" idx="1"/>
-          </p:nvPr>
-        </p:nvSpPr>
-        <p:spPr/>
-        <p:txBody>
-          <a:bodyPr/>
-          <a:lstStyle/>
-          <a:p>
             <a:r>
               <a:rPr lang="en-GB" dirty="0"/>
               <a:t>NoSQL </a:t>
@@ -1162,7 +967,7 @@
 </p:notes>
 </file>
 
-<file path=ppt/notesSlides/notesSlide6.xml><?xml version="1.0" encoding="utf-8"?>
+<file path=ppt/notesSlides/notesSlide5.xml><?xml version="1.0" encoding="utf-8"?>
 <p:notes xmlns:a="http://schemas.openxmlformats.org/drawingml/2006/main" xmlns:r="http://schemas.openxmlformats.org/officeDocument/2006/relationships" xmlns:p="http://schemas.openxmlformats.org/presentationml/2006/main">
   <p:cSld>
     <p:spTree>
@@ -1206,199 +1011,44 @@
           <a:bodyPr/>
           <a:lstStyle/>
           <a:p>
+            <a:pPr marL="171450" indent="-171450">
+              <a:buFont typeface="Arial" panose="020B0604020202020204" pitchFamily="34" charset="0"/>
+              <a:buChar char="•"/>
+            </a:pPr>
             <a:r>
-              <a:rPr lang="en-GB" dirty="0"/>
-              <a:t>* Data will be converted to proprietary software’s format. While leaving out, the vendor will export it to a common format like parquet or ORC. </a:t>
+              <a:rPr lang="en-IN" dirty="0"/>
+              <a:t>Store all your data.</a:t>
             </a:r>
           </a:p>
           <a:p>
+            <a:pPr marL="171450" indent="-171450">
+              <a:buFont typeface="Arial" panose="020B0604020202020204" pitchFamily="34" charset="0"/>
+              <a:buChar char="•"/>
+            </a:pPr>
             <a:r>
-              <a:rPr lang="en-GB" dirty="0"/>
-              <a:t>* Image - Snowflake has a data type called ‘BINARY’. Still not recommended. Rather you can decide to store the URL that points to that image/video stored in data lakes like S3.</a:t>
+              <a:rPr lang="en-IN" dirty="0"/>
+              <a:t>Extreme simplicity.</a:t>
             </a:r>
-            <a:endParaRPr lang="en-IN" dirty="0"/>
           </a:p>
-        </p:txBody>
-      </p:sp>
-      <p:sp>
-        <p:nvSpPr>
-          <p:cNvPr id="4" name="Slide Number Placeholder 3"/>
-          <p:cNvSpPr>
-            <a:spLocks noGrp="1"/>
-          </p:cNvSpPr>
-          <p:nvPr>
-            <p:ph type="sldNum" sz="quarter" idx="5"/>
-          </p:nvPr>
-        </p:nvSpPr>
-        <p:spPr/>
-        <p:txBody>
-          <a:bodyPr/>
-          <a:lstStyle/>
           <a:p>
-            <a:fld id="{61D11EEE-6408-426C-86EC-A45CD40E17C7}" type="slidenum">
-              <a:rPr lang="en-IN" smtClean="0"/>
-              <a:t>7</a:t>
-            </a:fld>
-            <a:endParaRPr lang="en-IN"/>
+            <a:pPr marL="171450" indent="-171450">
+              <a:buFont typeface="Arial" panose="020B0604020202020204" pitchFamily="34" charset="0"/>
+              <a:buChar char="•"/>
+            </a:pPr>
+            <a:r>
+              <a:rPr lang="en-IN" dirty="0"/>
+              <a:t>Full support for ACID transactions with read consistency.</a:t>
+            </a:r>
           </a:p>
-        </p:txBody>
-      </p:sp>
-    </p:spTree>
-    <p:extLst>
-      <p:ext uri="{BB962C8B-B14F-4D97-AF65-F5344CB8AC3E}">
-        <p14:creationId xmlns:p14="http://schemas.microsoft.com/office/powerpoint/2010/main" val="2093567089"/>
-      </p:ext>
-    </p:extLst>
-  </p:cSld>
-  <p:clrMapOvr>
-    <a:masterClrMapping/>
-  </p:clrMapOvr>
-</p:notes>
-</file>
-
-<file path=ppt/notesSlides/notesSlide7.xml><?xml version="1.0" encoding="utf-8"?>
-<p:notes xmlns:a="http://schemas.openxmlformats.org/drawingml/2006/main" xmlns:r="http://schemas.openxmlformats.org/officeDocument/2006/relationships" xmlns:p="http://schemas.openxmlformats.org/presentationml/2006/main">
-  <p:cSld>
-    <p:spTree>
-      <p:nvGrpSpPr>
-        <p:cNvPr id="1" name=""/>
-        <p:cNvGrpSpPr/>
-        <p:nvPr/>
-      </p:nvGrpSpPr>
-      <p:grpSpPr>
-        <a:xfrm>
-          <a:off x="0" y="0"/>
-          <a:ext cx="0" cy="0"/>
-          <a:chOff x="0" y="0"/>
-          <a:chExt cx="0" cy="0"/>
-        </a:xfrm>
-      </p:grpSpPr>
-      <p:sp>
-        <p:nvSpPr>
-          <p:cNvPr id="2" name="Slide Image Placeholder 1"/>
-          <p:cNvSpPr>
-            <a:spLocks noGrp="1" noRot="1" noChangeAspect="1"/>
-          </p:cNvSpPr>
-          <p:nvPr>
-            <p:ph type="sldImg"/>
-          </p:nvPr>
-        </p:nvSpPr>
-        <p:spPr/>
-      </p:sp>
-      <p:sp>
-        <p:nvSpPr>
-          <p:cNvPr id="3" name="Notes Placeholder 2"/>
-          <p:cNvSpPr>
-            <a:spLocks noGrp="1"/>
-          </p:cNvSpPr>
-          <p:nvPr>
-            <p:ph type="body" idx="1"/>
-          </p:nvPr>
-        </p:nvSpPr>
-        <p:spPr/>
-        <p:txBody>
-          <a:bodyPr/>
-          <a:lstStyle/>
           <a:p>
+            <a:pPr marL="171450" indent="-171450">
+              <a:buFont typeface="Arial" panose="020B0604020202020204" pitchFamily="34" charset="0"/>
+              <a:buChar char="•"/>
+            </a:pPr>
             <a:r>
-              <a:rPr lang="en-GB" dirty="0"/>
-              <a:t>* There wont be any conversion or hard-copying between systems. Data relies in 1 single place and all external systems access over same data. So data democratization is good while using data lake.</a:t>
+              <a:rPr lang="en-IN" dirty="0"/>
+              <a:t>ANSI SQL, RBAC.</a:t>
             </a:r>
-            <a:endParaRPr lang="en-IN" dirty="0"/>
-          </a:p>
-        </p:txBody>
-      </p:sp>
-      <p:sp>
-        <p:nvSpPr>
-          <p:cNvPr id="4" name="Slide Number Placeholder 3"/>
-          <p:cNvSpPr>
-            <a:spLocks noGrp="1"/>
-          </p:cNvSpPr>
-          <p:nvPr>
-            <p:ph type="sldNum" sz="quarter" idx="5"/>
-          </p:nvPr>
-        </p:nvSpPr>
-        <p:spPr/>
-        <p:txBody>
-          <a:bodyPr/>
-          <a:lstStyle/>
-          <a:p>
-            <a:fld id="{61D11EEE-6408-426C-86EC-A45CD40E17C7}" type="slidenum">
-              <a:rPr lang="en-IN" smtClean="0"/>
-              <a:t>8</a:t>
-            </a:fld>
-            <a:endParaRPr lang="en-IN"/>
-          </a:p>
-        </p:txBody>
-      </p:sp>
-    </p:spTree>
-    <p:extLst>
-      <p:ext uri="{BB962C8B-B14F-4D97-AF65-F5344CB8AC3E}">
-        <p14:creationId xmlns:p14="http://schemas.microsoft.com/office/powerpoint/2010/main" val="1155419419"/>
-      </p:ext>
-    </p:extLst>
-  </p:cSld>
-  <p:clrMapOvr>
-    <a:masterClrMapping/>
-  </p:clrMapOvr>
-</p:notes>
-</file>
-
-<file path=ppt/notesSlides/notesSlide8.xml><?xml version="1.0" encoding="utf-8"?>
-<p:notes xmlns:a="http://schemas.openxmlformats.org/drawingml/2006/main" xmlns:r="http://schemas.openxmlformats.org/officeDocument/2006/relationships" xmlns:p="http://schemas.openxmlformats.org/presentationml/2006/main">
-  <p:cSld>
-    <p:spTree>
-      <p:nvGrpSpPr>
-        <p:cNvPr id="1" name=""/>
-        <p:cNvGrpSpPr/>
-        <p:nvPr/>
-      </p:nvGrpSpPr>
-      <p:grpSpPr>
-        <a:xfrm>
-          <a:off x="0" y="0"/>
-          <a:ext cx="0" cy="0"/>
-          <a:chOff x="0" y="0"/>
-          <a:chExt cx="0" cy="0"/>
-        </a:xfrm>
-      </p:grpSpPr>
-      <p:sp>
-        <p:nvSpPr>
-          <p:cNvPr id="2" name="Slide Image Placeholder 1"/>
-          <p:cNvSpPr>
-            <a:spLocks noGrp="1" noRot="1" noChangeAspect="1"/>
-          </p:cNvSpPr>
-          <p:nvPr>
-            <p:ph type="sldImg"/>
-          </p:nvPr>
-        </p:nvSpPr>
-        <p:spPr/>
-      </p:sp>
-      <p:sp>
-        <p:nvSpPr>
-          <p:cNvPr id="3" name="Notes Placeholder 2"/>
-          <p:cNvSpPr>
-            <a:spLocks noGrp="1"/>
-          </p:cNvSpPr>
-          <p:nvPr>
-            <p:ph type="body" idx="1"/>
-          </p:nvPr>
-        </p:nvSpPr>
-        <p:spPr/>
-        <p:txBody>
-          <a:bodyPr/>
-          <a:lstStyle/>
-          <a:p>
-            <a:r>
-              <a:rPr lang="en-GB" b="0" i="0" dirty="0">
-                <a:solidFill>
-                  <a:srgbClr val="E8EAED"/>
-                </a:solidFill>
-                <a:effectLst/>
-                <a:latin typeface="Roboto" panose="02000000000000000000" pitchFamily="2" charset="0"/>
-              </a:rPr>
-              <a:t>Different use cases of analytics - Data science is one part of it. Data analytics is the major part.</a:t>
-            </a:r>
-            <a:endParaRPr lang="en-IN" dirty="0"/>
           </a:p>
         </p:txBody>
       </p:sp>
@@ -1419,7 +1069,7 @@
           <a:p>
             <a:fld id="{F75603B9-19B4-4D8F-907A-25ED0F1ACBA1}" type="slidenum">
               <a:rPr lang="en-IN" smtClean="0"/>
-              <a:t>9</a:t>
+              <a:t>16</a:t>
             </a:fld>
             <a:endParaRPr lang="en-IN"/>
           </a:p>
@@ -1428,7 +1078,7 @@
     </p:spTree>
     <p:extLst>
       <p:ext uri="{BB962C8B-B14F-4D97-AF65-F5344CB8AC3E}">
-        <p14:creationId xmlns:p14="http://schemas.microsoft.com/office/powerpoint/2010/main" val="3215453878"/>
+        <p14:creationId xmlns:p14="http://schemas.microsoft.com/office/powerpoint/2010/main" val="3662382499"/>
       </p:ext>
     </p:extLst>
   </p:cSld>
@@ -1438,7 +1088,7 @@
 </p:notes>
 </file>
 
-<file path=ppt/notesSlides/notesSlide9.xml><?xml version="1.0" encoding="utf-8"?>
+<file path=ppt/notesSlides/notesSlide6.xml><?xml version="1.0" encoding="utf-8"?>
 <p:notes xmlns:a="http://schemas.openxmlformats.org/drawingml/2006/main" xmlns:r="http://schemas.openxmlformats.org/officeDocument/2006/relationships" xmlns:p="http://schemas.openxmlformats.org/presentationml/2006/main">
   <p:cSld>
     <p:spTree>
@@ -1513,7 +1163,7 @@
           <a:p>
             <a:fld id="{F75603B9-19B4-4D8F-907A-25ED0F1ACBA1}" type="slidenum">
               <a:rPr lang="en-IN" smtClean="0"/>
-              <a:t>13</a:t>
+              <a:t>17</a:t>
             </a:fld>
             <a:endParaRPr lang="en-IN"/>
           </a:p>
@@ -1523,6 +1173,107 @@
     <p:extLst>
       <p:ext uri="{BB962C8B-B14F-4D97-AF65-F5344CB8AC3E}">
         <p14:creationId xmlns:p14="http://schemas.microsoft.com/office/powerpoint/2010/main" val="565460378"/>
+      </p:ext>
+    </p:extLst>
+  </p:cSld>
+  <p:clrMapOvr>
+    <a:masterClrMapping/>
+  </p:clrMapOvr>
+</p:notes>
+</file>
+
+<file path=ppt/notesSlides/notesSlide7.xml><?xml version="1.0" encoding="utf-8"?>
+<p:notes xmlns:a="http://schemas.openxmlformats.org/drawingml/2006/main" xmlns:r="http://schemas.openxmlformats.org/officeDocument/2006/relationships" xmlns:p="http://schemas.openxmlformats.org/presentationml/2006/main">
+  <p:cSld>
+    <p:spTree>
+      <p:nvGrpSpPr>
+        <p:cNvPr id="1" name=""/>
+        <p:cNvGrpSpPr/>
+        <p:nvPr/>
+      </p:nvGrpSpPr>
+      <p:grpSpPr>
+        <a:xfrm>
+          <a:off x="0" y="0"/>
+          <a:ext cx="0" cy="0"/>
+          <a:chOff x="0" y="0"/>
+          <a:chExt cx="0" cy="0"/>
+        </a:xfrm>
+      </p:grpSpPr>
+      <p:sp>
+        <p:nvSpPr>
+          <p:cNvPr id="2" name="Slide Image Placeholder 1"/>
+          <p:cNvSpPr>
+            <a:spLocks noGrp="1" noRot="1" noChangeAspect="1"/>
+          </p:cNvSpPr>
+          <p:nvPr>
+            <p:ph type="sldImg"/>
+          </p:nvPr>
+        </p:nvSpPr>
+        <p:spPr/>
+      </p:sp>
+      <p:sp>
+        <p:nvSpPr>
+          <p:cNvPr id="3" name="Notes Placeholder 2"/>
+          <p:cNvSpPr>
+            <a:spLocks noGrp="1"/>
+          </p:cNvSpPr>
+          <p:nvPr>
+            <p:ph type="body" idx="1"/>
+          </p:nvPr>
+        </p:nvSpPr>
+        <p:spPr/>
+        <p:txBody>
+          <a:bodyPr/>
+          <a:lstStyle/>
+          <a:p>
+            <a:pPr marL="0" marR="0" lvl="0" indent="0" algn="l" defTabSz="914400" rtl="0" eaLnBrk="1" fontAlgn="auto" latinLnBrk="0" hangingPunct="1">
+              <a:lnSpc>
+                <a:spcPct val="100000"/>
+              </a:lnSpc>
+              <a:spcBef>
+                <a:spcPts val="0"/>
+              </a:spcBef>
+              <a:spcAft>
+                <a:spcPts val="0"/>
+              </a:spcAft>
+              <a:buClrTx/>
+              <a:buSzTx/>
+              <a:buFontTx/>
+              <a:buNone/>
+              <a:tabLst/>
+              <a:defRPr/>
+            </a:pPr>
+            <a:endParaRPr lang="en-GB" dirty="0"/>
+          </a:p>
+        </p:txBody>
+      </p:sp>
+      <p:sp>
+        <p:nvSpPr>
+          <p:cNvPr id="4" name="Slide Number Placeholder 3"/>
+          <p:cNvSpPr>
+            <a:spLocks noGrp="1"/>
+          </p:cNvSpPr>
+          <p:nvPr>
+            <p:ph type="sldNum" sz="quarter" idx="5"/>
+          </p:nvPr>
+        </p:nvSpPr>
+        <p:spPr/>
+        <p:txBody>
+          <a:bodyPr/>
+          <a:lstStyle/>
+          <a:p>
+            <a:fld id="{61D11EEE-6408-426C-86EC-A45CD40E17C7}" type="slidenum">
+              <a:rPr lang="en-IN" smtClean="0"/>
+              <a:t>23</a:t>
+            </a:fld>
+            <a:endParaRPr lang="en-IN"/>
+          </a:p>
+        </p:txBody>
+      </p:sp>
+    </p:spTree>
+    <p:extLst>
+      <p:ext uri="{BB962C8B-B14F-4D97-AF65-F5344CB8AC3E}">
+        <p14:creationId xmlns:p14="http://schemas.microsoft.com/office/powerpoint/2010/main" val="2019999900"/>
       </p:ext>
     </p:extLst>
   </p:cSld>
@@ -10325,7 +10076,7 @@
           <a:p>
             <a:fld id="{7FEB833B-13B3-4FA0-BE9A-3E1DCDBB796D}" type="datetimeFigureOut">
               <a:rPr lang="en-IN" smtClean="0"/>
-              <a:t>31-05-2021</a:t>
+              <a:t>05-06-2021</a:t>
             </a:fld>
             <a:endParaRPr lang="en-IN"/>
           </a:p>
@@ -10532,7 +10283,7 @@
           <a:p>
             <a:fld id="{7FEB833B-13B3-4FA0-BE9A-3E1DCDBB796D}" type="datetimeFigureOut">
               <a:rPr lang="en-IN" smtClean="0"/>
-              <a:t>31-05-2021</a:t>
+              <a:t>05-06-2021</a:t>
             </a:fld>
             <a:endParaRPr lang="en-IN"/>
           </a:p>
@@ -10712,7 +10463,7 @@
           <a:p>
             <a:fld id="{7FEB833B-13B3-4FA0-BE9A-3E1DCDBB796D}" type="datetimeFigureOut">
               <a:rPr lang="en-IN" smtClean="0"/>
-              <a:t>31-05-2021</a:t>
+              <a:t>05-06-2021</a:t>
             </a:fld>
             <a:endParaRPr lang="en-IN"/>
           </a:p>
@@ -10917,7 +10668,7 @@
           <a:p>
             <a:fld id="{7FEB833B-13B3-4FA0-BE9A-3E1DCDBB796D}" type="datetimeFigureOut">
               <a:rPr lang="en-IN" smtClean="0"/>
-              <a:t>31-05-2021</a:t>
+              <a:t>05-06-2021</a:t>
             </a:fld>
             <a:endParaRPr lang="en-IN"/>
           </a:p>
@@ -19815,7 +19566,7 @@
           <a:p>
             <a:fld id="{7FEB833B-13B3-4FA0-BE9A-3E1DCDBB796D}" type="datetimeFigureOut">
               <a:rPr lang="en-IN" smtClean="0"/>
-              <a:t>31-05-2021</a:t>
+              <a:t>05-06-2021</a:t>
             </a:fld>
             <a:endParaRPr lang="en-IN"/>
           </a:p>
@@ -20089,7 +19840,7 @@
           <a:p>
             <a:fld id="{7FEB833B-13B3-4FA0-BE9A-3E1DCDBB796D}" type="datetimeFigureOut">
               <a:rPr lang="en-IN" smtClean="0"/>
-              <a:t>31-05-2021</a:t>
+              <a:t>05-06-2021</a:t>
             </a:fld>
             <a:endParaRPr lang="en-IN"/>
           </a:p>
@@ -20487,7 +20238,7 @@
           <a:p>
             <a:fld id="{7FEB833B-13B3-4FA0-BE9A-3E1DCDBB796D}" type="datetimeFigureOut">
               <a:rPr lang="en-IN" smtClean="0"/>
-              <a:t>31-05-2021</a:t>
+              <a:t>05-06-2021</a:t>
             </a:fld>
             <a:endParaRPr lang="en-IN"/>
           </a:p>
@@ -20605,7 +20356,7 @@
           <a:p>
             <a:fld id="{7FEB833B-13B3-4FA0-BE9A-3E1DCDBB796D}" type="datetimeFigureOut">
               <a:rPr lang="en-IN" smtClean="0"/>
-              <a:t>31-05-2021</a:t>
+              <a:t>05-06-2021</a:t>
             </a:fld>
             <a:endParaRPr lang="en-IN"/>
           </a:p>
@@ -20700,7 +20451,7 @@
           <a:p>
             <a:fld id="{7FEB833B-13B3-4FA0-BE9A-3E1DCDBB796D}" type="datetimeFigureOut">
               <a:rPr lang="en-IN" smtClean="0"/>
-              <a:t>31-05-2021</a:t>
+              <a:t>05-06-2021</a:t>
             </a:fld>
             <a:endParaRPr lang="en-IN"/>
           </a:p>
@@ -20990,7 +20741,7 @@
           <a:p>
             <a:fld id="{7FEB833B-13B3-4FA0-BE9A-3E1DCDBB796D}" type="datetimeFigureOut">
               <a:rPr lang="en-IN" smtClean="0"/>
-              <a:t>31-05-2021</a:t>
+              <a:t>05-06-2021</a:t>
             </a:fld>
             <a:endParaRPr lang="en-IN"/>
           </a:p>
@@ -21270,7 +21021,7 @@
           <a:p>
             <a:fld id="{7FEB833B-13B3-4FA0-BE9A-3E1DCDBB796D}" type="datetimeFigureOut">
               <a:rPr lang="en-IN" smtClean="0"/>
-              <a:t>31-05-2021</a:t>
+              <a:t>05-06-2021</a:t>
             </a:fld>
             <a:endParaRPr lang="en-IN"/>
           </a:p>
@@ -21520,7 +21271,7 @@
           <a:p>
             <a:fld id="{7FEB833B-13B3-4FA0-BE9A-3E1DCDBB796D}" type="datetimeFigureOut">
               <a:rPr lang="en-IN" smtClean="0"/>
-              <a:t>31-05-2021</a:t>
+              <a:t>05-06-2021</a:t>
             </a:fld>
             <a:endParaRPr lang="en-IN"/>
           </a:p>
@@ -22118,6 +21869,904 @@
           <p:cNvPr id="2" name="Title 1">
             <a:extLst>
               <a:ext uri="{FF2B5EF4-FFF2-40B4-BE49-F238E27FC236}">
+                <a16:creationId xmlns:a16="http://schemas.microsoft.com/office/drawing/2014/main" id="{A306D20B-C306-4240-A2BB-312A9CDD389F}"/>
+              </a:ext>
+            </a:extLst>
+          </p:cNvPr>
+          <p:cNvSpPr>
+            <a:spLocks noGrp="1"/>
+          </p:cNvSpPr>
+          <p:nvPr>
+            <p:ph type="title"/>
+          </p:nvPr>
+        </p:nvSpPr>
+        <p:spPr/>
+        <p:txBody>
+          <a:bodyPr/>
+          <a:lstStyle/>
+          <a:p>
+            <a:r>
+              <a:rPr lang="en-IN" dirty="0"/>
+              <a:t>OLTP vs OLAP</a:t>
+            </a:r>
+          </a:p>
+        </p:txBody>
+      </p:sp>
+      <p:sp>
+        <p:nvSpPr>
+          <p:cNvPr id="3" name="Text Placeholder 2">
+            <a:extLst>
+              <a:ext uri="{FF2B5EF4-FFF2-40B4-BE49-F238E27FC236}">
+                <a16:creationId xmlns:a16="http://schemas.microsoft.com/office/drawing/2014/main" id="{84F2DBEB-35AA-4923-BCBE-6220BAD3D549}"/>
+              </a:ext>
+            </a:extLst>
+          </p:cNvPr>
+          <p:cNvSpPr>
+            <a:spLocks noGrp="1"/>
+          </p:cNvSpPr>
+          <p:nvPr>
+            <p:ph type="body" idx="1"/>
+          </p:nvPr>
+        </p:nvSpPr>
+        <p:spPr/>
+        <p:txBody>
+          <a:bodyPr/>
+          <a:lstStyle/>
+          <a:p>
+            <a:endParaRPr lang="en-IN"/>
+          </a:p>
+        </p:txBody>
+      </p:sp>
+    </p:spTree>
+    <p:extLst>
+      <p:ext uri="{BB962C8B-B14F-4D97-AF65-F5344CB8AC3E}">
+        <p14:creationId xmlns:p14="http://schemas.microsoft.com/office/powerpoint/2010/main" val="1640638788"/>
+      </p:ext>
+    </p:extLst>
+  </p:cSld>
+  <p:clrMapOvr>
+    <a:masterClrMapping/>
+  </p:clrMapOvr>
+</p:sld>
+</file>
+
+<file path=ppt/slides/slide11.xml><?xml version="1.0" encoding="utf-8"?>
+<p:sld xmlns:a="http://schemas.openxmlformats.org/drawingml/2006/main" xmlns:r="http://schemas.openxmlformats.org/officeDocument/2006/relationships" xmlns:p="http://schemas.openxmlformats.org/presentationml/2006/main">
+  <p:cSld>
+    <p:spTree>
+      <p:nvGrpSpPr>
+        <p:cNvPr id="1" name=""/>
+        <p:cNvGrpSpPr/>
+        <p:nvPr/>
+      </p:nvGrpSpPr>
+      <p:grpSpPr>
+        <a:xfrm>
+          <a:off x="0" y="0"/>
+          <a:ext cx="0" cy="0"/>
+          <a:chOff x="0" y="0"/>
+          <a:chExt cx="0" cy="0"/>
+        </a:xfrm>
+      </p:grpSpPr>
+      <p:sp>
+        <p:nvSpPr>
+          <p:cNvPr id="2" name="Title 1">
+            <a:extLst>
+              <a:ext uri="{FF2B5EF4-FFF2-40B4-BE49-F238E27FC236}">
+                <a16:creationId xmlns:a16="http://schemas.microsoft.com/office/drawing/2014/main" id="{125F7CFF-EA49-4651-8B0E-5E56EF5FBFBD}"/>
+              </a:ext>
+            </a:extLst>
+          </p:cNvPr>
+          <p:cNvSpPr>
+            <a:spLocks noGrp="1"/>
+          </p:cNvSpPr>
+          <p:nvPr>
+            <p:ph type="title"/>
+          </p:nvPr>
+        </p:nvSpPr>
+        <p:spPr/>
+        <p:txBody>
+          <a:bodyPr>
+            <a:normAutofit/>
+          </a:bodyPr>
+          <a:lstStyle/>
+          <a:p>
+            <a:r>
+              <a:rPr lang="en-GB" dirty="0"/>
+              <a:t>analytics </a:t>
+            </a:r>
+            <a:r>
+              <a:rPr lang="en-GB" dirty="0" err="1"/>
+              <a:t>db</a:t>
+            </a:r>
+            <a:r>
+              <a:rPr lang="en-GB" dirty="0"/>
+              <a:t> &amp; transaction </a:t>
+            </a:r>
+            <a:r>
+              <a:rPr lang="en-GB" dirty="0" err="1"/>
+              <a:t>db</a:t>
+            </a:r>
+            <a:endParaRPr lang="en-IN" dirty="0"/>
+          </a:p>
+        </p:txBody>
+      </p:sp>
+      <p:graphicFrame>
+        <p:nvGraphicFramePr>
+          <p:cNvPr id="18" name="Table 18">
+            <a:extLst>
+              <a:ext uri="{FF2B5EF4-FFF2-40B4-BE49-F238E27FC236}">
+                <a16:creationId xmlns:a16="http://schemas.microsoft.com/office/drawing/2014/main" id="{DD4F1775-B5F3-4ABC-908D-9C3A931CD2F7}"/>
+              </a:ext>
+            </a:extLst>
+          </p:cNvPr>
+          <p:cNvGraphicFramePr>
+            <a:graphicFrameLocks noGrp="1"/>
+          </p:cNvGraphicFramePr>
+          <p:nvPr>
+            <p:ph idx="1"/>
+            <p:extLst>
+              <p:ext uri="{D42A27DB-BD31-4B8C-83A1-F6EECF244321}">
+                <p14:modId xmlns:p14="http://schemas.microsoft.com/office/powerpoint/2010/main" val="229822955"/>
+              </p:ext>
+            </p:extLst>
+          </p:nvPr>
+        </p:nvGraphicFramePr>
+        <p:xfrm>
+          <a:off x="1023938" y="2286000"/>
+          <a:ext cx="9720073" cy="3986783"/>
+        </p:xfrm>
+        <a:graphic>
+          <a:graphicData uri="http://schemas.openxmlformats.org/drawingml/2006/table">
+            <a:tbl>
+              <a:tblPr firstRow="1" bandRow="1">
+                <a:tableStyleId>{5C22544A-7EE6-4342-B048-85BDC9FD1C3A}</a:tableStyleId>
+              </a:tblPr>
+              <a:tblGrid>
+                <a:gridCol w="1707506">
+                  <a:extLst>
+                    <a:ext uri="{9D8B030D-6E8A-4147-A177-3AD203B41FA5}">
+                      <a16:colId xmlns:a16="http://schemas.microsoft.com/office/drawing/2014/main" val="2809646805"/>
+                    </a:ext>
+                  </a:extLst>
+                </a:gridCol>
+                <a:gridCol w="3751313">
+                  <a:extLst>
+                    <a:ext uri="{9D8B030D-6E8A-4147-A177-3AD203B41FA5}">
+                      <a16:colId xmlns:a16="http://schemas.microsoft.com/office/drawing/2014/main" val="2091994275"/>
+                    </a:ext>
+                  </a:extLst>
+                </a:gridCol>
+                <a:gridCol w="4261254">
+                  <a:extLst>
+                    <a:ext uri="{9D8B030D-6E8A-4147-A177-3AD203B41FA5}">
+                      <a16:colId xmlns:a16="http://schemas.microsoft.com/office/drawing/2014/main" val="271080400"/>
+                    </a:ext>
+                  </a:extLst>
+                </a:gridCol>
+              </a:tblGrid>
+              <a:tr h="460498">
+                <a:tc>
+                  <a:txBody>
+                    <a:bodyPr/>
+                    <a:lstStyle/>
+                    <a:p>
+                      <a:r>
+                        <a:rPr lang="en-IN" dirty="0"/>
+                        <a:t>Characteristic</a:t>
+                      </a:r>
+                    </a:p>
+                  </a:txBody>
+                  <a:tcPr/>
+                </a:tc>
+                <a:tc>
+                  <a:txBody>
+                    <a:bodyPr/>
+                    <a:lstStyle/>
+                    <a:p>
+                      <a:r>
+                        <a:rPr lang="en-IN" dirty="0"/>
+                        <a:t>OLAP</a:t>
+                      </a:r>
+                    </a:p>
+                  </a:txBody>
+                  <a:tcPr/>
+                </a:tc>
+                <a:tc>
+                  <a:txBody>
+                    <a:bodyPr/>
+                    <a:lstStyle/>
+                    <a:p>
+                      <a:r>
+                        <a:rPr lang="en-IN" dirty="0"/>
+                        <a:t>OLTP</a:t>
+                      </a:r>
+                    </a:p>
+                  </a:txBody>
+                  <a:tcPr/>
+                </a:tc>
+                <a:extLst>
+                  <a:ext uri="{0D108BD9-81ED-4DB2-BD59-A6C34878D82A}">
+                    <a16:rowId xmlns:a16="http://schemas.microsoft.com/office/drawing/2014/main" val="3176116896"/>
+                  </a:ext>
+                </a:extLst>
+              </a:tr>
+              <a:tr h="1135477">
+                <a:tc>
+                  <a:txBody>
+                    <a:bodyPr/>
+                    <a:lstStyle/>
+                    <a:p>
+                      <a:r>
+                        <a:rPr lang="en-IN" sz="1800" b="0" i="0" u="none" strike="noStrike" kern="1200" dirty="0">
+                          <a:solidFill>
+                            <a:schemeClr val="dk1"/>
+                          </a:solidFill>
+                          <a:effectLst/>
+                          <a:latin typeface="+mn-lt"/>
+                          <a:ea typeface="+mn-ea"/>
+                          <a:cs typeface="+mn-cs"/>
+                        </a:rPr>
+                        <a:t>Data</a:t>
+                      </a:r>
+                      <a:endParaRPr lang="en-IN" dirty="0"/>
+                    </a:p>
+                  </a:txBody>
+                  <a:tcPr/>
+                </a:tc>
+                <a:tc>
+                  <a:txBody>
+                    <a:bodyPr/>
+                    <a:lstStyle/>
+                    <a:p>
+                      <a:pPr rtl="0"/>
+                      <a:r>
+                        <a:rPr lang="en-GB" sz="1800" b="0" i="0" u="none" strike="noStrike" kern="1200" dirty="0">
+                          <a:solidFill>
+                            <a:schemeClr val="dk1"/>
+                          </a:solidFill>
+                          <a:effectLst/>
+                          <a:latin typeface="+mn-lt"/>
+                          <a:ea typeface="+mn-ea"/>
+                          <a:cs typeface="+mn-cs"/>
+                        </a:rPr>
+                        <a:t>Historical data in column format.</a:t>
+                      </a:r>
+                      <a:endParaRPr lang="en-GB" b="0" dirty="0">
+                        <a:effectLst/>
+                      </a:endParaRPr>
+                    </a:p>
+                    <a:p>
+                      <a:pPr rtl="0"/>
+                      <a:br>
+                        <a:rPr lang="en-GB" sz="1800" b="0" i="0" u="none" strike="noStrike" kern="1200" dirty="0">
+                          <a:solidFill>
+                            <a:schemeClr val="dk1"/>
+                          </a:solidFill>
+                          <a:effectLst/>
+                          <a:latin typeface="+mn-lt"/>
+                          <a:ea typeface="+mn-ea"/>
+                          <a:cs typeface="+mn-cs"/>
+                        </a:rPr>
+                      </a:br>
+                      <a:r>
+                        <a:rPr lang="en-GB" sz="1800" b="0" i="0" u="none" strike="noStrike" kern="1200" dirty="0">
+                          <a:solidFill>
+                            <a:schemeClr val="dk1"/>
+                          </a:solidFill>
+                          <a:effectLst/>
+                          <a:latin typeface="+mn-lt"/>
+                          <a:ea typeface="+mn-ea"/>
+                          <a:cs typeface="+mn-cs"/>
+                        </a:rPr>
+                        <a:t>Read more and rare writes.</a:t>
+                      </a:r>
+                      <a:endParaRPr lang="en-GB" b="0" dirty="0">
+                        <a:effectLst/>
+                      </a:endParaRPr>
+                    </a:p>
+                  </a:txBody>
+                  <a:tcPr/>
+                </a:tc>
+                <a:tc>
+                  <a:txBody>
+                    <a:bodyPr/>
+                    <a:lstStyle/>
+                    <a:p>
+                      <a:pPr rtl="0"/>
+                      <a:r>
+                        <a:rPr lang="en-GB" sz="1800" b="0" i="0" u="none" strike="noStrike" kern="1200" dirty="0">
+                          <a:solidFill>
+                            <a:schemeClr val="dk1"/>
+                          </a:solidFill>
+                          <a:effectLst/>
+                          <a:latin typeface="+mn-lt"/>
+                          <a:ea typeface="+mn-ea"/>
+                          <a:cs typeface="+mn-cs"/>
+                        </a:rPr>
+                        <a:t>Operational data in row format.</a:t>
+                      </a:r>
+                      <a:endParaRPr lang="en-GB" b="0" dirty="0">
+                        <a:effectLst/>
+                      </a:endParaRPr>
+                    </a:p>
+                    <a:p>
+                      <a:pPr rtl="0"/>
+                      <a:br>
+                        <a:rPr lang="en-GB" sz="1800" b="0" i="0" u="none" strike="noStrike" kern="1200" dirty="0">
+                          <a:solidFill>
+                            <a:schemeClr val="dk1"/>
+                          </a:solidFill>
+                          <a:effectLst/>
+                          <a:latin typeface="+mn-lt"/>
+                          <a:ea typeface="+mn-ea"/>
+                          <a:cs typeface="+mn-cs"/>
+                        </a:rPr>
+                      </a:br>
+                      <a:r>
+                        <a:rPr lang="en-GB" sz="1800" b="0" i="0" u="none" strike="noStrike" kern="1200" dirty="0">
+                          <a:solidFill>
+                            <a:schemeClr val="dk1"/>
+                          </a:solidFill>
+                          <a:effectLst/>
+                          <a:latin typeface="+mn-lt"/>
+                          <a:ea typeface="+mn-ea"/>
+                          <a:cs typeface="+mn-cs"/>
+                        </a:rPr>
+                        <a:t>Both read and write</a:t>
+                      </a:r>
+                      <a:r>
+                        <a:rPr lang="en-IN" sz="1800" b="0" i="0" u="none" strike="noStrike" kern="1200" dirty="0">
+                          <a:solidFill>
+                            <a:schemeClr val="dk1"/>
+                          </a:solidFill>
+                          <a:effectLst/>
+                          <a:latin typeface="+mn-lt"/>
+                          <a:ea typeface="+mn-ea"/>
+                          <a:cs typeface="+mn-cs"/>
+                        </a:rPr>
+                        <a:t>.</a:t>
+                      </a:r>
+                      <a:endParaRPr lang="en-GB" b="0" dirty="0">
+                        <a:effectLst/>
+                      </a:endParaRPr>
+                    </a:p>
+                  </a:txBody>
+                  <a:tcPr/>
+                </a:tc>
+                <a:extLst>
+                  <a:ext uri="{0D108BD9-81ED-4DB2-BD59-A6C34878D82A}">
+                    <a16:rowId xmlns:a16="http://schemas.microsoft.com/office/drawing/2014/main" val="2560369307"/>
+                  </a:ext>
+                </a:extLst>
+              </a:tr>
+              <a:tr h="1135477">
+                <a:tc>
+                  <a:txBody>
+                    <a:bodyPr/>
+                    <a:lstStyle/>
+                    <a:p>
+                      <a:r>
+                        <a:rPr lang="en-IN" sz="1800" b="0" i="0" u="none" strike="noStrike" kern="1200" dirty="0">
+                          <a:solidFill>
+                            <a:schemeClr val="dk1"/>
+                          </a:solidFill>
+                          <a:effectLst/>
+                          <a:latin typeface="+mn-lt"/>
+                          <a:ea typeface="+mn-ea"/>
+                          <a:cs typeface="+mn-cs"/>
+                        </a:rPr>
+                        <a:t>Query pattern</a:t>
+                      </a:r>
+                      <a:endParaRPr lang="en-IN" dirty="0"/>
+                    </a:p>
+                  </a:txBody>
+                  <a:tcPr/>
+                </a:tc>
+                <a:tc>
+                  <a:txBody>
+                    <a:bodyPr/>
+                    <a:lstStyle/>
+                    <a:p>
+                      <a:pPr rtl="0"/>
+                      <a:r>
+                        <a:rPr lang="en-GB" sz="1800" b="0" i="0" u="none" strike="noStrike" kern="1200" dirty="0">
+                          <a:solidFill>
+                            <a:schemeClr val="dk1"/>
+                          </a:solidFill>
+                          <a:effectLst/>
+                          <a:latin typeface="+mn-lt"/>
+                          <a:ea typeface="+mn-ea"/>
+                          <a:cs typeface="+mn-cs"/>
+                        </a:rPr>
+                        <a:t>Large no of records included with aggregations, complex joins, filter, drill down, slice, dice.</a:t>
+                      </a:r>
+                      <a:endParaRPr lang="en-GB" b="0" dirty="0">
+                        <a:effectLst/>
+                      </a:endParaRPr>
+                    </a:p>
+                  </a:txBody>
+                  <a:tcPr/>
+                </a:tc>
+                <a:tc>
+                  <a:txBody>
+                    <a:bodyPr/>
+                    <a:lstStyle/>
+                    <a:p>
+                      <a:pPr rtl="0"/>
+                      <a:r>
+                        <a:rPr lang="en-GB" sz="1800" b="0" i="0" u="none" strike="noStrike" kern="1200" dirty="0">
+                          <a:solidFill>
+                            <a:schemeClr val="dk1"/>
+                          </a:solidFill>
+                          <a:effectLst/>
+                          <a:latin typeface="+mn-lt"/>
+                          <a:ea typeface="+mn-ea"/>
+                          <a:cs typeface="+mn-cs"/>
+                        </a:rPr>
+                        <a:t>Small no of records fetched by key, mostly simple joins, CRUD.</a:t>
+                      </a:r>
+                      <a:endParaRPr lang="en-GB" b="0" dirty="0">
+                        <a:effectLst/>
+                      </a:endParaRPr>
+                    </a:p>
+                  </a:txBody>
+                  <a:tcPr/>
+                </a:tc>
+                <a:extLst>
+                  <a:ext uri="{0D108BD9-81ED-4DB2-BD59-A6C34878D82A}">
+                    <a16:rowId xmlns:a16="http://schemas.microsoft.com/office/drawing/2014/main" val="2476863215"/>
+                  </a:ext>
+                </a:extLst>
+              </a:tr>
+              <a:tr h="460498">
+                <a:tc>
+                  <a:txBody>
+                    <a:bodyPr/>
+                    <a:lstStyle/>
+                    <a:p>
+                      <a:r>
+                        <a:rPr lang="en-IN" sz="1800" b="0" i="0" u="none" strike="noStrike" kern="1200" dirty="0">
+                          <a:solidFill>
+                            <a:schemeClr val="dk1"/>
+                          </a:solidFill>
+                          <a:effectLst/>
+                          <a:latin typeface="+mn-lt"/>
+                          <a:ea typeface="+mn-ea"/>
+                          <a:cs typeface="+mn-cs"/>
+                        </a:rPr>
+                        <a:t>Users</a:t>
+                      </a:r>
+                      <a:endParaRPr lang="en-IN" dirty="0"/>
+                    </a:p>
+                  </a:txBody>
+                  <a:tcPr/>
+                </a:tc>
+                <a:tc>
+                  <a:txBody>
+                    <a:bodyPr/>
+                    <a:lstStyle/>
+                    <a:p>
+                      <a:r>
+                        <a:rPr lang="en-IN" sz="1800" b="0" i="0" u="none" strike="noStrike" kern="1200" dirty="0">
+                          <a:solidFill>
+                            <a:schemeClr val="dk1"/>
+                          </a:solidFill>
+                          <a:effectLst/>
+                          <a:latin typeface="+mn-lt"/>
+                          <a:ea typeface="+mn-ea"/>
+                          <a:cs typeface="+mn-cs"/>
+                        </a:rPr>
+                        <a:t>Analyst, decision makers.</a:t>
+                      </a:r>
+                      <a:endParaRPr lang="en-IN" dirty="0"/>
+                    </a:p>
+                  </a:txBody>
+                  <a:tcPr/>
+                </a:tc>
+                <a:tc>
+                  <a:txBody>
+                    <a:bodyPr/>
+                    <a:lstStyle/>
+                    <a:p>
+                      <a:r>
+                        <a:rPr lang="en-IN" sz="1800" b="0" i="0" u="none" strike="noStrike" kern="1200" dirty="0">
+                          <a:solidFill>
+                            <a:schemeClr val="dk1"/>
+                          </a:solidFill>
+                          <a:effectLst/>
+                          <a:latin typeface="+mn-lt"/>
+                          <a:ea typeface="+mn-ea"/>
+                          <a:cs typeface="+mn-cs"/>
+                        </a:rPr>
+                        <a:t>Application builders, Backend developers.</a:t>
+                      </a:r>
+                      <a:endParaRPr lang="en-IN" dirty="0"/>
+                    </a:p>
+                  </a:txBody>
+                  <a:tcPr/>
+                </a:tc>
+                <a:extLst>
+                  <a:ext uri="{0D108BD9-81ED-4DB2-BD59-A6C34878D82A}">
+                    <a16:rowId xmlns:a16="http://schemas.microsoft.com/office/drawing/2014/main" val="120378812"/>
+                  </a:ext>
+                </a:extLst>
+              </a:tr>
+              <a:tr h="794833">
+                <a:tc>
+                  <a:txBody>
+                    <a:bodyPr/>
+                    <a:lstStyle/>
+                    <a:p>
+                      <a:r>
+                        <a:rPr lang="en-IN" sz="1800" b="0" i="0" u="none" strike="noStrike" kern="1200" dirty="0">
+                          <a:solidFill>
+                            <a:schemeClr val="dk1"/>
+                          </a:solidFill>
+                          <a:effectLst/>
+                          <a:latin typeface="+mn-lt"/>
+                          <a:ea typeface="+mn-ea"/>
+                          <a:cs typeface="+mn-cs"/>
+                        </a:rPr>
+                        <a:t>Providers</a:t>
+                      </a:r>
+                      <a:endParaRPr lang="en-IN" dirty="0"/>
+                    </a:p>
+                  </a:txBody>
+                  <a:tcPr/>
+                </a:tc>
+                <a:tc>
+                  <a:txBody>
+                    <a:bodyPr/>
+                    <a:lstStyle/>
+                    <a:p>
+                      <a:r>
+                        <a:rPr lang="en-GB" sz="1800" b="0" i="0" u="none" strike="noStrike" kern="1200" dirty="0">
+                          <a:solidFill>
+                            <a:schemeClr val="dk1"/>
+                          </a:solidFill>
+                          <a:effectLst/>
+                          <a:latin typeface="+mn-lt"/>
+                          <a:ea typeface="+mn-ea"/>
+                          <a:cs typeface="+mn-cs"/>
+                        </a:rPr>
+                        <a:t>Snowflake, Big Query, Redshift, Teradata vantage.</a:t>
+                      </a:r>
+                      <a:endParaRPr lang="en-IN" dirty="0"/>
+                    </a:p>
+                  </a:txBody>
+                  <a:tcPr/>
+                </a:tc>
+                <a:tc>
+                  <a:txBody>
+                    <a:bodyPr/>
+                    <a:lstStyle/>
+                    <a:p>
+                      <a:r>
+                        <a:rPr lang="en-IN" sz="1800" b="0" i="0" u="none" strike="noStrike" kern="1200" dirty="0">
+                          <a:solidFill>
+                            <a:schemeClr val="dk1"/>
+                          </a:solidFill>
+                          <a:effectLst/>
+                          <a:latin typeface="+mn-lt"/>
+                          <a:ea typeface="+mn-ea"/>
+                          <a:cs typeface="+mn-cs"/>
+                        </a:rPr>
+                        <a:t>SQL Server, </a:t>
+                      </a:r>
+                      <a:r>
+                        <a:rPr lang="en-IN" sz="1800" b="0" i="0" u="none" strike="noStrike" kern="1200" dirty="0" err="1">
+                          <a:solidFill>
+                            <a:schemeClr val="dk1"/>
+                          </a:solidFill>
+                          <a:effectLst/>
+                          <a:latin typeface="+mn-lt"/>
+                          <a:ea typeface="+mn-ea"/>
+                          <a:cs typeface="+mn-cs"/>
+                        </a:rPr>
+                        <a:t>Mysql</a:t>
+                      </a:r>
+                      <a:r>
+                        <a:rPr lang="en-IN" sz="1800" b="0" i="0" u="none" strike="noStrike" kern="1200" dirty="0">
+                          <a:solidFill>
+                            <a:schemeClr val="dk1"/>
+                          </a:solidFill>
+                          <a:effectLst/>
+                          <a:latin typeface="+mn-lt"/>
+                          <a:ea typeface="+mn-ea"/>
+                          <a:cs typeface="+mn-cs"/>
+                        </a:rPr>
+                        <a:t>, Postgres, Azure Cloud SQL, Google Cloud Spanner, AWS RDS.</a:t>
+                      </a:r>
+                      <a:endParaRPr lang="en-IN" dirty="0"/>
+                    </a:p>
+                  </a:txBody>
+                  <a:tcPr/>
+                </a:tc>
+                <a:extLst>
+                  <a:ext uri="{0D108BD9-81ED-4DB2-BD59-A6C34878D82A}">
+                    <a16:rowId xmlns:a16="http://schemas.microsoft.com/office/drawing/2014/main" val="3189957509"/>
+                  </a:ext>
+                </a:extLst>
+              </a:tr>
+            </a:tbl>
+          </a:graphicData>
+        </a:graphic>
+      </p:graphicFrame>
+    </p:spTree>
+    <p:extLst>
+      <p:ext uri="{BB962C8B-B14F-4D97-AF65-F5344CB8AC3E}">
+        <p14:creationId xmlns:p14="http://schemas.microsoft.com/office/powerpoint/2010/main" val="2143496613"/>
+      </p:ext>
+    </p:extLst>
+  </p:cSld>
+  <p:clrMapOvr>
+    <a:masterClrMapping/>
+  </p:clrMapOvr>
+</p:sld>
+</file>
+
+<file path=ppt/slides/slide12.xml><?xml version="1.0" encoding="utf-8"?>
+<p:sld xmlns:a="http://schemas.openxmlformats.org/drawingml/2006/main" xmlns:r="http://schemas.openxmlformats.org/officeDocument/2006/relationships" xmlns:p="http://schemas.openxmlformats.org/presentationml/2006/main">
+  <p:cSld>
+    <p:spTree>
+      <p:nvGrpSpPr>
+        <p:cNvPr id="1" name=""/>
+        <p:cNvGrpSpPr/>
+        <p:nvPr/>
+      </p:nvGrpSpPr>
+      <p:grpSpPr>
+        <a:xfrm>
+          <a:off x="0" y="0"/>
+          <a:ext cx="0" cy="0"/>
+          <a:chOff x="0" y="0"/>
+          <a:chExt cx="0" cy="0"/>
+        </a:xfrm>
+      </p:grpSpPr>
+      <p:sp>
+        <p:nvSpPr>
+          <p:cNvPr id="2" name="Title 1">
+            <a:extLst>
+              <a:ext uri="{FF2B5EF4-FFF2-40B4-BE49-F238E27FC236}">
+                <a16:creationId xmlns:a16="http://schemas.microsoft.com/office/drawing/2014/main" id="{0972A356-0FD7-45BD-AD94-3E15E5CB6A72}"/>
+              </a:ext>
+            </a:extLst>
+          </p:cNvPr>
+          <p:cNvSpPr>
+            <a:spLocks noGrp="1"/>
+          </p:cNvSpPr>
+          <p:nvPr>
+            <p:ph type="title"/>
+          </p:nvPr>
+        </p:nvSpPr>
+        <p:spPr/>
+        <p:txBody>
+          <a:bodyPr/>
+          <a:lstStyle/>
+          <a:p>
+            <a:r>
+              <a:rPr lang="en-IN" dirty="0"/>
+              <a:t>Hybrid data architecture</a:t>
+            </a:r>
+          </a:p>
+        </p:txBody>
+      </p:sp>
+      <p:pic>
+        <p:nvPicPr>
+          <p:cNvPr id="4" name="Content Placeholder 3">
+            <a:extLst>
+              <a:ext uri="{FF2B5EF4-FFF2-40B4-BE49-F238E27FC236}">
+                <a16:creationId xmlns:a16="http://schemas.microsoft.com/office/drawing/2014/main" id="{00C5116F-C81B-44D1-9E06-036FC65CF446}"/>
+              </a:ext>
+            </a:extLst>
+          </p:cNvPr>
+          <p:cNvPicPr>
+            <a:picLocks noGrp="1" noChangeAspect="1"/>
+          </p:cNvPicPr>
+          <p:nvPr>
+            <p:ph idx="1"/>
+          </p:nvPr>
+        </p:nvPicPr>
+        <p:blipFill rotWithShape="1">
+          <a:blip r:embed="rId2"/>
+          <a:srcRect t="24305"/>
+          <a:stretch/>
+        </p:blipFill>
+        <p:spPr>
+          <a:xfrm>
+            <a:off x="1160170" y="2286000"/>
+            <a:ext cx="9447798" cy="4022725"/>
+          </a:xfrm>
+          <a:prstGeom prst="rect">
+            <a:avLst/>
+          </a:prstGeom>
+          <a:ln>
+            <a:solidFill>
+              <a:schemeClr val="accent1"/>
+            </a:solidFill>
+          </a:ln>
+        </p:spPr>
+      </p:pic>
+    </p:spTree>
+    <p:extLst>
+      <p:ext uri="{BB962C8B-B14F-4D97-AF65-F5344CB8AC3E}">
+        <p14:creationId xmlns:p14="http://schemas.microsoft.com/office/powerpoint/2010/main" val="2347875384"/>
+      </p:ext>
+    </p:extLst>
+  </p:cSld>
+  <p:clrMapOvr>
+    <a:masterClrMapping/>
+  </p:clrMapOvr>
+</p:sld>
+</file>
+
+<file path=ppt/slides/slide13.xml><?xml version="1.0" encoding="utf-8"?>
+<p:sld xmlns:a="http://schemas.openxmlformats.org/drawingml/2006/main" xmlns:r="http://schemas.openxmlformats.org/officeDocument/2006/relationships" xmlns:p="http://schemas.openxmlformats.org/presentationml/2006/main">
+  <p:cSld>
+    <p:spTree>
+      <p:nvGrpSpPr>
+        <p:cNvPr id="1" name=""/>
+        <p:cNvGrpSpPr/>
+        <p:nvPr/>
+      </p:nvGrpSpPr>
+      <p:grpSpPr>
+        <a:xfrm>
+          <a:off x="0" y="0"/>
+          <a:ext cx="0" cy="0"/>
+          <a:chOff x="0" y="0"/>
+          <a:chExt cx="0" cy="0"/>
+        </a:xfrm>
+      </p:grpSpPr>
+      <p:sp>
+        <p:nvSpPr>
+          <p:cNvPr id="2" name="Title 1">
+            <a:extLst>
+              <a:ext uri="{FF2B5EF4-FFF2-40B4-BE49-F238E27FC236}">
+                <a16:creationId xmlns:a16="http://schemas.microsoft.com/office/drawing/2014/main" id="{D34106F3-9E5D-4E4F-A109-BC5FE08EEE33}"/>
+              </a:ext>
+            </a:extLst>
+          </p:cNvPr>
+          <p:cNvSpPr>
+            <a:spLocks noGrp="1"/>
+          </p:cNvSpPr>
+          <p:nvPr>
+            <p:ph type="title"/>
+          </p:nvPr>
+        </p:nvSpPr>
+        <p:spPr/>
+        <p:txBody>
+          <a:bodyPr/>
+          <a:lstStyle/>
+          <a:p>
+            <a:r>
+              <a:rPr lang="en-IN" dirty="0"/>
+              <a:t>SNOWFLAKE data platform</a:t>
+            </a:r>
+          </a:p>
+        </p:txBody>
+      </p:sp>
+      <p:sp>
+        <p:nvSpPr>
+          <p:cNvPr id="3" name="Text Placeholder 2">
+            <a:extLst>
+              <a:ext uri="{FF2B5EF4-FFF2-40B4-BE49-F238E27FC236}">
+                <a16:creationId xmlns:a16="http://schemas.microsoft.com/office/drawing/2014/main" id="{01310E61-211B-4680-9EBF-E886CE3BBC73}"/>
+              </a:ext>
+            </a:extLst>
+          </p:cNvPr>
+          <p:cNvSpPr>
+            <a:spLocks noGrp="1"/>
+          </p:cNvSpPr>
+          <p:nvPr>
+            <p:ph type="body" idx="1"/>
+          </p:nvPr>
+        </p:nvSpPr>
+        <p:spPr/>
+        <p:txBody>
+          <a:bodyPr/>
+          <a:lstStyle/>
+          <a:p>
+            <a:r>
+              <a:rPr lang="en-IN" dirty="0"/>
+              <a:t>Data Warehouse as a service</a:t>
+            </a:r>
+          </a:p>
+        </p:txBody>
+      </p:sp>
+    </p:spTree>
+    <p:extLst>
+      <p:ext uri="{BB962C8B-B14F-4D97-AF65-F5344CB8AC3E}">
+        <p14:creationId xmlns:p14="http://schemas.microsoft.com/office/powerpoint/2010/main" val="2834087559"/>
+      </p:ext>
+    </p:extLst>
+  </p:cSld>
+  <p:clrMapOvr>
+    <a:masterClrMapping/>
+  </p:clrMapOvr>
+</p:sld>
+</file>
+
+<file path=ppt/slides/slide14.xml><?xml version="1.0" encoding="utf-8"?>
+<p:sld xmlns:a="http://schemas.openxmlformats.org/drawingml/2006/main" xmlns:r="http://schemas.openxmlformats.org/officeDocument/2006/relationships" xmlns:p="http://schemas.openxmlformats.org/presentationml/2006/main">
+  <p:cSld>
+    <p:spTree>
+      <p:nvGrpSpPr>
+        <p:cNvPr id="1" name=""/>
+        <p:cNvGrpSpPr/>
+        <p:nvPr/>
+      </p:nvGrpSpPr>
+      <p:grpSpPr>
+        <a:xfrm>
+          <a:off x="0" y="0"/>
+          <a:ext cx="0" cy="0"/>
+          <a:chOff x="0" y="0"/>
+          <a:chExt cx="0" cy="0"/>
+        </a:xfrm>
+      </p:grpSpPr>
+      <p:pic>
+        <p:nvPicPr>
+          <p:cNvPr id="3" name="Picture 2">
+            <a:extLst>
+              <a:ext uri="{FF2B5EF4-FFF2-40B4-BE49-F238E27FC236}">
+                <a16:creationId xmlns:a16="http://schemas.microsoft.com/office/drawing/2014/main" id="{B4D0A029-232A-4A17-B22D-6698A9D9AB4D}"/>
+              </a:ext>
+            </a:extLst>
+          </p:cNvPr>
+          <p:cNvPicPr>
+            <a:picLocks noChangeAspect="1"/>
+          </p:cNvPicPr>
+          <p:nvPr/>
+        </p:nvPicPr>
+        <p:blipFill>
+          <a:blip r:embed="rId2"/>
+          <a:stretch>
+            <a:fillRect/>
+          </a:stretch>
+        </p:blipFill>
+        <p:spPr>
+          <a:xfrm>
+            <a:off x="37254" y="37626"/>
+            <a:ext cx="12117491" cy="6782747"/>
+          </a:xfrm>
+          <a:prstGeom prst="rect">
+            <a:avLst/>
+          </a:prstGeom>
+        </p:spPr>
+      </p:pic>
+    </p:spTree>
+    <p:extLst>
+      <p:ext uri="{BB962C8B-B14F-4D97-AF65-F5344CB8AC3E}">
+        <p14:creationId xmlns:p14="http://schemas.microsoft.com/office/powerpoint/2010/main" val="1254467546"/>
+      </p:ext>
+    </p:extLst>
+  </p:cSld>
+  <p:clrMapOvr>
+    <a:masterClrMapping/>
+  </p:clrMapOvr>
+</p:sld>
+</file>
+
+<file path=ppt/slides/slide15.xml><?xml version="1.0" encoding="utf-8"?>
+<p:sld xmlns:a="http://schemas.openxmlformats.org/drawingml/2006/main" xmlns:r="http://schemas.openxmlformats.org/officeDocument/2006/relationships" xmlns:p="http://schemas.openxmlformats.org/presentationml/2006/main">
+  <p:cSld>
+    <p:spTree>
+      <p:nvGrpSpPr>
+        <p:cNvPr id="1" name=""/>
+        <p:cNvGrpSpPr/>
+        <p:nvPr/>
+      </p:nvGrpSpPr>
+      <p:grpSpPr>
+        <a:xfrm>
+          <a:off x="0" y="0"/>
+          <a:ext cx="0" cy="0"/>
+          <a:chOff x="0" y="0"/>
+          <a:chExt cx="0" cy="0"/>
+        </a:xfrm>
+      </p:grpSpPr>
+      <p:sp>
+        <p:nvSpPr>
+          <p:cNvPr id="2" name="Title 1">
+            <a:extLst>
+              <a:ext uri="{FF2B5EF4-FFF2-40B4-BE49-F238E27FC236}">
                 <a16:creationId xmlns:a16="http://schemas.microsoft.com/office/drawing/2014/main" id="{93251EF0-6070-4F18-9D02-963641BE8C5C}"/>
               </a:ext>
             </a:extLst>
@@ -22165,19 +22814,25 @@
           <a:p>
             <a:r>
               <a:rPr lang="en-GB" dirty="0"/>
-              <a:t>* Amazon Redshift</a:t>
+              <a:t>* Azure Synapse Analytics (Azure SQL Data warehouse)</a:t>
             </a:r>
           </a:p>
           <a:p>
+            <a:pPr marL="0" indent="0">
+              <a:buNone/>
+            </a:pPr>
             <a:r>
               <a:rPr lang="en-GB" dirty="0"/>
-              <a:t>* Azure SQL Data warehouse (Azure Synapse Analytics)</a:t>
+              <a:t> * Snowflake</a:t>
             </a:r>
           </a:p>
           <a:p>
+            <a:pPr marL="0" indent="0">
+              <a:buNone/>
+            </a:pPr>
             <a:r>
               <a:rPr lang="en-GB" dirty="0"/>
-              <a:t>* Snowflake</a:t>
+              <a:t> * Amazon Redshift</a:t>
             </a:r>
           </a:p>
           <a:p>
@@ -22206,87 +22861,7 @@
 </p:sld>
 </file>
 
-<file path=ppt/slides/slide11.xml><?xml version="1.0" encoding="utf-8"?>
-<p:sld xmlns:a="http://schemas.openxmlformats.org/drawingml/2006/main" xmlns:r="http://schemas.openxmlformats.org/officeDocument/2006/relationships" xmlns:p="http://schemas.openxmlformats.org/presentationml/2006/main">
-  <p:cSld>
-    <p:spTree>
-      <p:nvGrpSpPr>
-        <p:cNvPr id="1" name=""/>
-        <p:cNvGrpSpPr/>
-        <p:nvPr/>
-      </p:nvGrpSpPr>
-      <p:grpSpPr>
-        <a:xfrm>
-          <a:off x="0" y="0"/>
-          <a:ext cx="0" cy="0"/>
-          <a:chOff x="0" y="0"/>
-          <a:chExt cx="0" cy="0"/>
-        </a:xfrm>
-      </p:grpSpPr>
-      <p:sp>
-        <p:nvSpPr>
-          <p:cNvPr id="2" name="Title 1">
-            <a:extLst>
-              <a:ext uri="{FF2B5EF4-FFF2-40B4-BE49-F238E27FC236}">
-                <a16:creationId xmlns:a16="http://schemas.microsoft.com/office/drawing/2014/main" id="{680A6D91-295B-4F97-AE52-EFF8C272720D}"/>
-              </a:ext>
-            </a:extLst>
-          </p:cNvPr>
-          <p:cNvSpPr>
-            <a:spLocks noGrp="1"/>
-          </p:cNvSpPr>
-          <p:nvPr>
-            <p:ph type="title"/>
-          </p:nvPr>
-        </p:nvSpPr>
-        <p:spPr/>
-        <p:txBody>
-          <a:bodyPr/>
-          <a:lstStyle/>
-          <a:p>
-            <a:endParaRPr lang="en-IN"/>
-          </a:p>
-        </p:txBody>
-      </p:sp>
-      <p:sp>
-        <p:nvSpPr>
-          <p:cNvPr id="13" name="Content Placeholder 12">
-            <a:extLst>
-              <a:ext uri="{FF2B5EF4-FFF2-40B4-BE49-F238E27FC236}">
-                <a16:creationId xmlns:a16="http://schemas.microsoft.com/office/drawing/2014/main" id="{FCB7F367-5AA8-46B1-83F0-6B4CBEDF440F}"/>
-              </a:ext>
-            </a:extLst>
-          </p:cNvPr>
-          <p:cNvSpPr>
-            <a:spLocks noGrp="1"/>
-          </p:cNvSpPr>
-          <p:nvPr>
-            <p:ph idx="1"/>
-          </p:nvPr>
-        </p:nvSpPr>
-        <p:spPr/>
-        <p:txBody>
-          <a:bodyPr/>
-          <a:lstStyle/>
-          <a:p>
-            <a:endParaRPr lang="en-IN"/>
-          </a:p>
-        </p:txBody>
-      </p:sp>
-    </p:spTree>
-    <p:extLst>
-      <p:ext uri="{BB962C8B-B14F-4D97-AF65-F5344CB8AC3E}">
-        <p14:creationId xmlns:p14="http://schemas.microsoft.com/office/powerpoint/2010/main" val="67604697"/>
-      </p:ext>
-    </p:extLst>
-  </p:cSld>
-  <p:clrMapOvr>
-    <a:masterClrMapping/>
-  </p:clrMapOvr>
-</p:sld>
-</file>
-
-<file path=ppt/slides/slide12.xml><?xml version="1.0" encoding="utf-8"?>
+<file path=ppt/slides/slide16.xml><?xml version="1.0" encoding="utf-8"?>
 <p:sld xmlns:a="http://schemas.openxmlformats.org/drawingml/2006/main" xmlns:r="http://schemas.openxmlformats.org/officeDocument/2006/relationships" xmlns:p="http://schemas.openxmlformats.org/presentationml/2006/main">
   <p:cSld>
     <p:spTree>
@@ -22334,10 +22909,10 @@
       </p:sp>
       <p:pic>
         <p:nvPicPr>
-          <p:cNvPr id="9" name="Picture 8">
+          <p:cNvPr id="4" name="Picture 3">
             <a:extLst>
               <a:ext uri="{FF2B5EF4-FFF2-40B4-BE49-F238E27FC236}">
-                <a16:creationId xmlns:a16="http://schemas.microsoft.com/office/drawing/2014/main" id="{B4E19D9D-971B-4877-8056-80FAC850D507}"/>
+                <a16:creationId xmlns:a16="http://schemas.microsoft.com/office/drawing/2014/main" id="{3B1EB6E8-7342-45E5-B84E-4404F8B17735}"/>
               </a:ext>
             </a:extLst>
           </p:cNvPr>
@@ -22347,20 +22922,24 @@
           <p:nvPr/>
         </p:nvPicPr>
         <p:blipFill>
-          <a:blip r:embed="rId2"/>
+          <a:blip r:embed="rId3"/>
           <a:stretch>
             <a:fillRect/>
           </a:stretch>
         </p:blipFill>
         <p:spPr>
           <a:xfrm>
-            <a:off x="1828800" y="2084832"/>
-            <a:ext cx="8534400" cy="4644828"/>
+            <a:off x="1024128" y="2084832"/>
+            <a:ext cx="9986694" cy="4314252"/>
           </a:xfrm>
           <a:prstGeom prst="rect">
             <a:avLst/>
           </a:prstGeom>
-          <a:noFill/>
+          <a:ln>
+            <a:solidFill>
+              <a:schemeClr val="accent1"/>
+            </a:solidFill>
+          </a:ln>
         </p:spPr>
       </p:pic>
     </p:spTree>
@@ -22376,7 +22955,7 @@
 </p:sld>
 </file>
 
-<file path=ppt/slides/slide13.xml><?xml version="1.0" encoding="utf-8"?>
+<file path=ppt/slides/slide17.xml><?xml version="1.0" encoding="utf-8"?>
 <p:sld xmlns:a="http://schemas.openxmlformats.org/drawingml/2006/main" xmlns:r="http://schemas.openxmlformats.org/officeDocument/2006/relationships" xmlns:p="http://schemas.openxmlformats.org/presentationml/2006/main">
   <p:cSld>
     <p:spTree>
@@ -22416,7 +22995,7 @@
           <a:p>
             <a:r>
               <a:rPr lang="en-IN" dirty="0"/>
-              <a:t>Components used in demo</a:t>
+              <a:t>What makes Snowflake unique</a:t>
             </a:r>
           </a:p>
         </p:txBody>
@@ -22443,6 +23022,12 @@
           <a:lstStyle/>
           <a:p>
             <a:r>
+              <a:rPr lang="en-GB" dirty="0"/>
+              <a:t>* Auto scaling.</a:t>
+            </a:r>
+          </a:p>
+          <a:p>
+            <a:r>
               <a:rPr lang="en-IN" dirty="0"/>
               <a:t>* </a:t>
             </a:r>
@@ -22458,21 +23043,13 @@
           <a:p>
             <a:r>
               <a:rPr lang="en-GB" dirty="0"/>
-              <a:t>* Zero Copy Cloning - Prod/Dev/Test - Assign cloned </a:t>
-            </a:r>
-            <a:r>
-              <a:rPr lang="en-GB" dirty="0" err="1"/>
-              <a:t>tweets_test</a:t>
-            </a:r>
-            <a:r>
-              <a:rPr lang="en-GB" dirty="0"/>
-              <a:t> table to testing team.</a:t>
+              <a:t>* Zero Copy Cloning - Prod/Dev/Test - Assign cloned tweets table to testing team.</a:t>
             </a:r>
           </a:p>
           <a:p>
             <a:r>
               <a:rPr lang="en-GB" dirty="0"/>
-              <a:t>* Analyse semi-</a:t>
+              <a:t>* Schema on read via variant datatype. Analyse semi-</a:t>
             </a:r>
             <a:r>
               <a:rPr lang="en-GB" dirty="0" err="1"/>
@@ -22488,19 +23065,15 @@
             </a:r>
             <a:r>
               <a:rPr lang="en-GB" dirty="0"/>
-              <a:t>, parquet.</a:t>
+              <a:t>, parquet – </a:t>
             </a:r>
-          </a:p>
-          <a:p>
+            <a:r>
+              <a:rPr lang="en-GB" dirty="0" err="1"/>
+              <a:t>tweets_view</a:t>
+            </a:r>
             <a:r>
               <a:rPr lang="en-GB" dirty="0"/>
-              <a:t>* Fast auto scaling.</a:t>
-            </a:r>
-          </a:p>
-          <a:p>
-            <a:r>
-              <a:rPr lang="en-GB" dirty="0"/>
-              <a:t>* Schema on read via variant datatype.</a:t>
+              <a:t>.</a:t>
             </a:r>
           </a:p>
           <a:p>
@@ -22527,7 +23100,7 @@
 </p:sld>
 </file>
 
-<file path=ppt/slides/slide14.xml><?xml version="1.0" encoding="utf-8"?>
+<file path=ppt/slides/slide18.xml><?xml version="1.0" encoding="utf-8"?>
 <p:sld xmlns:a="http://schemas.openxmlformats.org/drawingml/2006/main" xmlns:r="http://schemas.openxmlformats.org/officeDocument/2006/relationships" xmlns:p="http://schemas.openxmlformats.org/presentationml/2006/main">
   <p:cSld>
     <p:spTree>
@@ -22560,14 +23133,19 @@
             <p:ph type="title"/>
           </p:nvPr>
         </p:nvSpPr>
-        <p:spPr/>
+        <p:spPr>
+          <a:xfrm>
+            <a:off x="1024128" y="573493"/>
+            <a:ext cx="9720072" cy="1499616"/>
+          </a:xfrm>
+        </p:spPr>
         <p:txBody>
           <a:bodyPr/>
           <a:lstStyle/>
           <a:p>
             <a:r>
               <a:rPr lang="en-IN" dirty="0"/>
-              <a:t>Auto scaling</a:t>
+              <a:t>Unlimited + instant auto scaling</a:t>
             </a:r>
           </a:p>
         </p:txBody>
@@ -22612,6 +23190,11 @@
           <a:solidFill>
             <a:schemeClr val="accent1"/>
           </a:solidFill>
+          <a:ln>
+            <a:solidFill>
+              <a:schemeClr val="accent1"/>
+            </a:solidFill>
+          </a:ln>
         </p:spPr>
       </p:pic>
     </p:spTree>
@@ -22627,7 +23210,7 @@
 </p:sld>
 </file>
 
-<file path=ppt/slides/slide15.xml><?xml version="1.0" encoding="utf-8"?>
+<file path=ppt/slides/slide19.xml><?xml version="1.0" encoding="utf-8"?>
 <p:sld xmlns:a="http://schemas.openxmlformats.org/drawingml/2006/main" xmlns:r="http://schemas.openxmlformats.org/officeDocument/2006/relationships" xmlns:p="http://schemas.openxmlformats.org/presentationml/2006/main">
   <p:cSld>
     <p:spTree>
@@ -22649,7 +23232,7 @@
           <p:cNvPr id="2" name="Title 1">
             <a:extLst>
               <a:ext uri="{FF2B5EF4-FFF2-40B4-BE49-F238E27FC236}">
-                <a16:creationId xmlns:a16="http://schemas.microsoft.com/office/drawing/2014/main" id="{6FF7059E-78AF-4A18-BCFD-0635E2B41135}"/>
+                <a16:creationId xmlns:a16="http://schemas.microsoft.com/office/drawing/2014/main" id="{CC848BA4-9CEC-48AC-BECB-C7D4790C95B1}"/>
               </a:ext>
             </a:extLst>
           </p:cNvPr>
@@ -22662,115 +23245,46 @@
         </p:nvSpPr>
         <p:spPr/>
         <p:txBody>
-          <a:bodyPr>
-            <a:normAutofit/>
-          </a:bodyPr>
-          <a:lstStyle/>
-          <a:p>
-            <a:r>
-              <a:rPr lang="en-GB" dirty="0"/>
-              <a:t>End goal of a data architecture</a:t>
-            </a:r>
-            <a:endParaRPr lang="en-IN" dirty="0"/>
-          </a:p>
-        </p:txBody>
-      </p:sp>
-      <p:sp>
-        <p:nvSpPr>
-          <p:cNvPr id="3" name="Content Placeholder 2">
-            <a:extLst>
-              <a:ext uri="{FF2B5EF4-FFF2-40B4-BE49-F238E27FC236}">
-                <a16:creationId xmlns:a16="http://schemas.microsoft.com/office/drawing/2014/main" id="{EB2639B3-9964-4D3C-8F7B-F105DF97B6CE}"/>
-              </a:ext>
-            </a:extLst>
-          </p:cNvPr>
-          <p:cNvSpPr>
-            <a:spLocks noGrp="1"/>
-          </p:cNvSpPr>
-          <p:nvPr>
-            <p:ph idx="1"/>
-          </p:nvPr>
-        </p:nvSpPr>
-        <p:spPr>
-          <a:xfrm>
-            <a:off x="1024128" y="2286000"/>
-            <a:ext cx="4298149" cy="4023360"/>
-          </a:xfrm>
-        </p:spPr>
-        <p:txBody>
           <a:bodyPr/>
           <a:lstStyle/>
           <a:p>
             <a:r>
-              <a:rPr lang="en-GB" dirty="0"/>
-              <a:t>* Architect so that </a:t>
+              <a:rPr lang="en-IN" dirty="0"/>
+              <a:t>Multi-cluster shared data architecture</a:t>
             </a:r>
-            <a:r>
-              <a:rPr lang="en-GB" dirty="0">
-                <a:solidFill>
-                  <a:srgbClr val="0070C0"/>
-                </a:solidFill>
-              </a:rPr>
-              <a:t>copying data</a:t>
-            </a:r>
-            <a:r>
-              <a:rPr lang="en-GB" dirty="0"/>
-              <a:t> gets lesser across teams. </a:t>
-            </a:r>
-          </a:p>
-          <a:p>
-            <a:r>
-              <a:rPr lang="en-GB" dirty="0"/>
-              <a:t>* Allow USER to take SMART decisions. </a:t>
-            </a:r>
-          </a:p>
-          <a:p>
-            <a:r>
-              <a:rPr lang="en-GB" dirty="0"/>
-              <a:t>* Define goal based on customers need. </a:t>
-            </a:r>
-          </a:p>
-          <a:p>
-            <a:endParaRPr lang="en-GB" dirty="0"/>
-          </a:p>
-          <a:p>
-            <a:endParaRPr lang="en-GB" dirty="0"/>
           </a:p>
         </p:txBody>
       </p:sp>
       <p:pic>
         <p:nvPicPr>
-          <p:cNvPr id="5" name="Picture 4">
+          <p:cNvPr id="7" name="Content Placeholder 6">
             <a:extLst>
               <a:ext uri="{FF2B5EF4-FFF2-40B4-BE49-F238E27FC236}">
-                <a16:creationId xmlns:a16="http://schemas.microsoft.com/office/drawing/2014/main" id="{1236E338-05AE-4A9B-8542-634904EB740C}"/>
+                <a16:creationId xmlns:a16="http://schemas.microsoft.com/office/drawing/2014/main" id="{370B388F-95FD-431C-BF82-AF8225DC0A7D}"/>
               </a:ext>
             </a:extLst>
           </p:cNvPr>
           <p:cNvPicPr>
-            <a:picLocks noChangeAspect="1"/>
+            <a:picLocks noGrp="1" noChangeAspect="1"/>
           </p:cNvPicPr>
-          <p:nvPr/>
+          <p:nvPr>
+            <p:ph idx="1"/>
+          </p:nvPr>
         </p:nvPicPr>
         <p:blipFill>
-          <a:blip r:embed="rId3"/>
+          <a:blip r:embed="rId2"/>
           <a:stretch>
             <a:fillRect/>
           </a:stretch>
         </p:blipFill>
         <p:spPr>
           <a:xfrm>
-            <a:off x="5624459" y="2084832"/>
-            <a:ext cx="6129433" cy="2959485"/>
+            <a:off x="3420488" y="2286000"/>
+            <a:ext cx="4927162" cy="4022725"/>
           </a:xfrm>
-          <a:prstGeom prst="rect">
-            <a:avLst/>
-          </a:prstGeom>
-          <a:ln w="19050">
+          <a:ln>
             <a:solidFill>
-              <a:schemeClr val="accent2">
-                <a:lumMod val="50000"/>
-              </a:schemeClr>
+              <a:schemeClr val="accent1"/>
             </a:solidFill>
           </a:ln>
         </p:spPr>
@@ -22778,286 +23292,7 @@
     </p:spTree>
     <p:extLst>
       <p:ext uri="{BB962C8B-B14F-4D97-AF65-F5344CB8AC3E}">
-        <p14:creationId xmlns:p14="http://schemas.microsoft.com/office/powerpoint/2010/main" val="3275927977"/>
-      </p:ext>
-    </p:extLst>
-  </p:cSld>
-  <p:clrMapOvr>
-    <a:masterClrMapping/>
-  </p:clrMapOvr>
-</p:sld>
-</file>
-
-<file path=ppt/slides/slide16.xml><?xml version="1.0" encoding="utf-8"?>
-<p:sld xmlns:a="http://schemas.openxmlformats.org/drawingml/2006/main" xmlns:r="http://schemas.openxmlformats.org/officeDocument/2006/relationships" xmlns:p="http://schemas.openxmlformats.org/presentationml/2006/main">
-  <p:cSld>
-    <p:spTree>
-      <p:nvGrpSpPr>
-        <p:cNvPr id="1" name=""/>
-        <p:cNvGrpSpPr/>
-        <p:nvPr/>
-      </p:nvGrpSpPr>
-      <p:grpSpPr>
-        <a:xfrm>
-          <a:off x="0" y="0"/>
-          <a:ext cx="0" cy="0"/>
-          <a:chOff x="0" y="0"/>
-          <a:chExt cx="0" cy="0"/>
-        </a:xfrm>
-      </p:grpSpPr>
-      <p:sp>
-        <p:nvSpPr>
-          <p:cNvPr id="3" name="Rectangle 2">
-            <a:extLst>
-              <a:ext uri="{FF2B5EF4-FFF2-40B4-BE49-F238E27FC236}">
-                <a16:creationId xmlns:a16="http://schemas.microsoft.com/office/drawing/2014/main" id="{A0565B4C-0698-4E89-8C2C-1B292F5BC0F4}"/>
-              </a:ext>
-            </a:extLst>
-          </p:cNvPr>
-          <p:cNvSpPr/>
-          <p:nvPr/>
-        </p:nvSpPr>
-        <p:spPr>
-          <a:xfrm>
-            <a:off x="1170193" y="751995"/>
-            <a:ext cx="3148149" cy="707886"/>
-          </a:xfrm>
-          <a:prstGeom prst="rect">
-            <a:avLst/>
-          </a:prstGeom>
-        </p:spPr>
-        <p:txBody>
-          <a:bodyPr wrap="square">
-            <a:spAutoFit/>
-          </a:bodyPr>
-          <a:lstStyle/>
-          <a:p>
-            <a:r>
-              <a:rPr lang="en-IN" sz="2000" dirty="0">
-                <a:hlinkClick r:id="rId2"/>
-              </a:rPr>
-              <a:t>https://www.linkedin.com/in/</a:t>
-            </a:r>
-            <a:r>
-              <a:rPr lang="en-IN" sz="2000" b="1" dirty="0">
-                <a:hlinkClick r:id="rId2"/>
-              </a:rPr>
-              <a:t>dinesh-kumar-prabakaran</a:t>
-            </a:r>
-            <a:r>
-              <a:rPr lang="en-IN" sz="2000" b="1" dirty="0"/>
-              <a:t>  </a:t>
-            </a:r>
-            <a:endParaRPr lang="en-IN" sz="2000" dirty="0"/>
-          </a:p>
-        </p:txBody>
-      </p:sp>
-      <p:pic>
-        <p:nvPicPr>
-          <p:cNvPr id="4" name="Picture 3">
-            <a:extLst>
-              <a:ext uri="{FF2B5EF4-FFF2-40B4-BE49-F238E27FC236}">
-                <a16:creationId xmlns:a16="http://schemas.microsoft.com/office/drawing/2014/main" id="{AFE108C9-45B8-4ACD-B48D-53826E73B005}"/>
-              </a:ext>
-            </a:extLst>
-          </p:cNvPr>
-          <p:cNvPicPr>
-            <a:picLocks noChangeAspect="1"/>
-          </p:cNvPicPr>
-          <p:nvPr/>
-        </p:nvPicPr>
-        <p:blipFill>
-          <a:blip r:embed="rId3">
-            <a:extLst>
-              <a:ext uri="{28A0092B-C50C-407E-A947-70E740481C1C}">
-                <a14:useLocalDpi xmlns:a14="http://schemas.microsoft.com/office/drawing/2010/main" val="0"/>
-              </a:ext>
-            </a:extLst>
-          </a:blip>
-          <a:stretch>
-            <a:fillRect/>
-          </a:stretch>
-        </p:blipFill>
-        <p:spPr>
-          <a:xfrm>
-            <a:off x="1097280" y="1496515"/>
-            <a:ext cx="3365411" cy="4846193"/>
-          </a:xfrm>
-          <a:prstGeom prst="rect">
-            <a:avLst/>
-          </a:prstGeom>
-        </p:spPr>
-      </p:pic>
-      <p:pic>
-        <p:nvPicPr>
-          <p:cNvPr id="5" name="Picture 4">
-            <a:extLst>
-              <a:ext uri="{FF2B5EF4-FFF2-40B4-BE49-F238E27FC236}">
-                <a16:creationId xmlns:a16="http://schemas.microsoft.com/office/drawing/2014/main" id="{61376E4F-8E86-4ADF-8710-310054EE79B7}"/>
-              </a:ext>
-            </a:extLst>
-          </p:cNvPr>
-          <p:cNvPicPr>
-            <a:picLocks noChangeAspect="1"/>
-          </p:cNvPicPr>
-          <p:nvPr/>
-        </p:nvPicPr>
-        <p:blipFill>
-          <a:blip r:embed="rId4"/>
-          <a:stretch>
-            <a:fillRect/>
-          </a:stretch>
-        </p:blipFill>
-        <p:spPr>
-          <a:xfrm>
-            <a:off x="1241628" y="5490041"/>
-            <a:ext cx="3076714" cy="746218"/>
-          </a:xfrm>
-          <a:prstGeom prst="rect">
-            <a:avLst/>
-          </a:prstGeom>
-        </p:spPr>
-      </p:pic>
-      <p:sp>
-        <p:nvSpPr>
-          <p:cNvPr id="2" name="Rectangle 1">
-            <a:extLst>
-              <a:ext uri="{FF2B5EF4-FFF2-40B4-BE49-F238E27FC236}">
-                <a16:creationId xmlns:a16="http://schemas.microsoft.com/office/drawing/2014/main" id="{14EA8E2C-6A3B-464A-B046-52F1BE510043}"/>
-              </a:ext>
-            </a:extLst>
-          </p:cNvPr>
-          <p:cNvSpPr/>
-          <p:nvPr/>
-        </p:nvSpPr>
-        <p:spPr>
-          <a:xfrm>
-            <a:off x="5793173" y="1859340"/>
-            <a:ext cx="5091650" cy="1569660"/>
-          </a:xfrm>
-          <a:prstGeom prst="rect">
-            <a:avLst/>
-          </a:prstGeom>
-          <a:noFill/>
-        </p:spPr>
-        <p:txBody>
-          <a:bodyPr wrap="none" lIns="91440" tIns="45720" rIns="91440" bIns="45720">
-            <a:spAutoFit/>
-          </a:bodyPr>
-          <a:lstStyle/>
-          <a:p>
-            <a:pPr algn="ctr"/>
-            <a:r>
-              <a:rPr lang="en-US" sz="9600" dirty="0">
-                <a:ln w="0"/>
-                <a:solidFill>
-                  <a:schemeClr val="accent1"/>
-                </a:solidFill>
-                <a:effectLst>
-                  <a:outerShdw blurRad="38100" dist="25400" dir="5400000" algn="ctr" rotWithShape="0">
-                    <a:srgbClr val="6E747A">
-                      <a:alpha val="43000"/>
-                    </a:srgbClr>
-                  </a:outerShdw>
-                </a:effectLst>
-              </a:rPr>
-              <a:t>Thank you</a:t>
-            </a:r>
-            <a:endParaRPr lang="en-US" sz="9600" b="0" cap="none" spc="0" dirty="0">
-              <a:ln w="0"/>
-              <a:solidFill>
-                <a:schemeClr val="accent1"/>
-              </a:solidFill>
-              <a:effectLst>
-                <a:outerShdw blurRad="38100" dist="25400" dir="5400000" algn="ctr" rotWithShape="0">
-                  <a:srgbClr val="6E747A">
-                    <a:alpha val="43000"/>
-                  </a:srgbClr>
-                </a:outerShdw>
-              </a:effectLst>
-            </a:endParaRPr>
-          </a:p>
-        </p:txBody>
-      </p:sp>
-      <p:sp>
-        <p:nvSpPr>
-          <p:cNvPr id="6" name="Rectangle 5">
-            <a:extLst>
-              <a:ext uri="{FF2B5EF4-FFF2-40B4-BE49-F238E27FC236}">
-                <a16:creationId xmlns:a16="http://schemas.microsoft.com/office/drawing/2014/main" id="{1B351620-7136-4C75-8446-A9390BE83643}"/>
-              </a:ext>
-            </a:extLst>
-          </p:cNvPr>
-          <p:cNvSpPr/>
-          <p:nvPr/>
-        </p:nvSpPr>
-        <p:spPr>
-          <a:xfrm>
-            <a:off x="5341222" y="3677194"/>
-            <a:ext cx="5995552" cy="1569660"/>
-          </a:xfrm>
-          <a:prstGeom prst="rect">
-            <a:avLst/>
-          </a:prstGeom>
-          <a:noFill/>
-        </p:spPr>
-        <p:txBody>
-          <a:bodyPr wrap="none" lIns="91440" tIns="45720" rIns="91440" bIns="45720">
-            <a:spAutoFit/>
-          </a:bodyPr>
-          <a:lstStyle/>
-          <a:p>
-            <a:pPr algn="ctr"/>
-            <a:r>
-              <a:rPr lang="en-US" sz="9600" b="1" spc="50" dirty="0">
-                <a:ln w="9525" cmpd="sng">
-                  <a:solidFill>
-                    <a:schemeClr val="accent1"/>
-                  </a:solidFill>
-                  <a:prstDash val="solid"/>
-                </a:ln>
-                <a:solidFill>
-                  <a:srgbClr val="70AD47">
-                    <a:tint val="1000"/>
-                  </a:srgbClr>
-                </a:solidFill>
-                <a:effectLst>
-                  <a:glow rad="38100">
-                    <a:schemeClr val="accent1">
-                      <a:alpha val="40000"/>
-                    </a:schemeClr>
-                  </a:glow>
-                </a:effectLst>
-              </a:rPr>
-              <a:t>Questions?</a:t>
-            </a:r>
-            <a:endParaRPr lang="en-US" sz="9600" b="1" cap="none" spc="50" dirty="0">
-              <a:ln w="9525" cmpd="sng">
-                <a:solidFill>
-                  <a:schemeClr val="accent1"/>
-                </a:solidFill>
-                <a:prstDash val="solid"/>
-              </a:ln>
-              <a:solidFill>
-                <a:srgbClr val="70AD47">
-                  <a:tint val="1000"/>
-                </a:srgbClr>
-              </a:solidFill>
-              <a:effectLst>
-                <a:glow rad="38100">
-                  <a:schemeClr val="accent1">
-                    <a:alpha val="40000"/>
-                  </a:schemeClr>
-                </a:glow>
-              </a:effectLst>
-            </a:endParaRPr>
-          </a:p>
-        </p:txBody>
-      </p:sp>
-    </p:spTree>
-    <p:extLst>
-      <p:ext uri="{BB962C8B-B14F-4D97-AF65-F5344CB8AC3E}">
-        <p14:creationId xmlns:p14="http://schemas.microsoft.com/office/powerpoint/2010/main" val="375182562"/>
+        <p14:creationId xmlns:p14="http://schemas.microsoft.com/office/powerpoint/2010/main" val="1569372650"/>
       </p:ext>
     </p:extLst>
   </p:cSld>
@@ -23179,6 +23414,583 @@
     <p:extLst>
       <p:ext uri="{BB962C8B-B14F-4D97-AF65-F5344CB8AC3E}">
         <p14:creationId xmlns:p14="http://schemas.microsoft.com/office/powerpoint/2010/main" val="3028317344"/>
+      </p:ext>
+    </p:extLst>
+  </p:cSld>
+  <p:clrMapOvr>
+    <a:masterClrMapping/>
+  </p:clrMapOvr>
+</p:sld>
+</file>
+
+<file path=ppt/slides/slide20.xml><?xml version="1.0" encoding="utf-8"?>
+<p:sld xmlns:a="http://schemas.openxmlformats.org/drawingml/2006/main" xmlns:r="http://schemas.openxmlformats.org/officeDocument/2006/relationships" xmlns:p="http://schemas.openxmlformats.org/presentationml/2006/main">
+  <p:cSld>
+    <p:spTree>
+      <p:nvGrpSpPr>
+        <p:cNvPr id="1" name=""/>
+        <p:cNvGrpSpPr/>
+        <p:nvPr/>
+      </p:nvGrpSpPr>
+      <p:grpSpPr>
+        <a:xfrm>
+          <a:off x="0" y="0"/>
+          <a:ext cx="0" cy="0"/>
+          <a:chOff x="0" y="0"/>
+          <a:chExt cx="0" cy="0"/>
+        </a:xfrm>
+      </p:grpSpPr>
+      <p:sp>
+        <p:nvSpPr>
+          <p:cNvPr id="2" name="Title 1">
+            <a:extLst>
+              <a:ext uri="{FF2B5EF4-FFF2-40B4-BE49-F238E27FC236}">
+                <a16:creationId xmlns:a16="http://schemas.microsoft.com/office/drawing/2014/main" id="{C7B44B6A-F7D4-406C-B312-271EEF8124F6}"/>
+              </a:ext>
+            </a:extLst>
+          </p:cNvPr>
+          <p:cNvSpPr>
+            <a:spLocks noGrp="1"/>
+          </p:cNvSpPr>
+          <p:nvPr>
+            <p:ph type="title"/>
+          </p:nvPr>
+        </p:nvSpPr>
+        <p:spPr/>
+        <p:txBody>
+          <a:bodyPr/>
+          <a:lstStyle/>
+          <a:p>
+            <a:r>
+              <a:rPr lang="en-IN" dirty="0"/>
+              <a:t>No </a:t>
+            </a:r>
+            <a:r>
+              <a:rPr lang="en-IN" dirty="0" err="1"/>
+              <a:t>sre</a:t>
+            </a:r>
+            <a:r>
+              <a:rPr lang="en-IN" dirty="0"/>
+              <a:t>/</a:t>
+            </a:r>
+            <a:r>
+              <a:rPr lang="en-IN" dirty="0" err="1"/>
+              <a:t>devops</a:t>
+            </a:r>
+            <a:r>
+              <a:rPr lang="en-IN" dirty="0"/>
+              <a:t> burden</a:t>
+            </a:r>
+          </a:p>
+        </p:txBody>
+      </p:sp>
+      <p:pic>
+        <p:nvPicPr>
+          <p:cNvPr id="5" name="Content Placeholder 4">
+            <a:extLst>
+              <a:ext uri="{FF2B5EF4-FFF2-40B4-BE49-F238E27FC236}">
+                <a16:creationId xmlns:a16="http://schemas.microsoft.com/office/drawing/2014/main" id="{3F769F33-D494-4B03-92C4-2F91EF374AD2}"/>
+              </a:ext>
+            </a:extLst>
+          </p:cNvPr>
+          <p:cNvPicPr>
+            <a:picLocks noGrp="1" noChangeAspect="1"/>
+          </p:cNvPicPr>
+          <p:nvPr>
+            <p:ph idx="1"/>
+          </p:nvPr>
+        </p:nvPicPr>
+        <p:blipFill>
+          <a:blip r:embed="rId2"/>
+          <a:stretch>
+            <a:fillRect/>
+          </a:stretch>
+        </p:blipFill>
+        <p:spPr>
+          <a:xfrm>
+            <a:off x="1054220" y="2792202"/>
+            <a:ext cx="9659698" cy="3010320"/>
+          </a:xfrm>
+        </p:spPr>
+      </p:pic>
+    </p:spTree>
+    <p:extLst>
+      <p:ext uri="{BB962C8B-B14F-4D97-AF65-F5344CB8AC3E}">
+        <p14:creationId xmlns:p14="http://schemas.microsoft.com/office/powerpoint/2010/main" val="3293747460"/>
+      </p:ext>
+    </p:extLst>
+  </p:cSld>
+  <p:clrMapOvr>
+    <a:masterClrMapping/>
+  </p:clrMapOvr>
+</p:sld>
+</file>
+
+<file path=ppt/slides/slide21.xml><?xml version="1.0" encoding="utf-8"?>
+<p:sld xmlns:a="http://schemas.openxmlformats.org/drawingml/2006/main" xmlns:r="http://schemas.openxmlformats.org/officeDocument/2006/relationships" xmlns:p="http://schemas.openxmlformats.org/presentationml/2006/main">
+  <p:cSld>
+    <p:spTree>
+      <p:nvGrpSpPr>
+        <p:cNvPr id="1" name=""/>
+        <p:cNvGrpSpPr/>
+        <p:nvPr/>
+      </p:nvGrpSpPr>
+      <p:grpSpPr>
+        <a:xfrm>
+          <a:off x="0" y="0"/>
+          <a:ext cx="0" cy="0"/>
+          <a:chOff x="0" y="0"/>
+          <a:chExt cx="0" cy="0"/>
+        </a:xfrm>
+      </p:grpSpPr>
+      <p:sp>
+        <p:nvSpPr>
+          <p:cNvPr id="2" name="Title 1">
+            <a:extLst>
+              <a:ext uri="{FF2B5EF4-FFF2-40B4-BE49-F238E27FC236}">
+                <a16:creationId xmlns:a16="http://schemas.microsoft.com/office/drawing/2014/main" id="{B26BD99F-BDC3-412C-BAA2-0869672FB15B}"/>
+              </a:ext>
+            </a:extLst>
+          </p:cNvPr>
+          <p:cNvSpPr>
+            <a:spLocks noGrp="1"/>
+          </p:cNvSpPr>
+          <p:nvPr>
+            <p:ph type="title"/>
+          </p:nvPr>
+        </p:nvSpPr>
+        <p:spPr/>
+        <p:txBody>
+          <a:bodyPr/>
+          <a:lstStyle/>
+          <a:p>
+            <a:r>
+              <a:rPr lang="en-IN" dirty="0"/>
+              <a:t>SEMI-structured data</a:t>
+            </a:r>
+          </a:p>
+        </p:txBody>
+      </p:sp>
+      <p:pic>
+        <p:nvPicPr>
+          <p:cNvPr id="5" name="Content Placeholder 4">
+            <a:extLst>
+              <a:ext uri="{FF2B5EF4-FFF2-40B4-BE49-F238E27FC236}">
+                <a16:creationId xmlns:a16="http://schemas.microsoft.com/office/drawing/2014/main" id="{FB061672-1E4A-4A5A-9B5E-DEC76FF9CB66}"/>
+              </a:ext>
+            </a:extLst>
+          </p:cNvPr>
+          <p:cNvPicPr>
+            <a:picLocks noGrp="1" noChangeAspect="1"/>
+          </p:cNvPicPr>
+          <p:nvPr>
+            <p:ph idx="1"/>
+          </p:nvPr>
+        </p:nvPicPr>
+        <p:blipFill>
+          <a:blip r:embed="rId2"/>
+          <a:stretch>
+            <a:fillRect/>
+          </a:stretch>
+        </p:blipFill>
+        <p:spPr>
+          <a:xfrm>
+            <a:off x="1378329" y="2286000"/>
+            <a:ext cx="9011480" cy="4022725"/>
+          </a:xfrm>
+          <a:ln>
+            <a:solidFill>
+              <a:schemeClr val="accent1"/>
+            </a:solidFill>
+          </a:ln>
+        </p:spPr>
+      </p:pic>
+    </p:spTree>
+    <p:extLst>
+      <p:ext uri="{BB962C8B-B14F-4D97-AF65-F5344CB8AC3E}">
+        <p14:creationId xmlns:p14="http://schemas.microsoft.com/office/powerpoint/2010/main" val="215234534"/>
+      </p:ext>
+    </p:extLst>
+  </p:cSld>
+  <p:clrMapOvr>
+    <a:masterClrMapping/>
+  </p:clrMapOvr>
+</p:sld>
+</file>
+
+<file path=ppt/slides/slide22.xml><?xml version="1.0" encoding="utf-8"?>
+<p:sld xmlns:a="http://schemas.openxmlformats.org/drawingml/2006/main" xmlns:r="http://schemas.openxmlformats.org/officeDocument/2006/relationships" xmlns:p="http://schemas.openxmlformats.org/presentationml/2006/main">
+  <p:cSld>
+    <p:spTree>
+      <p:nvGrpSpPr>
+        <p:cNvPr id="1" name=""/>
+        <p:cNvGrpSpPr/>
+        <p:nvPr/>
+      </p:nvGrpSpPr>
+      <p:grpSpPr>
+        <a:xfrm>
+          <a:off x="0" y="0"/>
+          <a:ext cx="0" cy="0"/>
+          <a:chOff x="0" y="0"/>
+          <a:chExt cx="0" cy="0"/>
+        </a:xfrm>
+      </p:grpSpPr>
+      <p:sp>
+        <p:nvSpPr>
+          <p:cNvPr id="2" name="Title 1">
+            <a:extLst>
+              <a:ext uri="{FF2B5EF4-FFF2-40B4-BE49-F238E27FC236}">
+                <a16:creationId xmlns:a16="http://schemas.microsoft.com/office/drawing/2014/main" id="{56AACF40-DC80-407B-9CD3-5AFDD95B2D4C}"/>
+              </a:ext>
+            </a:extLst>
+          </p:cNvPr>
+          <p:cNvSpPr>
+            <a:spLocks noGrp="1"/>
+          </p:cNvSpPr>
+          <p:nvPr>
+            <p:ph type="title"/>
+          </p:nvPr>
+        </p:nvSpPr>
+        <p:spPr/>
+        <p:txBody>
+          <a:bodyPr/>
+          <a:lstStyle/>
+          <a:p>
+            <a:r>
+              <a:rPr lang="en-IN" dirty="0"/>
+              <a:t>Accessing snowflake</a:t>
+            </a:r>
+          </a:p>
+        </p:txBody>
+      </p:sp>
+      <p:pic>
+        <p:nvPicPr>
+          <p:cNvPr id="7" name="Content Placeholder 6">
+            <a:extLst>
+              <a:ext uri="{FF2B5EF4-FFF2-40B4-BE49-F238E27FC236}">
+                <a16:creationId xmlns:a16="http://schemas.microsoft.com/office/drawing/2014/main" id="{02E752BD-E224-4E31-BFE7-4236CA5FB318}"/>
+              </a:ext>
+            </a:extLst>
+          </p:cNvPr>
+          <p:cNvPicPr>
+            <a:picLocks noGrp="1" noChangeAspect="1"/>
+          </p:cNvPicPr>
+          <p:nvPr>
+            <p:ph idx="1"/>
+          </p:nvPr>
+        </p:nvPicPr>
+        <p:blipFill>
+          <a:blip r:embed="rId2"/>
+          <a:stretch>
+            <a:fillRect/>
+          </a:stretch>
+        </p:blipFill>
+        <p:spPr>
+          <a:xfrm>
+            <a:off x="2598150" y="2286000"/>
+            <a:ext cx="6571837" cy="4022725"/>
+          </a:xfrm>
+        </p:spPr>
+      </p:pic>
+    </p:spTree>
+    <p:extLst>
+      <p:ext uri="{BB962C8B-B14F-4D97-AF65-F5344CB8AC3E}">
+        <p14:creationId xmlns:p14="http://schemas.microsoft.com/office/powerpoint/2010/main" val="3632539171"/>
+      </p:ext>
+    </p:extLst>
+  </p:cSld>
+  <p:clrMapOvr>
+    <a:masterClrMapping/>
+  </p:clrMapOvr>
+</p:sld>
+</file>
+
+<file path=ppt/slides/slide23.xml><?xml version="1.0" encoding="utf-8"?>
+<p:sld xmlns:a="http://schemas.openxmlformats.org/drawingml/2006/main" xmlns:r="http://schemas.openxmlformats.org/officeDocument/2006/relationships" xmlns:p="http://schemas.openxmlformats.org/presentationml/2006/main">
+  <p:cSld>
+    <p:spTree>
+      <p:nvGrpSpPr>
+        <p:cNvPr id="1" name=""/>
+        <p:cNvGrpSpPr/>
+        <p:nvPr/>
+      </p:nvGrpSpPr>
+      <p:grpSpPr>
+        <a:xfrm>
+          <a:off x="0" y="0"/>
+          <a:ext cx="0" cy="0"/>
+          <a:chOff x="0" y="0"/>
+          <a:chExt cx="0" cy="0"/>
+        </a:xfrm>
+      </p:grpSpPr>
+      <p:sp>
+        <p:nvSpPr>
+          <p:cNvPr id="2" name="Title 1">
+            <a:extLst>
+              <a:ext uri="{FF2B5EF4-FFF2-40B4-BE49-F238E27FC236}">
+                <a16:creationId xmlns:a16="http://schemas.microsoft.com/office/drawing/2014/main" id="{6FF7059E-78AF-4A18-BCFD-0635E2B41135}"/>
+              </a:ext>
+            </a:extLst>
+          </p:cNvPr>
+          <p:cNvSpPr>
+            <a:spLocks noGrp="1"/>
+          </p:cNvSpPr>
+          <p:nvPr>
+            <p:ph type="title"/>
+          </p:nvPr>
+        </p:nvSpPr>
+        <p:spPr/>
+        <p:txBody>
+          <a:bodyPr>
+            <a:normAutofit/>
+          </a:bodyPr>
+          <a:lstStyle/>
+          <a:p>
+            <a:r>
+              <a:rPr lang="en-GB" dirty="0"/>
+              <a:t>End goal of a data architecture</a:t>
+            </a:r>
+            <a:endParaRPr lang="en-IN" dirty="0"/>
+          </a:p>
+        </p:txBody>
+      </p:sp>
+      <p:sp>
+        <p:nvSpPr>
+          <p:cNvPr id="3" name="Content Placeholder 2">
+            <a:extLst>
+              <a:ext uri="{FF2B5EF4-FFF2-40B4-BE49-F238E27FC236}">
+                <a16:creationId xmlns:a16="http://schemas.microsoft.com/office/drawing/2014/main" id="{EB2639B3-9964-4D3C-8F7B-F105DF97B6CE}"/>
+              </a:ext>
+            </a:extLst>
+          </p:cNvPr>
+          <p:cNvSpPr>
+            <a:spLocks noGrp="1"/>
+          </p:cNvSpPr>
+          <p:nvPr>
+            <p:ph idx="1"/>
+          </p:nvPr>
+        </p:nvSpPr>
+        <p:spPr>
+          <a:xfrm>
+            <a:off x="1024128" y="2286000"/>
+            <a:ext cx="4298149" cy="4023360"/>
+          </a:xfrm>
+        </p:spPr>
+        <p:txBody>
+          <a:bodyPr/>
+          <a:lstStyle/>
+          <a:p>
+            <a:r>
+              <a:rPr lang="en-GB" dirty="0"/>
+              <a:t>* Architect so that </a:t>
+            </a:r>
+            <a:r>
+              <a:rPr lang="en-GB" dirty="0">
+                <a:solidFill>
+                  <a:srgbClr val="0070C0"/>
+                </a:solidFill>
+              </a:rPr>
+              <a:t>copying data</a:t>
+            </a:r>
+            <a:r>
+              <a:rPr lang="en-GB" dirty="0"/>
+              <a:t> gets lesser across teams.</a:t>
+            </a:r>
+          </a:p>
+          <a:p>
+            <a:r>
+              <a:rPr lang="en-GB" dirty="0"/>
+              <a:t> </a:t>
+            </a:r>
+          </a:p>
+          <a:p>
+            <a:r>
+              <a:rPr lang="en-GB" dirty="0"/>
+              <a:t>* Allow USER to take SMART decisions. </a:t>
+            </a:r>
+          </a:p>
+          <a:p>
+            <a:endParaRPr lang="en-GB" dirty="0"/>
+          </a:p>
+          <a:p>
+            <a:r>
+              <a:rPr lang="en-GB" dirty="0"/>
+              <a:t>* Define goal based on customers need. </a:t>
+            </a:r>
+          </a:p>
+          <a:p>
+            <a:endParaRPr lang="en-GB" dirty="0"/>
+          </a:p>
+          <a:p>
+            <a:endParaRPr lang="en-GB" dirty="0"/>
+          </a:p>
+        </p:txBody>
+      </p:sp>
+      <p:pic>
+        <p:nvPicPr>
+          <p:cNvPr id="5" name="Picture 4">
+            <a:extLst>
+              <a:ext uri="{FF2B5EF4-FFF2-40B4-BE49-F238E27FC236}">
+                <a16:creationId xmlns:a16="http://schemas.microsoft.com/office/drawing/2014/main" id="{1236E338-05AE-4A9B-8542-634904EB740C}"/>
+              </a:ext>
+            </a:extLst>
+          </p:cNvPr>
+          <p:cNvPicPr>
+            <a:picLocks noChangeAspect="1"/>
+          </p:cNvPicPr>
+          <p:nvPr/>
+        </p:nvPicPr>
+        <p:blipFill>
+          <a:blip r:embed="rId3"/>
+          <a:stretch>
+            <a:fillRect/>
+          </a:stretch>
+        </p:blipFill>
+        <p:spPr>
+          <a:xfrm>
+            <a:off x="5601013" y="2817937"/>
+            <a:ext cx="6129433" cy="2959485"/>
+          </a:xfrm>
+          <a:prstGeom prst="rect">
+            <a:avLst/>
+          </a:prstGeom>
+          <a:ln w="19050">
+            <a:solidFill>
+              <a:schemeClr val="accent2">
+                <a:lumMod val="50000"/>
+              </a:schemeClr>
+            </a:solidFill>
+          </a:ln>
+        </p:spPr>
+      </p:pic>
+    </p:spTree>
+    <p:extLst>
+      <p:ext uri="{BB962C8B-B14F-4D97-AF65-F5344CB8AC3E}">
+        <p14:creationId xmlns:p14="http://schemas.microsoft.com/office/powerpoint/2010/main" val="3275927977"/>
+      </p:ext>
+    </p:extLst>
+  </p:cSld>
+  <p:clrMapOvr>
+    <a:masterClrMapping/>
+  </p:clrMapOvr>
+</p:sld>
+</file>
+
+<file path=ppt/slides/slide24.xml><?xml version="1.0" encoding="utf-8"?>
+<p:sld xmlns:a="http://schemas.openxmlformats.org/drawingml/2006/main" xmlns:r="http://schemas.openxmlformats.org/officeDocument/2006/relationships" xmlns:p="http://schemas.openxmlformats.org/presentationml/2006/main">
+  <p:cSld>
+    <p:spTree>
+      <p:nvGrpSpPr>
+        <p:cNvPr id="1" name=""/>
+        <p:cNvGrpSpPr/>
+        <p:nvPr/>
+      </p:nvGrpSpPr>
+      <p:grpSpPr>
+        <a:xfrm>
+          <a:off x="0" y="0"/>
+          <a:ext cx="0" cy="0"/>
+          <a:chOff x="0" y="0"/>
+          <a:chExt cx="0" cy="0"/>
+        </a:xfrm>
+      </p:grpSpPr>
+      <p:pic>
+        <p:nvPicPr>
+          <p:cNvPr id="2050" name="Picture 2">
+            <a:extLst>
+              <a:ext uri="{FF2B5EF4-FFF2-40B4-BE49-F238E27FC236}">
+                <a16:creationId xmlns:a16="http://schemas.microsoft.com/office/drawing/2014/main" id="{7D2F6007-FCA3-40ED-8671-3EA08740B458}"/>
+              </a:ext>
+            </a:extLst>
+          </p:cNvPr>
+          <p:cNvPicPr>
+            <a:picLocks noChangeAspect="1" noChangeArrowheads="1"/>
+          </p:cNvPicPr>
+          <p:nvPr/>
+        </p:nvPicPr>
+        <p:blipFill>
+          <a:blip r:embed="rId2">
+            <a:extLst>
+              <a:ext uri="{28A0092B-C50C-407E-A947-70E740481C1C}">
+                <a14:useLocalDpi xmlns:a14="http://schemas.microsoft.com/office/drawing/2010/main" val="0"/>
+              </a:ext>
+            </a:extLst>
+          </a:blip>
+          <a:srcRect/>
+          <a:stretch>
+            <a:fillRect/>
+          </a:stretch>
+        </p:blipFill>
+        <p:spPr bwMode="auto">
+          <a:xfrm>
+            <a:off x="1524000" y="0"/>
+            <a:ext cx="9144000" cy="6858000"/>
+          </a:xfrm>
+          <a:prstGeom prst="rect">
+            <a:avLst/>
+          </a:prstGeom>
+          <a:noFill/>
+          <a:extLst>
+            <a:ext uri="{909E8E84-426E-40DD-AFC4-6F175D3DCCD1}">
+              <a14:hiddenFill xmlns:a14="http://schemas.microsoft.com/office/drawing/2010/main">
+                <a:solidFill>
+                  <a:srgbClr val="FFFFFF"/>
+                </a:solidFill>
+              </a14:hiddenFill>
+            </a:ext>
+          </a:extLst>
+        </p:spPr>
+      </p:pic>
+      <p:sp>
+        <p:nvSpPr>
+          <p:cNvPr id="2" name="Rectangle 1">
+            <a:extLst>
+              <a:ext uri="{FF2B5EF4-FFF2-40B4-BE49-F238E27FC236}">
+                <a16:creationId xmlns:a16="http://schemas.microsoft.com/office/drawing/2014/main" id="{0E165932-6FEE-4EBB-AB44-BFA0319CE7A1}"/>
+              </a:ext>
+            </a:extLst>
+          </p:cNvPr>
+          <p:cNvSpPr/>
+          <p:nvPr/>
+        </p:nvSpPr>
+        <p:spPr>
+          <a:xfrm>
+            <a:off x="5251447" y="-1"/>
+            <a:ext cx="6940553" cy="1569660"/>
+          </a:xfrm>
+          <a:prstGeom prst="rect">
+            <a:avLst/>
+          </a:prstGeom>
+          <a:noFill/>
+        </p:spPr>
+        <p:txBody>
+          <a:bodyPr wrap="square" lIns="91440" tIns="45720" rIns="91440" bIns="45720">
+            <a:spAutoFit/>
+          </a:bodyPr>
+          <a:lstStyle/>
+          <a:p>
+            <a:pPr algn="ctr"/>
+            <a:r>
+              <a:rPr lang="en-US" sz="9600" b="0" cap="none" spc="0" dirty="0">
+                <a:ln w="0"/>
+                <a:solidFill>
+                  <a:schemeClr val="accent1"/>
+                </a:solidFill>
+                <a:effectLst>
+                  <a:outerShdw blurRad="38100" dist="25400" dir="5400000" algn="ctr" rotWithShape="0">
+                    <a:srgbClr val="6E747A">
+                      <a:alpha val="43000"/>
+                    </a:srgbClr>
+                  </a:outerShdw>
+                </a:effectLst>
+              </a:rPr>
+              <a:t>Questions ??</a:t>
+            </a:r>
+          </a:p>
+        </p:txBody>
+      </p:sp>
+    </p:spTree>
+    <p:extLst>
+      <p:ext uri="{BB962C8B-B14F-4D97-AF65-F5344CB8AC3E}">
+        <p14:creationId xmlns:p14="http://schemas.microsoft.com/office/powerpoint/2010/main" val="974040267"/>
       </p:ext>
     </p:extLst>
   </p:cSld>
@@ -23546,7 +24358,7 @@
           <p:cNvPr id="2" name="Title 1">
             <a:extLst>
               <a:ext uri="{FF2B5EF4-FFF2-40B4-BE49-F238E27FC236}">
-                <a16:creationId xmlns:a16="http://schemas.microsoft.com/office/drawing/2014/main" id="{5B87CF65-8203-45A0-8A1D-449B3DDD5664}"/>
+                <a16:creationId xmlns:a16="http://schemas.microsoft.com/office/drawing/2014/main" id="{03497588-1D90-4664-94F0-F3F2A2060189}"/>
               </a:ext>
             </a:extLst>
           </p:cNvPr>
@@ -23563,10 +24375,9 @@
           <a:lstStyle/>
           <a:p>
             <a:r>
-              <a:rPr lang="en-GB" dirty="0"/>
+              <a:rPr lang="en-IN" dirty="0"/>
               <a:t>Database</a:t>
             </a:r>
-            <a:endParaRPr lang="en-IN" dirty="0"/>
           </a:p>
         </p:txBody>
       </p:sp>
@@ -23575,7 +24386,7 @@
           <p:cNvPr id="3" name="Content Placeholder 2">
             <a:extLst>
               <a:ext uri="{FF2B5EF4-FFF2-40B4-BE49-F238E27FC236}">
-                <a16:creationId xmlns:a16="http://schemas.microsoft.com/office/drawing/2014/main" id="{86CBC334-2225-4ED6-8E26-6DDD7BD9E2FA}"/>
+                <a16:creationId xmlns:a16="http://schemas.microsoft.com/office/drawing/2014/main" id="{F2B80727-A8FD-4721-911B-64DC5F8EBD32}"/>
               </a:ext>
             </a:extLst>
           </p:cNvPr>
@@ -23583,27 +24394,22 @@
             <a:spLocks noGrp="1"/>
           </p:cNvSpPr>
           <p:nvPr>
-            <p:ph idx="1"/>
+            <p:ph sz="half" idx="1"/>
           </p:nvPr>
         </p:nvSpPr>
-        <p:spPr>
-          <a:xfrm>
-            <a:off x="1024129" y="2286000"/>
-            <a:ext cx="4070385" cy="4023360"/>
-          </a:xfrm>
-        </p:spPr>
+        <p:spPr/>
         <p:txBody>
           <a:bodyPr>
-            <a:normAutofit fontScale="92500" lnSpcReduction="20000"/>
+            <a:normAutofit/>
           </a:bodyPr>
           <a:lstStyle/>
           <a:p>
             <a:r>
-              <a:rPr lang="en-GB" dirty="0"/>
+              <a:rPr lang="en-GB" sz="1500" dirty="0"/>
               <a:t>* </a:t>
             </a:r>
             <a:r>
-              <a:rPr lang="en-GB" dirty="0">
+              <a:rPr lang="en-GB" sz="1500" dirty="0">
                 <a:solidFill>
                   <a:srgbClr val="0070C0"/>
                 </a:solidFill>
@@ -23616,11 +24422,11 @@
               <a:buNone/>
             </a:pPr>
             <a:r>
-              <a:rPr lang="en-GB" dirty="0"/>
+              <a:rPr lang="en-GB" sz="1500" dirty="0"/>
               <a:t> * </a:t>
             </a:r>
             <a:r>
-              <a:rPr lang="en-GB" dirty="0">
+              <a:rPr lang="en-GB" sz="1500" dirty="0">
                 <a:solidFill>
                   <a:srgbClr val="0070C0"/>
                 </a:solidFill>
@@ -23629,17 +24435,17 @@
             </a:r>
           </a:p>
           <a:p>
-            <a:endParaRPr lang="en-GB" dirty="0"/>
+            <a:endParaRPr lang="en-GB" sz="1500" dirty="0"/>
           </a:p>
           <a:p>
             <a:r>
-              <a:rPr lang="en-GB" dirty="0"/>
+              <a:rPr lang="en-GB" sz="1500" dirty="0"/>
               <a:t>* Recommended for,</a:t>
             </a:r>
           </a:p>
           <a:p>
             <a:r>
-              <a:rPr lang="en-GB" sz="1900" dirty="0"/>
+              <a:rPr lang="en-GB" sz="1500" dirty="0"/>
               <a:t>- Structured data of less than a TB, </a:t>
             </a:r>
           </a:p>
@@ -23648,99 +24454,85 @@
               <a:buNone/>
             </a:pPr>
             <a:r>
-              <a:rPr lang="en-GB" sz="1900" dirty="0"/>
+              <a:rPr lang="en-GB" sz="1500" dirty="0"/>
               <a:t>  - Purpose - OLTP.</a:t>
             </a:r>
           </a:p>
           <a:p>
-            <a:endParaRPr lang="en-GB" dirty="0"/>
+            <a:endParaRPr lang="en-GB" sz="1500" dirty="0"/>
           </a:p>
           <a:p>
             <a:r>
-              <a:rPr lang="en-GB" dirty="0"/>
+              <a:rPr lang="en-GB" sz="1500" dirty="0"/>
               <a:t>* Not recommended for,</a:t>
             </a:r>
           </a:p>
           <a:p>
             <a:r>
-              <a:rPr lang="en-GB" sz="1900" dirty="0"/>
+              <a:rPr lang="en-GB" sz="1500" dirty="0"/>
               <a:t>- Ad-hoc analytics.</a:t>
             </a:r>
           </a:p>
           <a:p>
             <a:r>
-              <a:rPr lang="en-GB" sz="1900" dirty="0"/>
+              <a:rPr lang="en-GB" sz="1500" dirty="0"/>
               <a:t>- More dependency in </a:t>
             </a:r>
             <a:r>
-              <a:rPr lang="en-GB" sz="1900" dirty="0" err="1"/>
+              <a:rPr lang="en-GB" sz="1500" dirty="0" err="1"/>
               <a:t>sharding</a:t>
             </a:r>
             <a:r>
-              <a:rPr lang="en-GB" sz="1900" dirty="0"/>
+              <a:rPr lang="en-GB" sz="1500" dirty="0"/>
               <a:t>.</a:t>
             </a:r>
+          </a:p>
+          <a:p>
+            <a:endParaRPr lang="en-IN" sz="1500" dirty="0"/>
           </a:p>
         </p:txBody>
       </p:sp>
       <p:pic>
         <p:nvPicPr>
-          <p:cNvPr id="2050" name="Picture 2" descr="shared-disk-architecture">
+          <p:cNvPr id="11" name="Content Placeholder 5">
             <a:extLst>
               <a:ext uri="{FF2B5EF4-FFF2-40B4-BE49-F238E27FC236}">
-                <a16:creationId xmlns:a16="http://schemas.microsoft.com/office/drawing/2014/main" id="{FD35294B-7B9D-4B54-B80D-88A923A01390}"/>
+                <a16:creationId xmlns:a16="http://schemas.microsoft.com/office/drawing/2014/main" id="{2BACD9C0-D37E-4023-9908-F5160EC22F55}"/>
               </a:ext>
             </a:extLst>
           </p:cNvPr>
           <p:cNvPicPr>
-            <a:picLocks noChangeAspect="1" noChangeArrowheads="1"/>
+            <a:picLocks noGrp="1" noChangeAspect="1"/>
           </p:cNvPicPr>
-          <p:nvPr/>
+          <p:nvPr>
+            <p:ph sz="half" idx="2"/>
+          </p:nvPr>
         </p:nvPicPr>
         <p:blipFill>
-          <a:blip r:embed="rId3">
-            <a:extLst>
-              <a:ext uri="{28A0092B-C50C-407E-A947-70E740481C1C}">
-                <a14:useLocalDpi xmlns:a14="http://schemas.microsoft.com/office/drawing/2010/main" val="0"/>
-              </a:ext>
-            </a:extLst>
-          </a:blip>
-          <a:srcRect/>
+          <a:blip r:embed="rId2"/>
           <a:stretch>
             <a:fillRect/>
           </a:stretch>
         </p:blipFill>
-        <p:spPr bwMode="auto">
+        <p:spPr>
           <a:xfrm>
-            <a:off x="5352107" y="2455817"/>
-            <a:ext cx="6074855" cy="3566160"/>
+            <a:off x="6036739" y="2286000"/>
+            <a:ext cx="4660360" cy="4022725"/>
           </a:xfrm>
           <a:prstGeom prst="rect">
             <a:avLst/>
           </a:prstGeom>
-          <a:noFill/>
-          <a:ln w="19050">
+          <a:ln>
             <a:solidFill>
-              <a:schemeClr val="accent2">
-                <a:lumMod val="50000"/>
-              </a:schemeClr>
+              <a:schemeClr val="accent1"/>
             </a:solidFill>
           </a:ln>
-          <a:extLst>
-            <a:ext uri="{909E8E84-426E-40DD-AFC4-6F175D3DCCD1}">
-              <a14:hiddenFill xmlns:a14="http://schemas.microsoft.com/office/drawing/2010/main">
-                <a:solidFill>
-                  <a:srgbClr val="FFFFFF"/>
-                </a:solidFill>
-              </a14:hiddenFill>
-            </a:ext>
-          </a:extLst>
         </p:spPr>
       </p:pic>
     </p:spTree>
     <p:extLst>
       <p:ext uri="{BB962C8B-B14F-4D97-AF65-F5344CB8AC3E}">
-        <p14:creationId xmlns:p14="http://schemas.microsoft.com/office/powerpoint/2010/main" val="1944598716"/>
+        <p14:creationId xmlns:p14="http://schemas.microsoft.com/office/powerpoint/2010/main" val="2313323076"/>
       </p:ext>
     </p:extLst>
   </p:cSld>
@@ -24129,7 +24921,7 @@
           <p:cNvPr id="2" name="Title 1">
             <a:extLst>
               <a:ext uri="{FF2B5EF4-FFF2-40B4-BE49-F238E27FC236}">
-                <a16:creationId xmlns:a16="http://schemas.microsoft.com/office/drawing/2014/main" id="{5B87CF65-8203-45A0-8A1D-449B3DDD5664}"/>
+                <a16:creationId xmlns:a16="http://schemas.microsoft.com/office/drawing/2014/main" id="{7C8F623B-BCB3-4DAA-B04D-1A2C4FC782EB}"/>
               </a:ext>
             </a:extLst>
           </p:cNvPr>
@@ -24146,10 +24938,9 @@
           <a:lstStyle/>
           <a:p>
             <a:r>
-              <a:rPr lang="en-GB" dirty="0"/>
-              <a:t>Data Warehouse</a:t>
+              <a:rPr lang="en-IN" dirty="0"/>
+              <a:t>Data warehouse</a:t>
             </a:r>
-            <a:endParaRPr lang="en-IN" dirty="0"/>
           </a:p>
         </p:txBody>
       </p:sp>
@@ -24158,7 +24949,7 @@
           <p:cNvPr id="3" name="Content Placeholder 2">
             <a:extLst>
               <a:ext uri="{FF2B5EF4-FFF2-40B4-BE49-F238E27FC236}">
-                <a16:creationId xmlns:a16="http://schemas.microsoft.com/office/drawing/2014/main" id="{86CBC334-2225-4ED6-8E26-6DDD7BD9E2FA}"/>
+                <a16:creationId xmlns:a16="http://schemas.microsoft.com/office/drawing/2014/main" id="{C9F4A5F8-2464-4FF4-8934-9880D0572806}"/>
               </a:ext>
             </a:extLst>
           </p:cNvPr>
@@ -24166,27 +24957,22 @@
             <a:spLocks noGrp="1"/>
           </p:cNvSpPr>
           <p:nvPr>
-            <p:ph idx="1"/>
+            <p:ph sz="half" idx="1"/>
           </p:nvPr>
         </p:nvSpPr>
-        <p:spPr>
-          <a:xfrm>
-            <a:off x="1024128" y="2286000"/>
-            <a:ext cx="3809129" cy="4023360"/>
-          </a:xfrm>
-        </p:spPr>
+        <p:spPr/>
         <p:txBody>
           <a:bodyPr>
-            <a:normAutofit fontScale="70000" lnSpcReduction="20000"/>
+            <a:noAutofit/>
           </a:bodyPr>
           <a:lstStyle/>
           <a:p>
             <a:r>
-              <a:rPr lang="en-GB" dirty="0"/>
+              <a:rPr lang="en-GB" sz="1500" dirty="0"/>
               <a:t>* </a:t>
             </a:r>
             <a:r>
-              <a:rPr lang="en-GB" dirty="0">
+              <a:rPr lang="en-GB" sz="1500" dirty="0">
                 <a:solidFill>
                   <a:srgbClr val="0070C0"/>
                 </a:solidFill>
@@ -24196,7 +24982,7 @@
           </a:p>
           <a:p>
             <a:r>
-              <a:rPr lang="en-GB" dirty="0">
+              <a:rPr lang="en-GB" sz="1500" dirty="0">
                 <a:solidFill>
                   <a:srgbClr val="0070C0"/>
                 </a:solidFill>
@@ -24205,7 +24991,7 @@
             </a:r>
           </a:p>
           <a:p>
-            <a:endParaRPr lang="en-GB" dirty="0">
+            <a:endParaRPr lang="en-GB" sz="1500" dirty="0">
               <a:solidFill>
                 <a:srgbClr val="0070C0"/>
               </a:solidFill>
@@ -24213,87 +24999,87 @@
           </a:p>
           <a:p>
             <a:r>
-              <a:rPr lang="en-GB" dirty="0"/>
+              <a:rPr lang="en-GB" sz="1500" dirty="0"/>
               <a:t>* Recommended,</a:t>
             </a:r>
           </a:p>
           <a:p>
             <a:r>
-              <a:rPr lang="en-GB" sz="2100" dirty="0"/>
-              <a:t>- If you know metadata &amp; schema/format of analytics to be done.</a:t>
+              <a:rPr lang="en-GB" sz="1500" dirty="0"/>
+              <a:t>- If you know metadata &amp; format of analytics to be done.</a:t>
             </a:r>
           </a:p>
           <a:p>
             <a:r>
-              <a:rPr lang="en-GB" sz="2100" dirty="0"/>
-              <a:t>- Decided that ML/AI not needed much; </a:t>
+              <a:rPr lang="en-GB" sz="1500" dirty="0"/>
+              <a:t>- ML/AI not needed much. Query not over large dataset.</a:t>
             </a:r>
           </a:p>
           <a:p>
             <a:r>
-              <a:rPr lang="en-GB" sz="2100" dirty="0"/>
+              <a:rPr lang="en-GB" sz="1500" dirty="0"/>
               <a:t>- Expose out; allowing customers to analyse.</a:t>
             </a:r>
           </a:p>
           <a:p>
-            <a:endParaRPr lang="en-GB" dirty="0"/>
+            <a:endParaRPr lang="en-GB" sz="1500" dirty="0"/>
           </a:p>
           <a:p>
             <a:r>
-              <a:rPr lang="en-GB" dirty="0"/>
+              <a:rPr lang="en-GB" sz="1500" dirty="0"/>
               <a:t>* Not recommended, </a:t>
             </a:r>
           </a:p>
           <a:p>
             <a:r>
-              <a:rPr lang="en-GB" dirty="0"/>
+              <a:rPr lang="en-GB" sz="1500" dirty="0"/>
               <a:t>- Unstructured data like image and video.</a:t>
             </a:r>
           </a:p>
           <a:p>
             <a:r>
-              <a:rPr lang="en-GB" dirty="0"/>
+              <a:rPr lang="en-GB" sz="1500" dirty="0"/>
               <a:t>- Semi-structured with multiple levels.</a:t>
             </a:r>
           </a:p>
           <a:p>
-            <a:endParaRPr lang="en-GB" dirty="0"/>
+            <a:endParaRPr lang="en-GB" sz="1500" dirty="0"/>
           </a:p>
         </p:txBody>
       </p:sp>
       <p:pic>
         <p:nvPicPr>
-          <p:cNvPr id="5" name="Picture 4">
+          <p:cNvPr id="5" name="Content Placeholder 4">
             <a:extLst>
               <a:ext uri="{FF2B5EF4-FFF2-40B4-BE49-F238E27FC236}">
-                <a16:creationId xmlns:a16="http://schemas.microsoft.com/office/drawing/2014/main" id="{30CCA892-55F8-44F1-9663-F94598196AC0}"/>
+                <a16:creationId xmlns:a16="http://schemas.microsoft.com/office/drawing/2014/main" id="{FB495B05-1045-40BE-9257-A4703CEEE386}"/>
               </a:ext>
             </a:extLst>
           </p:cNvPr>
           <p:cNvPicPr>
-            <a:picLocks noChangeAspect="1"/>
+            <a:picLocks noGrp="1" noChangeAspect="1"/>
           </p:cNvPicPr>
-          <p:nvPr/>
+          <p:nvPr>
+            <p:ph sz="half" idx="2"/>
+          </p:nvPr>
         </p:nvPicPr>
         <p:blipFill>
-          <a:blip r:embed="rId3"/>
+          <a:blip r:embed="rId2"/>
           <a:stretch>
             <a:fillRect/>
           </a:stretch>
         </p:blipFill>
         <p:spPr>
           <a:xfrm>
-            <a:off x="4833257" y="1530967"/>
-            <a:ext cx="7037933" cy="4741817"/>
+            <a:off x="5989638" y="3082669"/>
+            <a:ext cx="4754562" cy="2429386"/>
           </a:xfrm>
           <a:prstGeom prst="rect">
             <a:avLst/>
           </a:prstGeom>
-          <a:ln w="19050">
+          <a:ln>
             <a:solidFill>
-              <a:schemeClr val="accent2">
-                <a:lumMod val="50000"/>
-              </a:schemeClr>
+              <a:schemeClr val="accent1"/>
             </a:solidFill>
           </a:ln>
         </p:spPr>
@@ -24301,7 +25087,7 @@
     </p:spTree>
     <p:extLst>
       <p:ext uri="{BB962C8B-B14F-4D97-AF65-F5344CB8AC3E}">
-        <p14:creationId xmlns:p14="http://schemas.microsoft.com/office/powerpoint/2010/main" val="229161001"/>
+        <p14:creationId xmlns:p14="http://schemas.microsoft.com/office/powerpoint/2010/main" val="1985833327"/>
       </p:ext>
     </p:extLst>
   </p:cSld>
@@ -24333,7 +25119,7 @@
           <p:cNvPr id="2" name="Title 1">
             <a:extLst>
               <a:ext uri="{FF2B5EF4-FFF2-40B4-BE49-F238E27FC236}">
-                <a16:creationId xmlns:a16="http://schemas.microsoft.com/office/drawing/2014/main" id="{5B87CF65-8203-45A0-8A1D-449B3DDD5664}"/>
+                <a16:creationId xmlns:a16="http://schemas.microsoft.com/office/drawing/2014/main" id="{48BFBF90-10B9-45B5-A00F-27198C8138FC}"/>
               </a:ext>
             </a:extLst>
           </p:cNvPr>
@@ -24350,10 +25136,9 @@
           <a:lstStyle/>
           <a:p>
             <a:r>
-              <a:rPr lang="en-GB" dirty="0"/>
-              <a:t>Data Lake</a:t>
+              <a:rPr lang="en-IN" dirty="0"/>
+              <a:t>Data lake</a:t>
             </a:r>
-            <a:endParaRPr lang="en-IN" dirty="0"/>
           </a:p>
         </p:txBody>
       </p:sp>
@@ -24362,7 +25147,7 @@
           <p:cNvPr id="3" name="Content Placeholder 2">
             <a:extLst>
               <a:ext uri="{FF2B5EF4-FFF2-40B4-BE49-F238E27FC236}">
-                <a16:creationId xmlns:a16="http://schemas.microsoft.com/office/drawing/2014/main" id="{86CBC334-2225-4ED6-8E26-6DDD7BD9E2FA}"/>
+                <a16:creationId xmlns:a16="http://schemas.microsoft.com/office/drawing/2014/main" id="{A42D161F-42D8-4350-B1ED-E52224166836}"/>
               </a:ext>
             </a:extLst>
           </p:cNvPr>
@@ -24370,27 +25155,27 @@
             <a:spLocks noGrp="1"/>
           </p:cNvSpPr>
           <p:nvPr>
-            <p:ph idx="1"/>
+            <p:ph sz="half" idx="1"/>
           </p:nvPr>
         </p:nvSpPr>
         <p:spPr>
           <a:xfrm>
-            <a:off x="1024128" y="2299063"/>
-            <a:ext cx="4743626" cy="4023360"/>
+            <a:off x="1024127" y="2286000"/>
+            <a:ext cx="9720072" cy="4023360"/>
           </a:xfrm>
         </p:spPr>
         <p:txBody>
           <a:bodyPr>
-            <a:normAutofit fontScale="85000" lnSpcReduction="10000"/>
+            <a:normAutofit/>
           </a:bodyPr>
           <a:lstStyle/>
           <a:p>
             <a:r>
-              <a:rPr lang="en-GB" dirty="0"/>
+              <a:rPr lang="en-GB" sz="1500" dirty="0"/>
               <a:t>* </a:t>
             </a:r>
             <a:r>
-              <a:rPr lang="en-GB" dirty="0">
+              <a:rPr lang="en-GB" sz="1500" dirty="0">
                 <a:solidFill>
                   <a:srgbClr val="0070C0"/>
                 </a:solidFill>
@@ -24400,7 +25185,7 @@
           </a:p>
           <a:p>
             <a:r>
-              <a:rPr lang="en-GB" dirty="0">
+              <a:rPr lang="en-GB" sz="1500" dirty="0">
                 <a:solidFill>
                   <a:srgbClr val="0070C0"/>
                 </a:solidFill>
@@ -24409,7 +25194,7 @@
             </a:r>
           </a:p>
           <a:p>
-            <a:endParaRPr lang="en-GB" dirty="0">
+            <a:endParaRPr lang="en-GB" sz="1500" dirty="0">
               <a:solidFill>
                 <a:srgbClr val="0070C0"/>
               </a:solidFill>
@@ -24420,8 +25205,8 @@
               <a:buNone/>
             </a:pPr>
             <a:r>
-              <a:rPr lang="en-GB" dirty="0"/>
-              <a:t>* Recommended when,</a:t>
+              <a:rPr lang="en-GB" sz="1500" dirty="0"/>
+              <a:t>* Recommended,</a:t>
             </a:r>
           </a:p>
           <a:p>
@@ -24429,23 +25214,23 @@
               <a:buNone/>
             </a:pPr>
             <a:r>
-              <a:rPr lang="en-GB" sz="1800" dirty="0"/>
-              <a:t> - Have </a:t>
+              <a:rPr lang="en-GB" sz="1500" dirty="0"/>
+              <a:t> - Must store </a:t>
             </a:r>
             <a:r>
-              <a:rPr lang="en-GB" sz="1800" i="1" dirty="0"/>
+              <a:rPr lang="en-GB" sz="1500" i="1" dirty="0"/>
               <a:t>all types</a:t>
             </a:r>
             <a:r>
-              <a:rPr lang="en-GB" sz="1800" dirty="0"/>
+              <a:rPr lang="en-GB" sz="1500" dirty="0"/>
               <a:t> of data of </a:t>
             </a:r>
             <a:r>
-              <a:rPr lang="en-GB" sz="1800" i="1" dirty="0"/>
+              <a:rPr lang="en-GB" sz="1500" i="1" dirty="0"/>
               <a:t>any size.</a:t>
             </a:r>
             <a:r>
-              <a:rPr lang="en-GB" sz="1800" dirty="0"/>
+              <a:rPr lang="en-GB" sz="1500" dirty="0"/>
               <a:t> </a:t>
             </a:r>
           </a:p>
@@ -24454,16 +25239,8 @@
               <a:buNone/>
             </a:pPr>
             <a:r>
-              <a:rPr lang="en-GB" sz="1800" dirty="0"/>
-              <a:t> - Store now but have </a:t>
-            </a:r>
-            <a:r>
-              <a:rPr lang="en-GB" sz="1800" i="1" dirty="0"/>
-              <a:t>no immediate plan about analytics</a:t>
-            </a:r>
-            <a:r>
-              <a:rPr lang="en-GB" sz="1800" dirty="0"/>
-              <a:t>. </a:t>
+              <a:rPr lang="en-GB" sz="1500" dirty="0"/>
+              <a:t> - Query over large datasets. </a:t>
             </a:r>
           </a:p>
           <a:p>
@@ -24471,23 +25248,15 @@
               <a:buNone/>
             </a:pPr>
             <a:r>
-              <a:rPr lang="en-GB" sz="1800" dirty="0"/>
-              <a:t> - I</a:t>
-            </a:r>
-            <a:r>
-              <a:rPr lang="en-GB" sz="1800" i="1" dirty="0"/>
-              <a:t>nternal analytics</a:t>
-            </a:r>
-            <a:r>
-              <a:rPr lang="en-GB" sz="1800" dirty="0"/>
-              <a:t> – dump all; play as and when you need.</a:t>
+              <a:rPr lang="en-GB" sz="1500" dirty="0"/>
+              <a:t> - Store now; play later as and when you need. (Internal analytics).</a:t>
             </a:r>
           </a:p>
           <a:p>
             <a:pPr marL="0" indent="0">
               <a:buNone/>
             </a:pPr>
-            <a:endParaRPr lang="en-GB" sz="1800" dirty="0">
+            <a:endParaRPr lang="en-GB" sz="1500" dirty="0">
               <a:solidFill>
                 <a:srgbClr val="0070C0"/>
               </a:solidFill>
@@ -24498,8 +25267,8 @@
               <a:buNone/>
             </a:pPr>
             <a:r>
-              <a:rPr lang="en-GB" dirty="0"/>
-              <a:t>Not recommended when, </a:t>
+              <a:rPr lang="en-GB" sz="1500" dirty="0"/>
+              <a:t>* Not recommended, </a:t>
             </a:r>
           </a:p>
           <a:p>
@@ -24507,58 +25276,24 @@
               <a:buNone/>
             </a:pPr>
             <a:r>
-              <a:rPr lang="en-GB" sz="1800" dirty="0"/>
+              <a:rPr lang="en-GB" sz="1500" dirty="0"/>
               <a:t> - Data stored should be readily available for analytics upon which users would create reports.</a:t>
             </a:r>
-            <a:endParaRPr lang="en-IN" sz="1800" dirty="0">
+            <a:endParaRPr lang="en-IN" sz="1500" dirty="0">
               <a:solidFill>
                 <a:srgbClr val="0070C0"/>
               </a:solidFill>
             </a:endParaRPr>
           </a:p>
+          <a:p>
+            <a:endParaRPr lang="en-IN" sz="1500" dirty="0"/>
+          </a:p>
         </p:txBody>
       </p:sp>
-      <p:pic>
-        <p:nvPicPr>
-          <p:cNvPr id="5" name="Picture 4">
-            <a:extLst>
-              <a:ext uri="{FF2B5EF4-FFF2-40B4-BE49-F238E27FC236}">
-                <a16:creationId xmlns:a16="http://schemas.microsoft.com/office/drawing/2014/main" id="{EDFC0EC8-4EC0-438D-BAF1-34BE7FEE111B}"/>
-              </a:ext>
-            </a:extLst>
-          </p:cNvPr>
-          <p:cNvPicPr>
-            <a:picLocks noChangeAspect="1"/>
-          </p:cNvPicPr>
-          <p:nvPr/>
-        </p:nvPicPr>
-        <p:blipFill>
-          <a:blip r:embed="rId3"/>
-          <a:stretch>
-            <a:fillRect/>
-          </a:stretch>
-        </p:blipFill>
-        <p:spPr>
-          <a:xfrm>
-            <a:off x="5884164" y="585216"/>
-            <a:ext cx="6144482" cy="6030167"/>
-          </a:xfrm>
-          <a:prstGeom prst="rect">
-            <a:avLst/>
-          </a:prstGeom>
-          <a:ln w="19050">
-            <a:solidFill>
-              <a:schemeClr val="accent2">
-                <a:lumMod val="50000"/>
-              </a:schemeClr>
-            </a:solidFill>
-          </a:ln>
-        </p:spPr>
-      </p:pic>
     </p:spTree>
     <p:extLst>
       <p:ext uri="{BB962C8B-B14F-4D97-AF65-F5344CB8AC3E}">
-        <p14:creationId xmlns:p14="http://schemas.microsoft.com/office/powerpoint/2010/main" val="3586273789"/>
+        <p14:creationId xmlns:p14="http://schemas.microsoft.com/office/powerpoint/2010/main" val="3257875096"/>
       </p:ext>
     </p:extLst>
   </p:cSld>
@@ -24587,10 +25322,10 @@
       </p:grpSpPr>
       <p:sp>
         <p:nvSpPr>
-          <p:cNvPr id="14" name="Title 1">
+          <p:cNvPr id="2" name="Title 1">
             <a:extLst>
               <a:ext uri="{FF2B5EF4-FFF2-40B4-BE49-F238E27FC236}">
-                <a16:creationId xmlns:a16="http://schemas.microsoft.com/office/drawing/2014/main" id="{E5EAE4DA-4C16-41B8-8339-A43677534317}"/>
+                <a16:creationId xmlns:a16="http://schemas.microsoft.com/office/drawing/2014/main" id="{7B1BF93F-2BD9-4639-B86D-6E456BAA2C2C}"/>
               </a:ext>
             </a:extLst>
           </p:cNvPr>
@@ -24601,57 +25336,62 @@
             <p:ph type="title"/>
           </p:nvPr>
         </p:nvSpPr>
-        <p:spPr>
-          <a:xfrm>
-            <a:off x="1235964" y="167204"/>
-            <a:ext cx="9720072" cy="1499616"/>
-          </a:xfrm>
-        </p:spPr>
+        <p:spPr/>
         <p:txBody>
           <a:bodyPr/>
           <a:lstStyle/>
           <a:p>
             <a:r>
-              <a:rPr lang="en-GB" dirty="0"/>
-              <a:t>HYBRID Data architecture</a:t>
+              <a:rPr lang="en-IN" dirty="0"/>
+              <a:t>Data lake</a:t>
             </a:r>
-            <a:endParaRPr lang="en-IN" dirty="0"/>
           </a:p>
         </p:txBody>
       </p:sp>
       <p:pic>
         <p:nvPicPr>
-          <p:cNvPr id="15" name="Picture 14">
+          <p:cNvPr id="5" name="Content Placeholder 4">
             <a:extLst>
               <a:ext uri="{FF2B5EF4-FFF2-40B4-BE49-F238E27FC236}">
-                <a16:creationId xmlns:a16="http://schemas.microsoft.com/office/drawing/2014/main" id="{E6F2DF4B-662D-415D-B700-6D4C643F4B8A}"/>
+                <a16:creationId xmlns:a16="http://schemas.microsoft.com/office/drawing/2014/main" id="{0BB2C593-4BFA-484F-919D-49E6AB12AD8E}"/>
               </a:ext>
             </a:extLst>
           </p:cNvPr>
           <p:cNvPicPr>
-            <a:picLocks noChangeAspect="1"/>
+            <a:picLocks noGrp="1" noChangeAspect="1"/>
           </p:cNvPicPr>
-          <p:nvPr/>
+          <p:nvPr>
+            <p:ph idx="1"/>
+          </p:nvPr>
         </p:nvPicPr>
-        <p:blipFill rotWithShape="1">
-          <a:blip r:embed="rId3"/>
-          <a:srcRect t="24305"/>
-          <a:stretch/>
+        <p:blipFill>
+          <a:blip r:embed="rId2">
+            <a:extLst>
+              <a:ext uri="{28A0092B-C50C-407E-A947-70E740481C1C}">
+                <a14:useLocalDpi xmlns:a14="http://schemas.microsoft.com/office/drawing/2010/main" val="0"/>
+              </a:ext>
+            </a:extLst>
+          </a:blip>
+          <a:stretch>
+            <a:fillRect/>
+          </a:stretch>
         </p:blipFill>
         <p:spPr>
           <a:xfrm>
-            <a:off x="0" y="1666820"/>
-            <a:ext cx="12192000" cy="5191179"/>
+            <a:off x="1462396" y="2286000"/>
+            <a:ext cx="8843345" cy="4022725"/>
           </a:xfrm>
-          <a:prstGeom prst="rect">
-            <a:avLst/>
-          </a:prstGeom>
+          <a:ln w="19050">
+            <a:solidFill>
+              <a:schemeClr val="accent1"/>
+            </a:solidFill>
+          </a:ln>
         </p:spPr>
       </p:pic>
     </p:spTree>
     <p:extLst>
       <p:ext uri="{BB962C8B-B14F-4D97-AF65-F5344CB8AC3E}">
-        <p14:creationId xmlns:p14="http://schemas.microsoft.com/office/powerpoint/2010/main" val="3659286017"/>
+        <p14:creationId xmlns:p14="http://schemas.microsoft.com/office/powerpoint/2010/main" val="2780792555"/>
       </p:ext>
     </p:extLst>
   </p:cSld>

--- a/sessions/ChennaiAzureUserGroup/Snowflake_DW/Snowflake data warehouse.pptx
+++ b/sessions/ChennaiAzureUserGroup/Snowflake_DW/Snowflake data warehouse.pptx
@@ -5,33 +5,34 @@
     <p:sldMasterId id="2147483660" r:id="rId1"/>
   </p:sldMasterIdLst>
   <p:notesMasterIdLst>
-    <p:notesMasterId r:id="rId26"/>
+    <p:notesMasterId r:id="rId27"/>
   </p:notesMasterIdLst>
   <p:sldIdLst>
     <p:sldId id="256" r:id="rId2"/>
-    <p:sldId id="257" r:id="rId3"/>
-    <p:sldId id="267" r:id="rId4"/>
-    <p:sldId id="292" r:id="rId5"/>
-    <p:sldId id="2076136277" r:id="rId6"/>
-    <p:sldId id="276" r:id="rId7"/>
-    <p:sldId id="2076136279" r:id="rId8"/>
-    <p:sldId id="2076136280" r:id="rId9"/>
-    <p:sldId id="2076136282" r:id="rId10"/>
-    <p:sldId id="2076136285" r:id="rId11"/>
-    <p:sldId id="2076136283" r:id="rId12"/>
-    <p:sldId id="2076136290" r:id="rId13"/>
-    <p:sldId id="2076136284" r:id="rId14"/>
-    <p:sldId id="2076136292" r:id="rId15"/>
-    <p:sldId id="2076136271" r:id="rId16"/>
-    <p:sldId id="2076136272" r:id="rId17"/>
-    <p:sldId id="2076136273" r:id="rId18"/>
-    <p:sldId id="2076136274" r:id="rId19"/>
-    <p:sldId id="2076136288" r:id="rId20"/>
-    <p:sldId id="2076136293" r:id="rId21"/>
-    <p:sldId id="2076136289" r:id="rId22"/>
-    <p:sldId id="2076136291" r:id="rId23"/>
-    <p:sldId id="266" r:id="rId24"/>
-    <p:sldId id="2076136287" r:id="rId25"/>
+    <p:sldId id="2076136295" r:id="rId3"/>
+    <p:sldId id="257" r:id="rId4"/>
+    <p:sldId id="267" r:id="rId5"/>
+    <p:sldId id="292" r:id="rId6"/>
+    <p:sldId id="2076136277" r:id="rId7"/>
+    <p:sldId id="276" r:id="rId8"/>
+    <p:sldId id="2076136279" r:id="rId9"/>
+    <p:sldId id="2076136280" r:id="rId10"/>
+    <p:sldId id="2076136282" r:id="rId11"/>
+    <p:sldId id="2076136285" r:id="rId12"/>
+    <p:sldId id="2076136283" r:id="rId13"/>
+    <p:sldId id="2076136290" r:id="rId14"/>
+    <p:sldId id="2076136284" r:id="rId15"/>
+    <p:sldId id="2076136292" r:id="rId16"/>
+    <p:sldId id="2076136271" r:id="rId17"/>
+    <p:sldId id="2076136272" r:id="rId18"/>
+    <p:sldId id="2076136273" r:id="rId19"/>
+    <p:sldId id="2076136274" r:id="rId20"/>
+    <p:sldId id="2076136288" r:id="rId21"/>
+    <p:sldId id="2076136293" r:id="rId22"/>
+    <p:sldId id="2076136289" r:id="rId23"/>
+    <p:sldId id="2076136291" r:id="rId24"/>
+    <p:sldId id="266" r:id="rId25"/>
+    <p:sldId id="2076136287" r:id="rId26"/>
   </p:sldIdLst>
   <p:sldSz cx="12192000" cy="6858000"/>
   <p:notesSz cx="6858000" cy="9144000"/>
@@ -691,7 +692,7 @@
           <a:p>
             <a:fld id="{61D11EEE-6408-426C-86EC-A45CD40E17C7}" type="slidenum">
               <a:rPr lang="en-IN" smtClean="0"/>
-              <a:t>3</a:t>
+              <a:t>4</a:t>
             </a:fld>
             <a:endParaRPr lang="en-IN"/>
           </a:p>
@@ -805,7 +806,7 @@
           <a:p>
             <a:fld id="{5E50757B-0709-4736-92FA-0BEB494FC234}" type="slidenum">
               <a:rPr lang="en-US" smtClean="0"/>
-              <a:t>4</a:t>
+              <a:t>5</a:t>
             </a:fld>
             <a:endParaRPr lang="en-US" dirty="0"/>
           </a:p>
@@ -948,7 +949,7 @@
           <a:p>
             <a:fld id="{61D11EEE-6408-426C-86EC-A45CD40E17C7}" type="slidenum">
               <a:rPr lang="en-IN" smtClean="0"/>
-              <a:t>6</a:t>
+              <a:t>7</a:t>
             </a:fld>
             <a:endParaRPr lang="en-IN"/>
           </a:p>
@@ -1069,7 +1070,7 @@
           <a:p>
             <a:fld id="{F75603B9-19B4-4D8F-907A-25ED0F1ACBA1}" type="slidenum">
               <a:rPr lang="en-IN" smtClean="0"/>
-              <a:t>16</a:t>
+              <a:t>17</a:t>
             </a:fld>
             <a:endParaRPr lang="en-IN"/>
           </a:p>
@@ -1163,7 +1164,7 @@
           <a:p>
             <a:fld id="{F75603B9-19B4-4D8F-907A-25ED0F1ACBA1}" type="slidenum">
               <a:rPr lang="en-IN" smtClean="0"/>
-              <a:t>17</a:t>
+              <a:t>18</a:t>
             </a:fld>
             <a:endParaRPr lang="en-IN"/>
           </a:p>
@@ -1264,7 +1265,7 @@
           <a:p>
             <a:fld id="{61D11EEE-6408-426C-86EC-A45CD40E17C7}" type="slidenum">
               <a:rPr lang="en-IN" smtClean="0"/>
-              <a:t>23</a:t>
+              <a:t>24</a:t>
             </a:fld>
             <a:endParaRPr lang="en-IN"/>
           </a:p>
@@ -21869,6 +21870,104 @@
           <p:cNvPr id="2" name="Title 1">
             <a:extLst>
               <a:ext uri="{FF2B5EF4-FFF2-40B4-BE49-F238E27FC236}">
+                <a16:creationId xmlns:a16="http://schemas.microsoft.com/office/drawing/2014/main" id="{7B1BF93F-2BD9-4639-B86D-6E456BAA2C2C}"/>
+              </a:ext>
+            </a:extLst>
+          </p:cNvPr>
+          <p:cNvSpPr>
+            <a:spLocks noGrp="1"/>
+          </p:cNvSpPr>
+          <p:nvPr>
+            <p:ph type="title"/>
+          </p:nvPr>
+        </p:nvSpPr>
+        <p:spPr/>
+        <p:txBody>
+          <a:bodyPr/>
+          <a:lstStyle/>
+          <a:p>
+            <a:r>
+              <a:rPr lang="en-IN" dirty="0"/>
+              <a:t>Data lake</a:t>
+            </a:r>
+          </a:p>
+        </p:txBody>
+      </p:sp>
+      <p:pic>
+        <p:nvPicPr>
+          <p:cNvPr id="5" name="Content Placeholder 4">
+            <a:extLst>
+              <a:ext uri="{FF2B5EF4-FFF2-40B4-BE49-F238E27FC236}">
+                <a16:creationId xmlns:a16="http://schemas.microsoft.com/office/drawing/2014/main" id="{0BB2C593-4BFA-484F-919D-49E6AB12AD8E}"/>
+              </a:ext>
+            </a:extLst>
+          </p:cNvPr>
+          <p:cNvPicPr>
+            <a:picLocks noGrp="1" noChangeAspect="1"/>
+          </p:cNvPicPr>
+          <p:nvPr>
+            <p:ph idx="1"/>
+          </p:nvPr>
+        </p:nvPicPr>
+        <p:blipFill>
+          <a:blip r:embed="rId2">
+            <a:extLst>
+              <a:ext uri="{28A0092B-C50C-407E-A947-70E740481C1C}">
+                <a14:useLocalDpi xmlns:a14="http://schemas.microsoft.com/office/drawing/2010/main" val="0"/>
+              </a:ext>
+            </a:extLst>
+          </a:blip>
+          <a:stretch>
+            <a:fillRect/>
+          </a:stretch>
+        </p:blipFill>
+        <p:spPr>
+          <a:xfrm>
+            <a:off x="1462396" y="2286000"/>
+            <a:ext cx="8843345" cy="4022725"/>
+          </a:xfrm>
+          <a:ln w="19050">
+            <a:solidFill>
+              <a:schemeClr val="accent1"/>
+            </a:solidFill>
+          </a:ln>
+        </p:spPr>
+      </p:pic>
+    </p:spTree>
+    <p:extLst>
+      <p:ext uri="{BB962C8B-B14F-4D97-AF65-F5344CB8AC3E}">
+        <p14:creationId xmlns:p14="http://schemas.microsoft.com/office/powerpoint/2010/main" val="2780792555"/>
+      </p:ext>
+    </p:extLst>
+  </p:cSld>
+  <p:clrMapOvr>
+    <a:masterClrMapping/>
+  </p:clrMapOvr>
+</p:sld>
+</file>
+
+<file path=ppt/slides/slide11.xml><?xml version="1.0" encoding="utf-8"?>
+<p:sld xmlns:a="http://schemas.openxmlformats.org/drawingml/2006/main" xmlns:r="http://schemas.openxmlformats.org/officeDocument/2006/relationships" xmlns:p="http://schemas.openxmlformats.org/presentationml/2006/main">
+  <p:cSld>
+    <p:spTree>
+      <p:nvGrpSpPr>
+        <p:cNvPr id="1" name=""/>
+        <p:cNvGrpSpPr/>
+        <p:nvPr/>
+      </p:nvGrpSpPr>
+      <p:grpSpPr>
+        <a:xfrm>
+          <a:off x="0" y="0"/>
+          <a:ext cx="0" cy="0"/>
+          <a:chOff x="0" y="0"/>
+          <a:chExt cx="0" cy="0"/>
+        </a:xfrm>
+      </p:grpSpPr>
+      <p:sp>
+        <p:nvSpPr>
+          <p:cNvPr id="2" name="Title 1">
+            <a:extLst>
+              <a:ext uri="{FF2B5EF4-FFF2-40B4-BE49-F238E27FC236}">
                 <a16:creationId xmlns:a16="http://schemas.microsoft.com/office/drawing/2014/main" id="{A306D20B-C306-4240-A2BB-312A9CDD389F}"/>
               </a:ext>
             </a:extLst>
@@ -21930,7 +22029,7 @@
 </p:sld>
 </file>
 
-<file path=ppt/slides/slide11.xml><?xml version="1.0" encoding="utf-8"?>
+<file path=ppt/slides/slide12.xml><?xml version="1.0" encoding="utf-8"?>
 <p:sld xmlns:a="http://schemas.openxmlformats.org/drawingml/2006/main" xmlns:r="http://schemas.openxmlformats.org/officeDocument/2006/relationships" xmlns:p="http://schemas.openxmlformats.org/presentationml/2006/main">
   <p:cSld>
     <p:spTree>
@@ -22505,7 +22604,7 @@
 </p:sld>
 </file>
 
-<file path=ppt/slides/slide12.xml><?xml version="1.0" encoding="utf-8"?>
+<file path=ppt/slides/slide13.xml><?xml version="1.0" encoding="utf-8"?>
 <p:sld xmlns:a="http://schemas.openxmlformats.org/drawingml/2006/main" xmlns:r="http://schemas.openxmlformats.org/officeDocument/2006/relationships" xmlns:p="http://schemas.openxmlformats.org/presentationml/2006/main">
   <p:cSld>
     <p:spTree>
@@ -22599,7 +22698,7 @@
 </p:sld>
 </file>
 
-<file path=ppt/slides/slide13.xml><?xml version="1.0" encoding="utf-8"?>
+<file path=ppt/slides/slide14.xml><?xml version="1.0" encoding="utf-8"?>
 <p:sld xmlns:a="http://schemas.openxmlformats.org/drawingml/2006/main" xmlns:r="http://schemas.openxmlformats.org/officeDocument/2006/relationships" xmlns:p="http://schemas.openxmlformats.org/presentationml/2006/main">
   <p:cSld>
     <p:spTree>
@@ -22685,7 +22784,7 @@
 </p:sld>
 </file>
 
-<file path=ppt/slides/slide14.xml><?xml version="1.0" encoding="utf-8"?>
+<file path=ppt/slides/slide15.xml><?xml version="1.0" encoding="utf-8"?>
 <p:sld xmlns:a="http://schemas.openxmlformats.org/drawingml/2006/main" xmlns:r="http://schemas.openxmlformats.org/officeDocument/2006/relationships" xmlns:p="http://schemas.openxmlformats.org/presentationml/2006/main">
   <p:cSld>
     <p:spTree>
@@ -22745,7 +22844,7 @@
 </p:sld>
 </file>
 
-<file path=ppt/slides/slide15.xml><?xml version="1.0" encoding="utf-8"?>
+<file path=ppt/slides/slide16.xml><?xml version="1.0" encoding="utf-8"?>
 <p:sld xmlns:a="http://schemas.openxmlformats.org/drawingml/2006/main" xmlns:r="http://schemas.openxmlformats.org/officeDocument/2006/relationships" xmlns:p="http://schemas.openxmlformats.org/presentationml/2006/main">
   <p:cSld>
     <p:spTree>
@@ -22861,7 +22960,7 @@
 </p:sld>
 </file>
 
-<file path=ppt/slides/slide16.xml><?xml version="1.0" encoding="utf-8"?>
+<file path=ppt/slides/slide17.xml><?xml version="1.0" encoding="utf-8"?>
 <p:sld xmlns:a="http://schemas.openxmlformats.org/drawingml/2006/main" xmlns:r="http://schemas.openxmlformats.org/officeDocument/2006/relationships" xmlns:p="http://schemas.openxmlformats.org/presentationml/2006/main">
   <p:cSld>
     <p:spTree>
@@ -22955,7 +23054,7 @@
 </p:sld>
 </file>
 
-<file path=ppt/slides/slide17.xml><?xml version="1.0" encoding="utf-8"?>
+<file path=ppt/slides/slide18.xml><?xml version="1.0" encoding="utf-8"?>
 <p:sld xmlns:a="http://schemas.openxmlformats.org/drawingml/2006/main" xmlns:r="http://schemas.openxmlformats.org/officeDocument/2006/relationships" xmlns:p="http://schemas.openxmlformats.org/presentationml/2006/main">
   <p:cSld>
     <p:spTree>
@@ -23100,7 +23199,7 @@
 </p:sld>
 </file>
 
-<file path=ppt/slides/slide18.xml><?xml version="1.0" encoding="utf-8"?>
+<file path=ppt/slides/slide19.xml><?xml version="1.0" encoding="utf-8"?>
 <p:sld xmlns:a="http://schemas.openxmlformats.org/drawingml/2006/main" xmlns:r="http://schemas.openxmlformats.org/officeDocument/2006/relationships" xmlns:p="http://schemas.openxmlformats.org/presentationml/2006/main">
   <p:cSld>
     <p:spTree>
@@ -23210,7 +23309,208 @@
 </p:sld>
 </file>
 
-<file path=ppt/slides/slide19.xml><?xml version="1.0" encoding="utf-8"?>
+<file path=ppt/slides/slide2.xml><?xml version="1.0" encoding="utf-8"?>
+<p:sld xmlns:a="http://schemas.openxmlformats.org/drawingml/2006/main" xmlns:r="http://schemas.openxmlformats.org/officeDocument/2006/relationships" xmlns:p="http://schemas.openxmlformats.org/presentationml/2006/main">
+  <p:cSld>
+    <p:spTree>
+      <p:nvGrpSpPr>
+        <p:cNvPr id="1" name=""/>
+        <p:cNvGrpSpPr/>
+        <p:nvPr/>
+      </p:nvGrpSpPr>
+      <p:grpSpPr>
+        <a:xfrm>
+          <a:off x="0" y="0"/>
+          <a:ext cx="0" cy="0"/>
+          <a:chOff x="0" y="0"/>
+          <a:chExt cx="0" cy="0"/>
+        </a:xfrm>
+      </p:grpSpPr>
+      <p:sp>
+        <p:nvSpPr>
+          <p:cNvPr id="2" name="Title 1">
+            <a:extLst>
+              <a:ext uri="{FF2B5EF4-FFF2-40B4-BE49-F238E27FC236}">
+                <a16:creationId xmlns:a16="http://schemas.microsoft.com/office/drawing/2014/main" id="{00AA7ACC-64E8-45FB-89BC-ECE6298E9E23}"/>
+              </a:ext>
+            </a:extLst>
+          </p:cNvPr>
+          <p:cNvSpPr>
+            <a:spLocks noGrp="1"/>
+          </p:cNvSpPr>
+          <p:nvPr>
+            <p:ph type="title"/>
+          </p:nvPr>
+        </p:nvSpPr>
+        <p:spPr/>
+        <p:txBody>
+          <a:bodyPr/>
+          <a:lstStyle/>
+          <a:p>
+            <a:r>
+              <a:rPr lang="en-IN" dirty="0"/>
+              <a:t>speakers</a:t>
+            </a:r>
+          </a:p>
+        </p:txBody>
+      </p:sp>
+      <p:sp>
+        <p:nvSpPr>
+          <p:cNvPr id="3" name="Text Placeholder 2">
+            <a:extLst>
+              <a:ext uri="{FF2B5EF4-FFF2-40B4-BE49-F238E27FC236}">
+                <a16:creationId xmlns:a16="http://schemas.microsoft.com/office/drawing/2014/main" id="{9290C163-655E-4543-8EC2-5F1AB5C4E594}"/>
+              </a:ext>
+            </a:extLst>
+          </p:cNvPr>
+          <p:cNvSpPr>
+            <a:spLocks noGrp="1"/>
+          </p:cNvSpPr>
+          <p:nvPr>
+            <p:ph type="body" idx="1"/>
+          </p:nvPr>
+        </p:nvSpPr>
+        <p:spPr/>
+        <p:txBody>
+          <a:bodyPr>
+            <a:normAutofit/>
+          </a:bodyPr>
+          <a:lstStyle/>
+          <a:p>
+            <a:r>
+              <a:rPr lang="en-IN" dirty="0"/>
+              <a:t>Dinesh Kumar P</a:t>
+            </a:r>
+            <a:br>
+              <a:rPr lang="en-IN" dirty="0"/>
+            </a:br>
+            <a:r>
+              <a:rPr lang="en-IN" dirty="0"/>
+              <a:t>Product Manager, Kissflow</a:t>
+            </a:r>
+          </a:p>
+        </p:txBody>
+      </p:sp>
+      <p:pic>
+        <p:nvPicPr>
+          <p:cNvPr id="8" name="Content Placeholder 7">
+            <a:extLst>
+              <a:ext uri="{FF2B5EF4-FFF2-40B4-BE49-F238E27FC236}">
+                <a16:creationId xmlns:a16="http://schemas.microsoft.com/office/drawing/2014/main" id="{A8486CCC-1631-40CA-BDE5-2B8C636E02DC}"/>
+              </a:ext>
+            </a:extLst>
+          </p:cNvPr>
+          <p:cNvPicPr>
+            <a:picLocks noGrp="1" noChangeAspect="1"/>
+          </p:cNvPicPr>
+          <p:nvPr>
+            <p:ph sz="half" idx="2"/>
+          </p:nvPr>
+        </p:nvPicPr>
+        <p:blipFill>
+          <a:blip r:embed="rId2">
+            <a:extLst>
+              <a:ext uri="{28A0092B-C50C-407E-A947-70E740481C1C}">
+                <a14:useLocalDpi xmlns:a14="http://schemas.microsoft.com/office/drawing/2010/main" val="0"/>
+              </a:ext>
+            </a:extLst>
+          </a:blip>
+          <a:stretch>
+            <a:fillRect/>
+          </a:stretch>
+        </p:blipFill>
+        <p:spPr>
+          <a:xfrm>
+            <a:off x="1024128" y="3097400"/>
+            <a:ext cx="3188677" cy="3188677"/>
+          </a:xfrm>
+        </p:spPr>
+      </p:pic>
+      <p:sp>
+        <p:nvSpPr>
+          <p:cNvPr id="5" name="Text Placeholder 4">
+            <a:extLst>
+              <a:ext uri="{FF2B5EF4-FFF2-40B4-BE49-F238E27FC236}">
+                <a16:creationId xmlns:a16="http://schemas.microsoft.com/office/drawing/2014/main" id="{C86B4F40-B880-4462-905A-474424B6C49A}"/>
+              </a:ext>
+            </a:extLst>
+          </p:cNvPr>
+          <p:cNvSpPr>
+            <a:spLocks noGrp="1"/>
+          </p:cNvSpPr>
+          <p:nvPr>
+            <p:ph type="body" sz="quarter" idx="3"/>
+          </p:nvPr>
+        </p:nvSpPr>
+        <p:spPr/>
+        <p:txBody>
+          <a:bodyPr>
+            <a:normAutofit/>
+          </a:bodyPr>
+          <a:lstStyle/>
+          <a:p>
+            <a:r>
+              <a:rPr lang="en-IN" dirty="0"/>
+              <a:t>Prashanth K</a:t>
+            </a:r>
+          </a:p>
+          <a:p>
+            <a:r>
+              <a:rPr lang="en-IN" dirty="0"/>
+              <a:t>Tech Lead, Kissflow</a:t>
+            </a:r>
+          </a:p>
+        </p:txBody>
+      </p:sp>
+      <p:pic>
+        <p:nvPicPr>
+          <p:cNvPr id="10" name="Content Placeholder 9">
+            <a:extLst>
+              <a:ext uri="{FF2B5EF4-FFF2-40B4-BE49-F238E27FC236}">
+                <a16:creationId xmlns:a16="http://schemas.microsoft.com/office/drawing/2014/main" id="{D5A2C00F-A7DE-4112-9CB8-1A46C149D8DC}"/>
+              </a:ext>
+            </a:extLst>
+          </p:cNvPr>
+          <p:cNvPicPr>
+            <a:picLocks noGrp="1" noChangeAspect="1"/>
+          </p:cNvPicPr>
+          <p:nvPr>
+            <p:ph sz="quarter" idx="4"/>
+          </p:nvPr>
+        </p:nvPicPr>
+        <p:blipFill>
+          <a:blip r:embed="rId3">
+            <a:extLst>
+              <a:ext uri="{28A0092B-C50C-407E-A947-70E740481C1C}">
+                <a14:useLocalDpi xmlns:a14="http://schemas.microsoft.com/office/drawing/2010/main" val="0"/>
+              </a:ext>
+            </a:extLst>
+          </a:blip>
+          <a:stretch>
+            <a:fillRect/>
+          </a:stretch>
+        </p:blipFill>
+        <p:spPr>
+          <a:xfrm>
+            <a:off x="6096000" y="3097400"/>
+            <a:ext cx="3188677" cy="3188677"/>
+          </a:xfrm>
+        </p:spPr>
+      </p:pic>
+    </p:spTree>
+    <p:extLst>
+      <p:ext uri="{BB962C8B-B14F-4D97-AF65-F5344CB8AC3E}">
+        <p14:creationId xmlns:p14="http://schemas.microsoft.com/office/powerpoint/2010/main" val="1371986380"/>
+      </p:ext>
+    </p:extLst>
+  </p:cSld>
+  <p:clrMapOvr>
+    <a:masterClrMapping/>
+  </p:clrMapOvr>
+</p:sld>
+</file>
+
+<file path=ppt/slides/slide20.xml><?xml version="1.0" encoding="utf-8"?>
 <p:sld xmlns:a="http://schemas.openxmlformats.org/drawingml/2006/main" xmlns:r="http://schemas.openxmlformats.org/officeDocument/2006/relationships" xmlns:p="http://schemas.openxmlformats.org/presentationml/2006/main">
   <p:cSld>
     <p:spTree>
@@ -23302,128 +23602,7 @@
 </p:sld>
 </file>
 
-<file path=ppt/slides/slide2.xml><?xml version="1.0" encoding="utf-8"?>
-<p:sld xmlns:a="http://schemas.openxmlformats.org/drawingml/2006/main" xmlns:r="http://schemas.openxmlformats.org/officeDocument/2006/relationships" xmlns:p="http://schemas.openxmlformats.org/presentationml/2006/main">
-  <p:cSld>
-    <p:spTree>
-      <p:nvGrpSpPr>
-        <p:cNvPr id="1" name=""/>
-        <p:cNvGrpSpPr/>
-        <p:nvPr/>
-      </p:nvGrpSpPr>
-      <p:grpSpPr>
-        <a:xfrm>
-          <a:off x="0" y="0"/>
-          <a:ext cx="0" cy="0"/>
-          <a:chOff x="0" y="0"/>
-          <a:chExt cx="0" cy="0"/>
-        </a:xfrm>
-      </p:grpSpPr>
-      <p:sp>
-        <p:nvSpPr>
-          <p:cNvPr id="2" name="Title 1">
-            <a:extLst>
-              <a:ext uri="{FF2B5EF4-FFF2-40B4-BE49-F238E27FC236}">
-                <a16:creationId xmlns:a16="http://schemas.microsoft.com/office/drawing/2014/main" id="{E77F26A8-E1F8-4638-A540-FF34E014A55A}"/>
-              </a:ext>
-            </a:extLst>
-          </p:cNvPr>
-          <p:cNvSpPr>
-            <a:spLocks noGrp="1"/>
-          </p:cNvSpPr>
-          <p:nvPr>
-            <p:ph type="title"/>
-          </p:nvPr>
-        </p:nvSpPr>
-        <p:spPr/>
-        <p:txBody>
-          <a:bodyPr/>
-          <a:lstStyle/>
-          <a:p>
-            <a:r>
-              <a:rPr lang="en-IN" dirty="0"/>
-              <a:t>Agenda</a:t>
-            </a:r>
-          </a:p>
-        </p:txBody>
-      </p:sp>
-      <p:sp>
-        <p:nvSpPr>
-          <p:cNvPr id="3" name="Content Placeholder 2">
-            <a:extLst>
-              <a:ext uri="{FF2B5EF4-FFF2-40B4-BE49-F238E27FC236}">
-                <a16:creationId xmlns:a16="http://schemas.microsoft.com/office/drawing/2014/main" id="{B6610847-6A42-4A9B-AAB3-632C25A2A065}"/>
-              </a:ext>
-            </a:extLst>
-          </p:cNvPr>
-          <p:cNvSpPr>
-            <a:spLocks noGrp="1"/>
-          </p:cNvSpPr>
-          <p:nvPr>
-            <p:ph idx="1"/>
-          </p:nvPr>
-        </p:nvSpPr>
-        <p:spPr/>
-        <p:txBody>
-          <a:bodyPr/>
-          <a:lstStyle/>
-          <a:p>
-            <a:r>
-              <a:rPr lang="en-IN" dirty="0"/>
-              <a:t>Demystify what makes a (cloud) Data warehouse different by its core architecture from Database, Data Lake.</a:t>
-            </a:r>
-          </a:p>
-          <a:p>
-            <a:r>
-              <a:rPr lang="en-IN" dirty="0"/>
-              <a:t>Cloud data warehouse.</a:t>
-            </a:r>
-          </a:p>
-          <a:p>
-            <a:r>
-              <a:rPr lang="en-IN" dirty="0"/>
-              <a:t>What is Snowflake?</a:t>
-            </a:r>
-          </a:p>
-          <a:p>
-            <a:r>
-              <a:rPr lang="en-IN" dirty="0"/>
-              <a:t>Why Snowflake? </a:t>
-            </a:r>
-          </a:p>
-          <a:p>
-            <a:r>
-              <a:rPr lang="en-IN" dirty="0"/>
-              <a:t>Live demo - Auto inject Twitter data into Snowflake using </a:t>
-            </a:r>
-            <a:r>
-              <a:rPr lang="en-IN" dirty="0" err="1"/>
-              <a:t>Snowpipe</a:t>
-            </a:r>
-            <a:r>
-              <a:rPr lang="en-IN" dirty="0"/>
-              <a:t> and do real-time analysis in Power BI.</a:t>
-            </a:r>
-          </a:p>
-          <a:p>
-            <a:endParaRPr lang="en-IN" dirty="0"/>
-          </a:p>
-        </p:txBody>
-      </p:sp>
-    </p:spTree>
-    <p:extLst>
-      <p:ext uri="{BB962C8B-B14F-4D97-AF65-F5344CB8AC3E}">
-        <p14:creationId xmlns:p14="http://schemas.microsoft.com/office/powerpoint/2010/main" val="3028317344"/>
-      </p:ext>
-    </p:extLst>
-  </p:cSld>
-  <p:clrMapOvr>
-    <a:masterClrMapping/>
-  </p:clrMapOvr>
-</p:sld>
-</file>
-
-<file path=ppt/slides/slide20.xml><?xml version="1.0" encoding="utf-8"?>
+<file path=ppt/slides/slide21.xml><?xml version="1.0" encoding="utf-8"?>
 <p:sld xmlns:a="http://schemas.openxmlformats.org/drawingml/2006/main" xmlns:r="http://schemas.openxmlformats.org/officeDocument/2006/relationships" xmlns:p="http://schemas.openxmlformats.org/presentationml/2006/main">
   <p:cSld>
     <p:spTree>
@@ -23526,7 +23705,7 @@
 </p:sld>
 </file>
 
-<file path=ppt/slides/slide21.xml><?xml version="1.0" encoding="utf-8"?>
+<file path=ppt/slides/slide22.xml><?xml version="1.0" encoding="utf-8"?>
 <p:sld xmlns:a="http://schemas.openxmlformats.org/drawingml/2006/main" xmlns:r="http://schemas.openxmlformats.org/officeDocument/2006/relationships" xmlns:p="http://schemas.openxmlformats.org/presentationml/2006/main">
   <p:cSld>
     <p:spTree>
@@ -23618,7 +23797,7 @@
 </p:sld>
 </file>
 
-<file path=ppt/slides/slide22.xml><?xml version="1.0" encoding="utf-8"?>
+<file path=ppt/slides/slide23.xml><?xml version="1.0" encoding="utf-8"?>
 <p:sld xmlns:a="http://schemas.openxmlformats.org/drawingml/2006/main" xmlns:r="http://schemas.openxmlformats.org/officeDocument/2006/relationships" xmlns:p="http://schemas.openxmlformats.org/presentationml/2006/main">
   <p:cSld>
     <p:spTree>
@@ -23705,7 +23884,7 @@
 </p:sld>
 </file>
 
-<file path=ppt/slides/slide23.xml><?xml version="1.0" encoding="utf-8"?>
+<file path=ppt/slides/slide24.xml><?xml version="1.0" encoding="utf-8"?>
 <p:sld xmlns:a="http://schemas.openxmlformats.org/drawingml/2006/main" xmlns:r="http://schemas.openxmlformats.org/officeDocument/2006/relationships" xmlns:p="http://schemas.openxmlformats.org/presentationml/2006/main">
   <p:cSld>
     <p:spTree>
@@ -23875,7 +24054,7 @@
 </p:sld>
 </file>
 
-<file path=ppt/slides/slide24.xml><?xml version="1.0" encoding="utf-8"?>
+<file path=ppt/slides/slide25.xml><?xml version="1.0" encoding="utf-8"?>
 <p:sld xmlns:a="http://schemas.openxmlformats.org/drawingml/2006/main" xmlns:r="http://schemas.openxmlformats.org/officeDocument/2006/relationships" xmlns:p="http://schemas.openxmlformats.org/presentationml/2006/main">
   <p:cSld>
     <p:spTree>
@@ -24022,6 +24201,127 @@
           <p:cNvPr id="2" name="Title 1">
             <a:extLst>
               <a:ext uri="{FF2B5EF4-FFF2-40B4-BE49-F238E27FC236}">
+                <a16:creationId xmlns:a16="http://schemas.microsoft.com/office/drawing/2014/main" id="{E77F26A8-E1F8-4638-A540-FF34E014A55A}"/>
+              </a:ext>
+            </a:extLst>
+          </p:cNvPr>
+          <p:cNvSpPr>
+            <a:spLocks noGrp="1"/>
+          </p:cNvSpPr>
+          <p:nvPr>
+            <p:ph type="title"/>
+          </p:nvPr>
+        </p:nvSpPr>
+        <p:spPr/>
+        <p:txBody>
+          <a:bodyPr/>
+          <a:lstStyle/>
+          <a:p>
+            <a:r>
+              <a:rPr lang="en-IN" dirty="0"/>
+              <a:t>Agenda</a:t>
+            </a:r>
+          </a:p>
+        </p:txBody>
+      </p:sp>
+      <p:sp>
+        <p:nvSpPr>
+          <p:cNvPr id="3" name="Content Placeholder 2">
+            <a:extLst>
+              <a:ext uri="{FF2B5EF4-FFF2-40B4-BE49-F238E27FC236}">
+                <a16:creationId xmlns:a16="http://schemas.microsoft.com/office/drawing/2014/main" id="{B6610847-6A42-4A9B-AAB3-632C25A2A065}"/>
+              </a:ext>
+            </a:extLst>
+          </p:cNvPr>
+          <p:cNvSpPr>
+            <a:spLocks noGrp="1"/>
+          </p:cNvSpPr>
+          <p:nvPr>
+            <p:ph idx="1"/>
+          </p:nvPr>
+        </p:nvSpPr>
+        <p:spPr/>
+        <p:txBody>
+          <a:bodyPr/>
+          <a:lstStyle/>
+          <a:p>
+            <a:r>
+              <a:rPr lang="en-IN" dirty="0"/>
+              <a:t>Demystify what makes a (cloud) Data warehouse different by its core architecture from Database, Data Lake.</a:t>
+            </a:r>
+          </a:p>
+          <a:p>
+            <a:r>
+              <a:rPr lang="en-IN" dirty="0"/>
+              <a:t>Cloud data warehouse.</a:t>
+            </a:r>
+          </a:p>
+          <a:p>
+            <a:r>
+              <a:rPr lang="en-IN" dirty="0"/>
+              <a:t>What is Snowflake?</a:t>
+            </a:r>
+          </a:p>
+          <a:p>
+            <a:r>
+              <a:rPr lang="en-IN" dirty="0"/>
+              <a:t>Why Snowflake? </a:t>
+            </a:r>
+          </a:p>
+          <a:p>
+            <a:r>
+              <a:rPr lang="en-IN" dirty="0"/>
+              <a:t>Live demo - Auto inject Twitter data into Snowflake using </a:t>
+            </a:r>
+            <a:r>
+              <a:rPr lang="en-IN" dirty="0" err="1"/>
+              <a:t>Snowpipe</a:t>
+            </a:r>
+            <a:r>
+              <a:rPr lang="en-IN" dirty="0"/>
+              <a:t> and do real-time analysis in Power BI.</a:t>
+            </a:r>
+          </a:p>
+          <a:p>
+            <a:endParaRPr lang="en-IN" dirty="0"/>
+          </a:p>
+        </p:txBody>
+      </p:sp>
+    </p:spTree>
+    <p:extLst>
+      <p:ext uri="{BB962C8B-B14F-4D97-AF65-F5344CB8AC3E}">
+        <p14:creationId xmlns:p14="http://schemas.microsoft.com/office/powerpoint/2010/main" val="3028317344"/>
+      </p:ext>
+    </p:extLst>
+  </p:cSld>
+  <p:clrMapOvr>
+    <a:masterClrMapping/>
+  </p:clrMapOvr>
+</p:sld>
+</file>
+
+<file path=ppt/slides/slide4.xml><?xml version="1.0" encoding="utf-8"?>
+<p:sld xmlns:a="http://schemas.openxmlformats.org/drawingml/2006/main" xmlns:r="http://schemas.openxmlformats.org/officeDocument/2006/relationships" xmlns:p="http://schemas.openxmlformats.org/presentationml/2006/main">
+  <p:cSld>
+    <p:spTree>
+      <p:nvGrpSpPr>
+        <p:cNvPr id="1" name=""/>
+        <p:cNvGrpSpPr/>
+        <p:nvPr/>
+      </p:nvGrpSpPr>
+      <p:grpSpPr>
+        <a:xfrm>
+          <a:off x="0" y="0"/>
+          <a:ext cx="0" cy="0"/>
+          <a:chOff x="0" y="0"/>
+          <a:chExt cx="0" cy="0"/>
+        </a:xfrm>
+      </p:grpSpPr>
+      <p:sp>
+        <p:nvSpPr>
+          <p:cNvPr id="2" name="Title 1">
+            <a:extLst>
+              <a:ext uri="{FF2B5EF4-FFF2-40B4-BE49-F238E27FC236}">
                 <a16:creationId xmlns:a16="http://schemas.microsoft.com/office/drawing/2014/main" id="{FE9B6402-BEBE-42C7-8AB9-98D0C01FE32F}"/>
               </a:ext>
             </a:extLst>
@@ -24110,7 +24410,7 @@
 </p:sld>
 </file>
 
-<file path=ppt/slides/slide4.xml><?xml version="1.0" encoding="utf-8"?>
+<file path=ppt/slides/slide5.xml><?xml version="1.0" encoding="utf-8"?>
 <p:sld xmlns:a="http://schemas.openxmlformats.org/drawingml/2006/main" xmlns:r="http://schemas.openxmlformats.org/officeDocument/2006/relationships" xmlns:p="http://schemas.openxmlformats.org/presentationml/2006/main">
   <p:cSld>
     <p:spTree>
@@ -24336,7 +24636,7 @@
 </p:sld>
 </file>
 
-<file path=ppt/slides/slide5.xml><?xml version="1.0" encoding="utf-8"?>
+<file path=ppt/slides/slide6.xml><?xml version="1.0" encoding="utf-8"?>
 <p:sld xmlns:a="http://schemas.openxmlformats.org/drawingml/2006/main" xmlns:r="http://schemas.openxmlformats.org/officeDocument/2006/relationships" xmlns:p="http://schemas.openxmlformats.org/presentationml/2006/main">
   <p:cSld>
     <p:spTree>
@@ -24542,7 +24842,7 @@
 </p:sld>
 </file>
 
-<file path=ppt/slides/slide6.xml><?xml version="1.0" encoding="utf-8"?>
+<file path=ppt/slides/slide7.xml><?xml version="1.0" encoding="utf-8"?>
 <p:sld xmlns:a="http://schemas.openxmlformats.org/drawingml/2006/main" xmlns:r="http://schemas.openxmlformats.org/officeDocument/2006/relationships" xmlns:p="http://schemas.openxmlformats.org/presentationml/2006/main">
   <p:cSld>
     <p:spTree>
@@ -24899,7 +25199,7 @@
 </p:sld>
 </file>
 
-<file path=ppt/slides/slide7.xml><?xml version="1.0" encoding="utf-8"?>
+<file path=ppt/slides/slide8.xml><?xml version="1.0" encoding="utf-8"?>
 <p:sld xmlns:a="http://schemas.openxmlformats.org/drawingml/2006/main" xmlns:r="http://schemas.openxmlformats.org/officeDocument/2006/relationships" xmlns:p="http://schemas.openxmlformats.org/presentationml/2006/main">
   <p:cSld>
     <p:spTree>
@@ -25097,7 +25397,7 @@
 </p:sld>
 </file>
 
-<file path=ppt/slides/slide8.xml><?xml version="1.0" encoding="utf-8"?>
+<file path=ppt/slides/slide9.xml><?xml version="1.0" encoding="utf-8"?>
 <p:sld xmlns:a="http://schemas.openxmlformats.org/drawingml/2006/main" xmlns:r="http://schemas.openxmlformats.org/officeDocument/2006/relationships" xmlns:p="http://schemas.openxmlformats.org/presentationml/2006/main">
   <p:cSld>
     <p:spTree>
@@ -25294,104 +25594,6 @@
     <p:extLst>
       <p:ext uri="{BB962C8B-B14F-4D97-AF65-F5344CB8AC3E}">
         <p14:creationId xmlns:p14="http://schemas.microsoft.com/office/powerpoint/2010/main" val="3257875096"/>
-      </p:ext>
-    </p:extLst>
-  </p:cSld>
-  <p:clrMapOvr>
-    <a:masterClrMapping/>
-  </p:clrMapOvr>
-</p:sld>
-</file>
-
-<file path=ppt/slides/slide9.xml><?xml version="1.0" encoding="utf-8"?>
-<p:sld xmlns:a="http://schemas.openxmlformats.org/drawingml/2006/main" xmlns:r="http://schemas.openxmlformats.org/officeDocument/2006/relationships" xmlns:p="http://schemas.openxmlformats.org/presentationml/2006/main">
-  <p:cSld>
-    <p:spTree>
-      <p:nvGrpSpPr>
-        <p:cNvPr id="1" name=""/>
-        <p:cNvGrpSpPr/>
-        <p:nvPr/>
-      </p:nvGrpSpPr>
-      <p:grpSpPr>
-        <a:xfrm>
-          <a:off x="0" y="0"/>
-          <a:ext cx="0" cy="0"/>
-          <a:chOff x="0" y="0"/>
-          <a:chExt cx="0" cy="0"/>
-        </a:xfrm>
-      </p:grpSpPr>
-      <p:sp>
-        <p:nvSpPr>
-          <p:cNvPr id="2" name="Title 1">
-            <a:extLst>
-              <a:ext uri="{FF2B5EF4-FFF2-40B4-BE49-F238E27FC236}">
-                <a16:creationId xmlns:a16="http://schemas.microsoft.com/office/drawing/2014/main" id="{7B1BF93F-2BD9-4639-B86D-6E456BAA2C2C}"/>
-              </a:ext>
-            </a:extLst>
-          </p:cNvPr>
-          <p:cNvSpPr>
-            <a:spLocks noGrp="1"/>
-          </p:cNvSpPr>
-          <p:nvPr>
-            <p:ph type="title"/>
-          </p:nvPr>
-        </p:nvSpPr>
-        <p:spPr/>
-        <p:txBody>
-          <a:bodyPr/>
-          <a:lstStyle/>
-          <a:p>
-            <a:r>
-              <a:rPr lang="en-IN" dirty="0"/>
-              <a:t>Data lake</a:t>
-            </a:r>
-          </a:p>
-        </p:txBody>
-      </p:sp>
-      <p:pic>
-        <p:nvPicPr>
-          <p:cNvPr id="5" name="Content Placeholder 4">
-            <a:extLst>
-              <a:ext uri="{FF2B5EF4-FFF2-40B4-BE49-F238E27FC236}">
-                <a16:creationId xmlns:a16="http://schemas.microsoft.com/office/drawing/2014/main" id="{0BB2C593-4BFA-484F-919D-49E6AB12AD8E}"/>
-              </a:ext>
-            </a:extLst>
-          </p:cNvPr>
-          <p:cNvPicPr>
-            <a:picLocks noGrp="1" noChangeAspect="1"/>
-          </p:cNvPicPr>
-          <p:nvPr>
-            <p:ph idx="1"/>
-          </p:nvPr>
-        </p:nvPicPr>
-        <p:blipFill>
-          <a:blip r:embed="rId2">
-            <a:extLst>
-              <a:ext uri="{28A0092B-C50C-407E-A947-70E740481C1C}">
-                <a14:useLocalDpi xmlns:a14="http://schemas.microsoft.com/office/drawing/2010/main" val="0"/>
-              </a:ext>
-            </a:extLst>
-          </a:blip>
-          <a:stretch>
-            <a:fillRect/>
-          </a:stretch>
-        </p:blipFill>
-        <p:spPr>
-          <a:xfrm>
-            <a:off x="1462396" y="2286000"/>
-            <a:ext cx="8843345" cy="4022725"/>
-          </a:xfrm>
-          <a:ln w="19050">
-            <a:solidFill>
-              <a:schemeClr val="accent1"/>
-            </a:solidFill>
-          </a:ln>
-        </p:spPr>
-      </p:pic>
-    </p:spTree>
-    <p:extLst>
-      <p:ext uri="{BB962C8B-B14F-4D97-AF65-F5344CB8AC3E}">
-        <p14:creationId xmlns:p14="http://schemas.microsoft.com/office/powerpoint/2010/main" val="2780792555"/>
       </p:ext>
     </p:extLst>
   </p:cSld>
